--- a/vigenere.pptx
+++ b/vigenere.pptx
@@ -5,7 +5,7 @@
     <p:sldMasterId id="2147483660" r:id="rId1"/>
   </p:sldMasterIdLst>
   <p:notesMasterIdLst>
-    <p:notesMasterId r:id="rId10"/>
+    <p:notesMasterId r:id="rId11"/>
   </p:notesMasterIdLst>
   <p:sldIdLst>
     <p:sldId id="256" r:id="rId2"/>
@@ -14,8 +14,9 @@
     <p:sldId id="259" r:id="rId5"/>
     <p:sldId id="261" r:id="rId6"/>
     <p:sldId id="263" r:id="rId7"/>
-    <p:sldId id="264" r:id="rId8"/>
-    <p:sldId id="265" r:id="rId9"/>
+    <p:sldId id="266" r:id="rId8"/>
+    <p:sldId id="264" r:id="rId9"/>
+    <p:sldId id="265" r:id="rId10"/>
   </p:sldIdLst>
   <p:sldSz cx="12192000" cy="6858000"/>
   <p:notesSz cx="6858000" cy="9144000"/>
@@ -114,6 +115,11 @@
       </a:defRPr>
     </a:lvl9pPr>
   </p:defaultTextStyle>
+  <p:extLst>
+    <p:ext uri="{EFAFB233-063F-42B5-8137-9DF3F51BA10A}">
+      <p15:sldGuideLst xmlns:p15="http://schemas.microsoft.com/office/powerpoint/2012/main"/>
+    </p:ext>
+  </p:extLst>
 </p:presentation>
 </file>
 
@@ -2464,6 +2470,788 @@
 </file>
 
 <file path=ppt/diagrams/colors4.xml><?xml version="1.0" encoding="utf-8"?>
+<dgm:colorsDef xmlns:dgm="http://schemas.openxmlformats.org/drawingml/2006/diagram" xmlns:a="http://schemas.openxmlformats.org/drawingml/2006/main" uniqueId="urn:microsoft.com/office/officeart/2005/8/colors/colorful2">
+  <dgm:title val=""/>
+  <dgm:desc val=""/>
+  <dgm:catLst>
+    <dgm:cat type="colorful" pri="10200"/>
+  </dgm:catLst>
+  <dgm:styleLbl name="node0">
+    <dgm:fillClrLst meth="repeat">
+      <a:schemeClr val="accent1"/>
+    </dgm:fillClrLst>
+    <dgm:linClrLst meth="repeat">
+      <a:schemeClr val="lt1"/>
+    </dgm:linClrLst>
+    <dgm:effectClrLst/>
+    <dgm:txLinClrLst/>
+    <dgm:txFillClrLst/>
+    <dgm:txEffectClrLst/>
+  </dgm:styleLbl>
+  <dgm:styleLbl name="node1">
+    <dgm:fillClrLst>
+      <a:schemeClr val="accent2"/>
+      <a:schemeClr val="accent3"/>
+    </dgm:fillClrLst>
+    <dgm:linClrLst meth="repeat">
+      <a:schemeClr val="lt1"/>
+    </dgm:linClrLst>
+    <dgm:effectClrLst/>
+    <dgm:txLinClrLst/>
+    <dgm:txFillClrLst/>
+    <dgm:txEffectClrLst/>
+  </dgm:styleLbl>
+  <dgm:styleLbl name="alignNode1">
+    <dgm:fillClrLst>
+      <a:schemeClr val="accent2"/>
+      <a:schemeClr val="accent3"/>
+    </dgm:fillClrLst>
+    <dgm:linClrLst>
+      <a:schemeClr val="accent2"/>
+      <a:schemeClr val="accent3"/>
+    </dgm:linClrLst>
+    <dgm:effectClrLst/>
+    <dgm:txLinClrLst/>
+    <dgm:txFillClrLst/>
+    <dgm:txEffectClrLst/>
+  </dgm:styleLbl>
+  <dgm:styleLbl name="lnNode1">
+    <dgm:fillClrLst>
+      <a:schemeClr val="accent2"/>
+      <a:schemeClr val="accent3"/>
+    </dgm:fillClrLst>
+    <dgm:linClrLst meth="repeat">
+      <a:schemeClr val="lt1"/>
+    </dgm:linClrLst>
+    <dgm:effectClrLst/>
+    <dgm:txLinClrLst/>
+    <dgm:txFillClrLst/>
+    <dgm:txEffectClrLst/>
+  </dgm:styleLbl>
+  <dgm:styleLbl name="vennNode1">
+    <dgm:fillClrLst>
+      <a:schemeClr val="accent2">
+        <a:alpha val="50000"/>
+      </a:schemeClr>
+      <a:schemeClr val="accent3">
+        <a:alpha val="50000"/>
+      </a:schemeClr>
+    </dgm:fillClrLst>
+    <dgm:linClrLst meth="repeat">
+      <a:schemeClr val="lt1"/>
+    </dgm:linClrLst>
+    <dgm:effectClrLst/>
+    <dgm:txLinClrLst/>
+    <dgm:txFillClrLst/>
+    <dgm:txEffectClrLst/>
+  </dgm:styleLbl>
+  <dgm:styleLbl name="node2">
+    <dgm:fillClrLst>
+      <a:schemeClr val="accent3"/>
+    </dgm:fillClrLst>
+    <dgm:linClrLst meth="repeat">
+      <a:schemeClr val="lt1"/>
+    </dgm:linClrLst>
+    <dgm:effectClrLst/>
+    <dgm:txLinClrLst/>
+    <dgm:txFillClrLst/>
+    <dgm:txEffectClrLst/>
+  </dgm:styleLbl>
+  <dgm:styleLbl name="node3">
+    <dgm:fillClrLst>
+      <a:schemeClr val="accent4"/>
+    </dgm:fillClrLst>
+    <dgm:linClrLst meth="repeat">
+      <a:schemeClr val="lt1"/>
+    </dgm:linClrLst>
+    <dgm:effectClrLst/>
+    <dgm:txLinClrLst/>
+    <dgm:txFillClrLst/>
+    <dgm:txEffectClrLst/>
+  </dgm:styleLbl>
+  <dgm:styleLbl name="node4">
+    <dgm:fillClrLst>
+      <a:schemeClr val="accent5"/>
+    </dgm:fillClrLst>
+    <dgm:linClrLst meth="repeat">
+      <a:schemeClr val="lt1"/>
+    </dgm:linClrLst>
+    <dgm:effectClrLst/>
+    <dgm:txLinClrLst/>
+    <dgm:txFillClrLst/>
+    <dgm:txEffectClrLst/>
+  </dgm:styleLbl>
+  <dgm:styleLbl name="fgImgPlace1">
+    <dgm:fillClrLst>
+      <a:schemeClr val="accent2">
+        <a:tint val="50000"/>
+      </a:schemeClr>
+      <a:schemeClr val="accent3">
+        <a:tint val="50000"/>
+      </a:schemeClr>
+    </dgm:fillClrLst>
+    <dgm:linClrLst meth="repeat">
+      <a:schemeClr val="lt1"/>
+    </dgm:linClrLst>
+    <dgm:effectClrLst/>
+    <dgm:txLinClrLst/>
+    <dgm:txFillClrLst meth="repeat">
+      <a:schemeClr val="lt1"/>
+    </dgm:txFillClrLst>
+    <dgm:txEffectClrLst/>
+  </dgm:styleLbl>
+  <dgm:styleLbl name="alignImgPlace1">
+    <dgm:fillClrLst>
+      <a:schemeClr val="accent2">
+        <a:tint val="50000"/>
+      </a:schemeClr>
+      <a:schemeClr val="accent3">
+        <a:tint val="20000"/>
+      </a:schemeClr>
+    </dgm:fillClrLst>
+    <dgm:linClrLst meth="repeat">
+      <a:schemeClr val="lt1"/>
+    </dgm:linClrLst>
+    <dgm:effectClrLst/>
+    <dgm:txLinClrLst/>
+    <dgm:txFillClrLst meth="repeat">
+      <a:schemeClr val="lt1"/>
+    </dgm:txFillClrLst>
+    <dgm:txEffectClrLst/>
+  </dgm:styleLbl>
+  <dgm:styleLbl name="bgImgPlace1">
+    <dgm:fillClrLst>
+      <a:schemeClr val="accent2">
+        <a:tint val="50000"/>
+      </a:schemeClr>
+      <a:schemeClr val="accent3">
+        <a:tint val="20000"/>
+      </a:schemeClr>
+    </dgm:fillClrLst>
+    <dgm:linClrLst meth="repeat">
+      <a:schemeClr val="lt1"/>
+    </dgm:linClrLst>
+    <dgm:effectClrLst/>
+    <dgm:txLinClrLst/>
+    <dgm:txFillClrLst meth="repeat">
+      <a:schemeClr val="lt1"/>
+    </dgm:txFillClrLst>
+    <dgm:txEffectClrLst/>
+  </dgm:styleLbl>
+  <dgm:styleLbl name="sibTrans2D1">
+    <dgm:fillClrLst>
+      <a:schemeClr val="accent2"/>
+      <a:schemeClr val="accent3"/>
+    </dgm:fillClrLst>
+    <dgm:linClrLst meth="repeat">
+      <a:schemeClr val="lt1"/>
+    </dgm:linClrLst>
+    <dgm:effectClrLst/>
+    <dgm:txLinClrLst/>
+    <dgm:txFillClrLst/>
+    <dgm:txEffectClrLst/>
+  </dgm:styleLbl>
+  <dgm:styleLbl name="fgSibTrans2D1">
+    <dgm:fillClrLst>
+      <a:schemeClr val="accent2"/>
+      <a:schemeClr val="accent3"/>
+    </dgm:fillClrLst>
+    <dgm:linClrLst meth="repeat">
+      <a:schemeClr val="lt1"/>
+    </dgm:linClrLst>
+    <dgm:effectClrLst/>
+    <dgm:txLinClrLst/>
+    <dgm:txFillClrLst meth="repeat">
+      <a:schemeClr val="lt1"/>
+    </dgm:txFillClrLst>
+    <dgm:txEffectClrLst/>
+  </dgm:styleLbl>
+  <dgm:styleLbl name="bgSibTrans2D1">
+    <dgm:fillClrLst>
+      <a:schemeClr val="accent2"/>
+      <a:schemeClr val="accent3"/>
+    </dgm:fillClrLst>
+    <dgm:linClrLst meth="repeat">
+      <a:schemeClr val="lt1"/>
+    </dgm:linClrLst>
+    <dgm:effectClrLst/>
+    <dgm:txLinClrLst/>
+    <dgm:txFillClrLst meth="repeat">
+      <a:schemeClr val="lt1"/>
+    </dgm:txFillClrLst>
+    <dgm:txEffectClrLst/>
+  </dgm:styleLbl>
+  <dgm:styleLbl name="sibTrans1D1">
+    <dgm:fillClrLst/>
+    <dgm:linClrLst>
+      <a:schemeClr val="accent2"/>
+      <a:schemeClr val="accent3"/>
+    </dgm:linClrLst>
+    <dgm:effectClrLst/>
+    <dgm:txLinClrLst/>
+    <dgm:txFillClrLst meth="repeat">
+      <a:schemeClr val="tx1"/>
+    </dgm:txFillClrLst>
+    <dgm:txEffectClrLst/>
+  </dgm:styleLbl>
+  <dgm:styleLbl name="callout">
+    <dgm:fillClrLst meth="repeat">
+      <a:schemeClr val="accent2"/>
+    </dgm:fillClrLst>
+    <dgm:linClrLst meth="repeat">
+      <a:schemeClr val="accent2">
+        <a:tint val="50000"/>
+      </a:schemeClr>
+    </dgm:linClrLst>
+    <dgm:effectClrLst/>
+    <dgm:txLinClrLst/>
+    <dgm:txFillClrLst meth="repeat">
+      <a:schemeClr val="tx1"/>
+    </dgm:txFillClrLst>
+    <dgm:txEffectClrLst/>
+  </dgm:styleLbl>
+  <dgm:styleLbl name="asst0">
+    <dgm:fillClrLst meth="repeat">
+      <a:schemeClr val="accent2"/>
+    </dgm:fillClrLst>
+    <dgm:linClrLst meth="repeat">
+      <a:schemeClr val="lt1">
+        <a:shade val="80000"/>
+      </a:schemeClr>
+    </dgm:linClrLst>
+    <dgm:effectClrLst/>
+    <dgm:txLinClrLst/>
+    <dgm:txFillClrLst/>
+    <dgm:txEffectClrLst/>
+  </dgm:styleLbl>
+  <dgm:styleLbl name="asst1">
+    <dgm:fillClrLst meth="repeat">
+      <a:schemeClr val="accent3"/>
+    </dgm:fillClrLst>
+    <dgm:linClrLst meth="repeat">
+      <a:schemeClr val="lt1">
+        <a:shade val="80000"/>
+      </a:schemeClr>
+    </dgm:linClrLst>
+    <dgm:effectClrLst/>
+    <dgm:txLinClrLst/>
+    <dgm:txFillClrLst/>
+    <dgm:txEffectClrLst/>
+  </dgm:styleLbl>
+  <dgm:styleLbl name="asst2">
+    <dgm:fillClrLst>
+      <a:schemeClr val="accent4"/>
+    </dgm:fillClrLst>
+    <dgm:linClrLst meth="repeat">
+      <a:schemeClr val="lt1"/>
+    </dgm:linClrLst>
+    <dgm:effectClrLst/>
+    <dgm:txLinClrLst/>
+    <dgm:txFillClrLst/>
+    <dgm:txEffectClrLst/>
+  </dgm:styleLbl>
+  <dgm:styleLbl name="asst3">
+    <dgm:fillClrLst>
+      <a:schemeClr val="accent5"/>
+    </dgm:fillClrLst>
+    <dgm:linClrLst meth="repeat">
+      <a:schemeClr val="lt1"/>
+    </dgm:linClrLst>
+    <dgm:effectClrLst/>
+    <dgm:txLinClrLst/>
+    <dgm:txFillClrLst/>
+    <dgm:txEffectClrLst/>
+  </dgm:styleLbl>
+  <dgm:styleLbl name="asst4">
+    <dgm:fillClrLst>
+      <a:schemeClr val="accent6"/>
+    </dgm:fillClrLst>
+    <dgm:linClrLst meth="repeat">
+      <a:schemeClr val="lt1"/>
+    </dgm:linClrLst>
+    <dgm:effectClrLst/>
+    <dgm:txLinClrLst/>
+    <dgm:txFillClrLst/>
+    <dgm:txEffectClrLst/>
+  </dgm:styleLbl>
+  <dgm:styleLbl name="parChTrans2D1">
+    <dgm:fillClrLst meth="repeat">
+      <a:schemeClr val="accent2"/>
+    </dgm:fillClrLst>
+    <dgm:linClrLst meth="repeat">
+      <a:schemeClr val="lt1"/>
+    </dgm:linClrLst>
+    <dgm:effectClrLst/>
+    <dgm:txLinClrLst/>
+    <dgm:txFillClrLst meth="repeat">
+      <a:schemeClr val="lt1"/>
+    </dgm:txFillClrLst>
+    <dgm:txEffectClrLst/>
+  </dgm:styleLbl>
+  <dgm:styleLbl name="parChTrans2D2">
+    <dgm:fillClrLst meth="repeat">
+      <a:schemeClr val="accent3"/>
+    </dgm:fillClrLst>
+    <dgm:linClrLst meth="repeat">
+      <a:schemeClr val="lt1"/>
+    </dgm:linClrLst>
+    <dgm:effectClrLst/>
+    <dgm:txLinClrLst/>
+    <dgm:txFillClrLst/>
+    <dgm:txEffectClrLst/>
+  </dgm:styleLbl>
+  <dgm:styleLbl name="parChTrans2D3">
+    <dgm:fillClrLst meth="repeat">
+      <a:schemeClr val="accent4"/>
+    </dgm:fillClrLst>
+    <dgm:linClrLst meth="repeat">
+      <a:schemeClr val="lt1"/>
+    </dgm:linClrLst>
+    <dgm:effectClrLst/>
+    <dgm:txLinClrLst/>
+    <dgm:txFillClrLst/>
+    <dgm:txEffectClrLst/>
+  </dgm:styleLbl>
+  <dgm:styleLbl name="parChTrans2D4">
+    <dgm:fillClrLst meth="repeat">
+      <a:schemeClr val="accent5"/>
+    </dgm:fillClrLst>
+    <dgm:linClrLst meth="repeat">
+      <a:schemeClr val="lt1"/>
+    </dgm:linClrLst>
+    <dgm:effectClrLst/>
+    <dgm:txLinClrLst/>
+    <dgm:txFillClrLst meth="repeat">
+      <a:schemeClr val="lt1"/>
+    </dgm:txFillClrLst>
+    <dgm:txEffectClrLst/>
+  </dgm:styleLbl>
+  <dgm:styleLbl name="parChTrans1D1">
+    <dgm:fillClrLst meth="repeat">
+      <a:schemeClr val="accent2"/>
+    </dgm:fillClrLst>
+    <dgm:linClrLst meth="repeat">
+      <a:schemeClr val="accent2"/>
+    </dgm:linClrLst>
+    <dgm:effectClrLst/>
+    <dgm:txLinClrLst/>
+    <dgm:txFillClrLst meth="repeat">
+      <a:schemeClr val="tx1"/>
+    </dgm:txFillClrLst>
+    <dgm:txEffectClrLst/>
+  </dgm:styleLbl>
+  <dgm:styleLbl name="parChTrans1D2">
+    <dgm:fillClrLst meth="repeat">
+      <a:schemeClr val="accent2">
+        <a:tint val="90000"/>
+      </a:schemeClr>
+    </dgm:fillClrLst>
+    <dgm:linClrLst meth="repeat">
+      <a:schemeClr val="accent3"/>
+    </dgm:linClrLst>
+    <dgm:effectClrLst/>
+    <dgm:txLinClrLst/>
+    <dgm:txFillClrLst meth="repeat">
+      <a:schemeClr val="tx1"/>
+    </dgm:txFillClrLst>
+    <dgm:txEffectClrLst/>
+  </dgm:styleLbl>
+  <dgm:styleLbl name="parChTrans1D3">
+    <dgm:fillClrLst meth="repeat">
+      <a:schemeClr val="accent2">
+        <a:tint val="70000"/>
+      </a:schemeClr>
+    </dgm:fillClrLst>
+    <dgm:linClrLst meth="repeat">
+      <a:schemeClr val="accent4"/>
+    </dgm:linClrLst>
+    <dgm:effectClrLst/>
+    <dgm:txLinClrLst/>
+    <dgm:txFillClrLst meth="repeat">
+      <a:schemeClr val="tx1"/>
+    </dgm:txFillClrLst>
+    <dgm:txEffectClrLst/>
+  </dgm:styleLbl>
+  <dgm:styleLbl name="parChTrans1D4">
+    <dgm:fillClrLst meth="repeat">
+      <a:schemeClr val="accent2">
+        <a:tint val="50000"/>
+      </a:schemeClr>
+    </dgm:fillClrLst>
+    <dgm:linClrLst meth="repeat">
+      <a:schemeClr val="accent5"/>
+    </dgm:linClrLst>
+    <dgm:effectClrLst/>
+    <dgm:txLinClrLst/>
+    <dgm:txFillClrLst meth="repeat">
+      <a:schemeClr val="tx1"/>
+    </dgm:txFillClrLst>
+    <dgm:txEffectClrLst/>
+  </dgm:styleLbl>
+  <dgm:styleLbl name="fgAcc1">
+    <dgm:fillClrLst meth="repeat">
+      <a:schemeClr val="lt1">
+        <a:alpha val="90000"/>
+      </a:schemeClr>
+    </dgm:fillClrLst>
+    <dgm:linClrLst>
+      <a:schemeClr val="accent2"/>
+      <a:schemeClr val="accent3"/>
+    </dgm:linClrLst>
+    <dgm:effectClrLst/>
+    <dgm:txLinClrLst/>
+    <dgm:txFillClrLst meth="repeat">
+      <a:schemeClr val="dk1"/>
+    </dgm:txFillClrLst>
+    <dgm:txEffectClrLst/>
+  </dgm:styleLbl>
+  <dgm:styleLbl name="conFgAcc1">
+    <dgm:fillClrLst meth="repeat">
+      <a:schemeClr val="lt1">
+        <a:alpha val="90000"/>
+      </a:schemeClr>
+    </dgm:fillClrLst>
+    <dgm:linClrLst>
+      <a:schemeClr val="accent2"/>
+      <a:schemeClr val="accent3"/>
+    </dgm:linClrLst>
+    <dgm:effectClrLst/>
+    <dgm:txLinClrLst/>
+    <dgm:txFillClrLst meth="repeat">
+      <a:schemeClr val="dk1"/>
+    </dgm:txFillClrLst>
+    <dgm:txEffectClrLst/>
+  </dgm:styleLbl>
+  <dgm:styleLbl name="alignAcc1">
+    <dgm:fillClrLst meth="repeat">
+      <a:schemeClr val="lt1">
+        <a:alpha val="90000"/>
+      </a:schemeClr>
+    </dgm:fillClrLst>
+    <dgm:linClrLst>
+      <a:schemeClr val="accent2"/>
+      <a:schemeClr val="accent3"/>
+    </dgm:linClrLst>
+    <dgm:effectClrLst/>
+    <dgm:txLinClrLst/>
+    <dgm:txFillClrLst meth="repeat">
+      <a:schemeClr val="dk1"/>
+    </dgm:txFillClrLst>
+    <dgm:txEffectClrLst/>
+  </dgm:styleLbl>
+  <dgm:styleLbl name="trAlignAcc1">
+    <dgm:fillClrLst meth="repeat">
+      <a:schemeClr val="lt1">
+        <a:alpha val="40000"/>
+      </a:schemeClr>
+    </dgm:fillClrLst>
+    <dgm:linClrLst meth="repeat">
+      <a:schemeClr val="accent2"/>
+    </dgm:linClrLst>
+    <dgm:effectClrLst/>
+    <dgm:txLinClrLst/>
+    <dgm:txFillClrLst meth="repeat">
+      <a:schemeClr val="dk1"/>
+    </dgm:txFillClrLst>
+    <dgm:txEffectClrLst/>
+  </dgm:styleLbl>
+  <dgm:styleLbl name="bgAcc1">
+    <dgm:fillClrLst meth="repeat">
+      <a:schemeClr val="lt1">
+        <a:alpha val="90000"/>
+      </a:schemeClr>
+    </dgm:fillClrLst>
+    <dgm:linClrLst>
+      <a:schemeClr val="accent2"/>
+      <a:schemeClr val="accent3"/>
+    </dgm:linClrLst>
+    <dgm:effectClrLst/>
+    <dgm:txLinClrLst/>
+    <dgm:txFillClrLst meth="repeat">
+      <a:schemeClr val="dk1"/>
+    </dgm:txFillClrLst>
+    <dgm:txEffectClrLst/>
+  </dgm:styleLbl>
+  <dgm:styleLbl name="solidFgAcc1">
+    <dgm:fillClrLst meth="repeat">
+      <a:schemeClr val="lt1"/>
+    </dgm:fillClrLst>
+    <dgm:linClrLst>
+      <a:schemeClr val="accent2"/>
+      <a:schemeClr val="accent3"/>
+    </dgm:linClrLst>
+    <dgm:effectClrLst/>
+    <dgm:txLinClrLst/>
+    <dgm:txFillClrLst meth="repeat">
+      <a:schemeClr val="dk1"/>
+    </dgm:txFillClrLst>
+    <dgm:txEffectClrLst/>
+  </dgm:styleLbl>
+  <dgm:styleLbl name="solidAlignAcc1">
+    <dgm:fillClrLst meth="repeat">
+      <a:schemeClr val="lt1"/>
+    </dgm:fillClrLst>
+    <dgm:linClrLst>
+      <a:schemeClr val="accent2"/>
+      <a:schemeClr val="accent3"/>
+    </dgm:linClrLst>
+    <dgm:effectClrLst/>
+    <dgm:txLinClrLst/>
+    <dgm:txFillClrLst meth="repeat">
+      <a:schemeClr val="dk1"/>
+    </dgm:txFillClrLst>
+    <dgm:txEffectClrLst/>
+  </dgm:styleLbl>
+  <dgm:styleLbl name="solidBgAcc1">
+    <dgm:fillClrLst meth="repeat">
+      <a:schemeClr val="lt1"/>
+    </dgm:fillClrLst>
+    <dgm:linClrLst>
+      <a:schemeClr val="accent2"/>
+      <a:schemeClr val="accent3"/>
+    </dgm:linClrLst>
+    <dgm:effectClrLst/>
+    <dgm:txLinClrLst/>
+    <dgm:txFillClrLst meth="repeat">
+      <a:schemeClr val="dk1"/>
+    </dgm:txFillClrLst>
+    <dgm:txEffectClrLst/>
+  </dgm:styleLbl>
+  <dgm:styleLbl name="fgAccFollowNode1">
+    <dgm:fillClrLst>
+      <a:schemeClr val="accent2">
+        <a:tint val="40000"/>
+        <a:alpha val="90000"/>
+      </a:schemeClr>
+      <a:schemeClr val="accent3">
+        <a:tint val="40000"/>
+        <a:alpha val="90000"/>
+      </a:schemeClr>
+    </dgm:fillClrLst>
+    <dgm:linClrLst>
+      <a:schemeClr val="accent2">
+        <a:tint val="40000"/>
+        <a:alpha val="90000"/>
+      </a:schemeClr>
+      <a:schemeClr val="accent3">
+        <a:tint val="40000"/>
+        <a:alpha val="90000"/>
+      </a:schemeClr>
+    </dgm:linClrLst>
+    <dgm:effectClrLst/>
+    <dgm:txLinClrLst/>
+    <dgm:txFillClrLst meth="repeat">
+      <a:schemeClr val="dk1"/>
+    </dgm:txFillClrLst>
+    <dgm:txEffectClrLst/>
+  </dgm:styleLbl>
+  <dgm:styleLbl name="alignAccFollowNode1">
+    <dgm:fillClrLst>
+      <a:schemeClr val="accent2">
+        <a:tint val="40000"/>
+        <a:alpha val="90000"/>
+      </a:schemeClr>
+      <a:schemeClr val="accent3">
+        <a:tint val="40000"/>
+        <a:alpha val="90000"/>
+      </a:schemeClr>
+    </dgm:fillClrLst>
+    <dgm:linClrLst>
+      <a:schemeClr val="accent2">
+        <a:tint val="40000"/>
+        <a:alpha val="90000"/>
+      </a:schemeClr>
+      <a:schemeClr val="accent3">
+        <a:tint val="40000"/>
+        <a:alpha val="90000"/>
+      </a:schemeClr>
+    </dgm:linClrLst>
+    <dgm:effectClrLst/>
+    <dgm:txLinClrLst/>
+    <dgm:txFillClrLst meth="repeat">
+      <a:schemeClr val="dk1"/>
+    </dgm:txFillClrLst>
+    <dgm:txEffectClrLst/>
+  </dgm:styleLbl>
+  <dgm:styleLbl name="bgAccFollowNode1">
+    <dgm:fillClrLst>
+      <a:schemeClr val="accent2">
+        <a:tint val="40000"/>
+        <a:alpha val="90000"/>
+      </a:schemeClr>
+      <a:schemeClr val="accent3">
+        <a:tint val="40000"/>
+        <a:alpha val="90000"/>
+      </a:schemeClr>
+    </dgm:fillClrLst>
+    <dgm:linClrLst>
+      <a:schemeClr val="accent2">
+        <a:tint val="40000"/>
+        <a:alpha val="90000"/>
+      </a:schemeClr>
+      <a:schemeClr val="accent3">
+        <a:tint val="40000"/>
+        <a:alpha val="90000"/>
+      </a:schemeClr>
+    </dgm:linClrLst>
+    <dgm:effectClrLst/>
+    <dgm:txLinClrLst/>
+    <dgm:txFillClrLst meth="repeat">
+      <a:schemeClr val="dk1"/>
+    </dgm:txFillClrLst>
+    <dgm:txEffectClrLst/>
+  </dgm:styleLbl>
+  <dgm:styleLbl name="fgAcc0">
+    <dgm:fillClrLst meth="repeat">
+      <a:schemeClr val="lt1">
+        <a:alpha val="90000"/>
+      </a:schemeClr>
+    </dgm:fillClrLst>
+    <dgm:linClrLst>
+      <a:schemeClr val="accent1"/>
+    </dgm:linClrLst>
+    <dgm:effectClrLst/>
+    <dgm:txLinClrLst/>
+    <dgm:txFillClrLst meth="repeat">
+      <a:schemeClr val="dk1"/>
+    </dgm:txFillClrLst>
+    <dgm:txEffectClrLst/>
+  </dgm:styleLbl>
+  <dgm:styleLbl name="fgAcc2">
+    <dgm:fillClrLst meth="repeat">
+      <a:schemeClr val="lt1">
+        <a:alpha val="90000"/>
+      </a:schemeClr>
+    </dgm:fillClrLst>
+    <dgm:linClrLst>
+      <a:schemeClr val="accent3"/>
+    </dgm:linClrLst>
+    <dgm:effectClrLst/>
+    <dgm:txLinClrLst/>
+    <dgm:txFillClrLst meth="repeat">
+      <a:schemeClr val="dk1"/>
+    </dgm:txFillClrLst>
+    <dgm:txEffectClrLst/>
+  </dgm:styleLbl>
+  <dgm:styleLbl name="fgAcc3">
+    <dgm:fillClrLst meth="repeat">
+      <a:schemeClr val="lt1">
+        <a:alpha val="90000"/>
+      </a:schemeClr>
+    </dgm:fillClrLst>
+    <dgm:linClrLst>
+      <a:schemeClr val="accent4"/>
+    </dgm:linClrLst>
+    <dgm:effectClrLst/>
+    <dgm:txLinClrLst/>
+    <dgm:txFillClrLst meth="repeat">
+      <a:schemeClr val="dk1"/>
+    </dgm:txFillClrLst>
+    <dgm:txEffectClrLst/>
+  </dgm:styleLbl>
+  <dgm:styleLbl name="fgAcc4">
+    <dgm:fillClrLst meth="repeat">
+      <a:schemeClr val="lt1">
+        <a:alpha val="90000"/>
+      </a:schemeClr>
+    </dgm:fillClrLst>
+    <dgm:linClrLst>
+      <a:schemeClr val="accent5"/>
+    </dgm:linClrLst>
+    <dgm:effectClrLst/>
+    <dgm:txLinClrLst/>
+    <dgm:txFillClrLst meth="repeat">
+      <a:schemeClr val="dk1"/>
+    </dgm:txFillClrLst>
+    <dgm:txEffectClrLst/>
+  </dgm:styleLbl>
+  <dgm:styleLbl name="bgShp">
+    <dgm:fillClrLst meth="repeat">
+      <a:schemeClr val="accent2">
+        <a:tint val="40000"/>
+      </a:schemeClr>
+    </dgm:fillClrLst>
+    <dgm:linClrLst meth="repeat">
+      <a:schemeClr val="dk1"/>
+    </dgm:linClrLst>
+    <dgm:effectClrLst/>
+    <dgm:txLinClrLst/>
+    <dgm:txFillClrLst meth="repeat">
+      <a:schemeClr val="dk1"/>
+    </dgm:txFillClrLst>
+    <dgm:txEffectClrLst/>
+  </dgm:styleLbl>
+  <dgm:styleLbl name="dkBgShp">
+    <dgm:fillClrLst meth="repeat">
+      <a:schemeClr val="accent2">
+        <a:shade val="90000"/>
+      </a:schemeClr>
+    </dgm:fillClrLst>
+    <dgm:linClrLst meth="repeat">
+      <a:schemeClr val="dk1"/>
+    </dgm:linClrLst>
+    <dgm:effectClrLst/>
+    <dgm:txLinClrLst/>
+    <dgm:txFillClrLst meth="repeat">
+      <a:schemeClr val="lt1"/>
+    </dgm:txFillClrLst>
+    <dgm:txEffectClrLst/>
+  </dgm:styleLbl>
+  <dgm:styleLbl name="trBgShp">
+    <dgm:fillClrLst meth="repeat">
+      <a:schemeClr val="accent2">
+        <a:tint val="50000"/>
+        <a:alpha val="40000"/>
+      </a:schemeClr>
+    </dgm:fillClrLst>
+    <dgm:linClrLst meth="repeat">
+      <a:schemeClr val="accent2"/>
+    </dgm:linClrLst>
+    <dgm:effectClrLst/>
+    <dgm:txLinClrLst/>
+    <dgm:txFillClrLst meth="repeat">
+      <a:schemeClr val="lt1"/>
+    </dgm:txFillClrLst>
+    <dgm:txEffectClrLst/>
+  </dgm:styleLbl>
+  <dgm:styleLbl name="fgShp">
+    <dgm:fillClrLst meth="repeat">
+      <a:schemeClr val="accent2">
+        <a:tint val="40000"/>
+      </a:schemeClr>
+    </dgm:fillClrLst>
+    <dgm:linClrLst meth="repeat">
+      <a:schemeClr val="lt1"/>
+    </dgm:linClrLst>
+    <dgm:effectClrLst/>
+    <dgm:txLinClrLst/>
+    <dgm:txFillClrLst meth="repeat">
+      <a:schemeClr val="dk1"/>
+    </dgm:txFillClrLst>
+    <dgm:txEffectClrLst/>
+  </dgm:styleLbl>
+  <dgm:styleLbl name="revTx">
+    <dgm:fillClrLst meth="repeat">
+      <a:schemeClr val="lt1">
+        <a:alpha val="0"/>
+      </a:schemeClr>
+    </dgm:fillClrLst>
+    <dgm:linClrLst meth="repeat">
+      <a:schemeClr val="dk1">
+        <a:alpha val="0"/>
+      </a:schemeClr>
+    </dgm:linClrLst>
+    <dgm:effectClrLst/>
+    <dgm:txLinClrLst/>
+    <dgm:txFillClrLst meth="repeat">
+      <a:schemeClr val="tx1"/>
+    </dgm:txFillClrLst>
+    <dgm:txEffectClrLst/>
+  </dgm:styleLbl>
+</dgm:colorsDef>
+</file>
+
+<file path=ppt/diagrams/colors5.xml><?xml version="1.0" encoding="utf-8"?>
 <dgm:colorsDef xmlns:dgm="http://schemas.openxmlformats.org/drawingml/2006/diagram" xmlns:a="http://schemas.openxmlformats.org/drawingml/2006/main" uniqueId="urn:microsoft.com/office/officeart/2005/8/colors/colorful2">
   <dgm:title val=""/>
   <dgm:desc val=""/>
@@ -3376,6 +4164,13 @@
         </dgm:presLayoutVars>
       </dgm:prSet>
       <dgm:spPr/>
+      <dgm:t>
+        <a:bodyPr/>
+        <a:lstStyle/>
+        <a:p>
+          <a:endParaRPr lang="en-US"/>
+        </a:p>
+      </dgm:t>
     </dgm:pt>
     <dgm:pt modelId="{F8AC8B17-7613-432F-BE83-023D7A49BE73}" type="pres">
       <dgm:prSet presAssocID="{3A2017A6-EC84-42EC-BD16-F71B7C09C8E8}" presName="parentLin" presStyleCnt="0"/>
@@ -3384,6 +4179,13 @@
     <dgm:pt modelId="{D3ED1252-A5C4-44A5-A1F8-DA549F98DAC5}" type="pres">
       <dgm:prSet presAssocID="{3A2017A6-EC84-42EC-BD16-F71B7C09C8E8}" presName="parentLeftMargin" presStyleLbl="node1" presStyleIdx="0" presStyleCnt="3"/>
       <dgm:spPr/>
+      <dgm:t>
+        <a:bodyPr/>
+        <a:lstStyle/>
+        <a:p>
+          <a:endParaRPr lang="en-US"/>
+        </a:p>
+      </dgm:t>
     </dgm:pt>
     <dgm:pt modelId="{58D97718-ECB9-45BE-8B10-317481C41E67}" type="pres">
       <dgm:prSet presAssocID="{3A2017A6-EC84-42EC-BD16-F71B7C09C8E8}" presName="parentText" presStyleLbl="node1" presStyleIdx="0" presStyleCnt="3">
@@ -3393,6 +4195,13 @@
         </dgm:presLayoutVars>
       </dgm:prSet>
       <dgm:spPr/>
+      <dgm:t>
+        <a:bodyPr/>
+        <a:lstStyle/>
+        <a:p>
+          <a:endParaRPr lang="en-US"/>
+        </a:p>
+      </dgm:t>
     </dgm:pt>
     <dgm:pt modelId="{B3A5A6DA-98F8-43FD-A4DC-8D69FDDCFC6E}" type="pres">
       <dgm:prSet presAssocID="{3A2017A6-EC84-42EC-BD16-F71B7C09C8E8}" presName="negativeSpace" presStyleCnt="0"/>
@@ -3417,6 +4226,13 @@
     <dgm:pt modelId="{DCBE93D7-E6A2-4723-A165-74BAF5EF55B5}" type="pres">
       <dgm:prSet presAssocID="{C1F50977-553E-45AA-82C1-7A3414AACF21}" presName="parentLeftMargin" presStyleLbl="node1" presStyleIdx="0" presStyleCnt="3"/>
       <dgm:spPr/>
+      <dgm:t>
+        <a:bodyPr/>
+        <a:lstStyle/>
+        <a:p>
+          <a:endParaRPr lang="en-US"/>
+        </a:p>
+      </dgm:t>
     </dgm:pt>
     <dgm:pt modelId="{7FF34BC0-350A-44C0-9E1F-AD38A381F5E9}" type="pres">
       <dgm:prSet presAssocID="{C1F50977-553E-45AA-82C1-7A3414AACF21}" presName="parentText" presStyleLbl="node1" presStyleIdx="1" presStyleCnt="3">
@@ -3426,6 +4242,13 @@
         </dgm:presLayoutVars>
       </dgm:prSet>
       <dgm:spPr/>
+      <dgm:t>
+        <a:bodyPr/>
+        <a:lstStyle/>
+        <a:p>
+          <a:endParaRPr lang="en-US"/>
+        </a:p>
+      </dgm:t>
     </dgm:pt>
     <dgm:pt modelId="{47673252-6EB0-4FF4-B062-DE955E325805}" type="pres">
       <dgm:prSet presAssocID="{C1F50977-553E-45AA-82C1-7A3414AACF21}" presName="negativeSpace" presStyleCnt="0"/>
@@ -3450,6 +4273,13 @@
     <dgm:pt modelId="{D50A7ED9-75E9-451D-BC3E-DD55F5AC9B00}" type="pres">
       <dgm:prSet presAssocID="{19B5B40E-2447-4ED7-BFA4-4581104E135E}" presName="parentLeftMargin" presStyleLbl="node1" presStyleIdx="1" presStyleCnt="3"/>
       <dgm:spPr/>
+      <dgm:t>
+        <a:bodyPr/>
+        <a:lstStyle/>
+        <a:p>
+          <a:endParaRPr lang="en-US"/>
+        </a:p>
+      </dgm:t>
     </dgm:pt>
     <dgm:pt modelId="{7D89DE60-06DC-41D8-BE0C-D18DF3754F2D}" type="pres">
       <dgm:prSet presAssocID="{19B5B40E-2447-4ED7-BFA4-4581104E135E}" presName="parentText" presStyleLbl="node1" presStyleIdx="2" presStyleCnt="3">
@@ -3459,6 +4289,13 @@
         </dgm:presLayoutVars>
       </dgm:prSet>
       <dgm:spPr/>
+      <dgm:t>
+        <a:bodyPr/>
+        <a:lstStyle/>
+        <a:p>
+          <a:endParaRPr lang="en-US"/>
+        </a:p>
+      </dgm:t>
     </dgm:pt>
     <dgm:pt modelId="{754751BD-118C-4983-B9E6-DB980D798BEC}" type="pres">
       <dgm:prSet presAssocID="{19B5B40E-2447-4ED7-BFA4-4581104E135E}" presName="negativeSpace" presStyleCnt="0"/>
@@ -3475,15 +4312,15 @@
   </dgm:ptLst>
   <dgm:cxnLst>
     <dgm:cxn modelId="{3D905700-46CC-463C-BB6E-6308640CF0AB}" type="presOf" srcId="{19B5B40E-2447-4ED7-BFA4-4581104E135E}" destId="{D50A7ED9-75E9-451D-BC3E-DD55F5AC9B00}" srcOrd="0" destOrd="0" presId="urn:microsoft.com/office/officeart/2005/8/layout/list1"/>
+    <dgm:cxn modelId="{611B4246-0EB5-4C27-91C3-49550DF0BA3B}" srcId="{D34D12AC-626F-4666-908A-2BAF4FB26DBA}" destId="{19B5B40E-2447-4ED7-BFA4-4581104E135E}" srcOrd="2" destOrd="0" parTransId="{E721B984-DDB6-43FA-8AB0-3CB58981581C}" sibTransId="{6DA5E124-67B2-48CE-ABA8-651A08CE1961}"/>
+    <dgm:cxn modelId="{7E2BCE86-6049-4F9A-AE27-38224787D300}" srcId="{D34D12AC-626F-4666-908A-2BAF4FB26DBA}" destId="{C1F50977-553E-45AA-82C1-7A3414AACF21}" srcOrd="1" destOrd="0" parTransId="{26A3D196-63D7-44A9-8ECF-0EFA8ECAC385}" sibTransId="{9FDAF398-A322-489D-B343-8E5069B67FDE}"/>
+    <dgm:cxn modelId="{AAFA826E-2876-4DDA-81EB-240370A13C06}" type="presOf" srcId="{3A2017A6-EC84-42EC-BD16-F71B7C09C8E8}" destId="{58D97718-ECB9-45BE-8B10-317481C41E67}" srcOrd="1" destOrd="0" presId="urn:microsoft.com/office/officeart/2005/8/layout/list1"/>
+    <dgm:cxn modelId="{944F1FF8-7768-47AA-B9F3-2AE36F666A19}" type="presOf" srcId="{19B5B40E-2447-4ED7-BFA4-4581104E135E}" destId="{7D89DE60-06DC-41D8-BE0C-D18DF3754F2D}" srcOrd="1" destOrd="0" presId="urn:microsoft.com/office/officeart/2005/8/layout/list1"/>
+    <dgm:cxn modelId="{5094A8B5-6DA7-4C1D-AE8C-F684B4395BC2}" type="presOf" srcId="{C1F50977-553E-45AA-82C1-7A3414AACF21}" destId="{DCBE93D7-E6A2-4723-A165-74BAF5EF55B5}" srcOrd="0" destOrd="0" presId="urn:microsoft.com/office/officeart/2005/8/layout/list1"/>
     <dgm:cxn modelId="{F6D34122-F3D1-45EE-B0C3-82362A92A4F2}" type="presOf" srcId="{D34D12AC-626F-4666-908A-2BAF4FB26DBA}" destId="{E8544EDA-3A5E-449A-AC61-D65B14256274}" srcOrd="0" destOrd="0" presId="urn:microsoft.com/office/officeart/2005/8/layout/list1"/>
+    <dgm:cxn modelId="{AFB91B8D-D0EF-471D-A88A-0FDF8E69B728}" srcId="{D34D12AC-626F-4666-908A-2BAF4FB26DBA}" destId="{3A2017A6-EC84-42EC-BD16-F71B7C09C8E8}" srcOrd="0" destOrd="0" parTransId="{98A2812A-27BE-464F-A581-76DC3A140F12}" sibTransId="{F1E14C95-13DD-4B3F-9FD5-D1081AC68488}"/>
+    <dgm:cxn modelId="{F039FE57-997A-45BA-878B-C13E21838D9D}" type="presOf" srcId="{3A2017A6-EC84-42EC-BD16-F71B7C09C8E8}" destId="{D3ED1252-A5C4-44A5-A1F8-DA549F98DAC5}" srcOrd="0" destOrd="0" presId="urn:microsoft.com/office/officeart/2005/8/layout/list1"/>
     <dgm:cxn modelId="{565E005E-BF09-4A6E-924D-65CC7DC0B17E}" type="presOf" srcId="{C1F50977-553E-45AA-82C1-7A3414AACF21}" destId="{7FF34BC0-350A-44C0-9E1F-AD38A381F5E9}" srcOrd="1" destOrd="0" presId="urn:microsoft.com/office/officeart/2005/8/layout/list1"/>
-    <dgm:cxn modelId="{611B4246-0EB5-4C27-91C3-49550DF0BA3B}" srcId="{D34D12AC-626F-4666-908A-2BAF4FB26DBA}" destId="{19B5B40E-2447-4ED7-BFA4-4581104E135E}" srcOrd="2" destOrd="0" parTransId="{E721B984-DDB6-43FA-8AB0-3CB58981581C}" sibTransId="{6DA5E124-67B2-48CE-ABA8-651A08CE1961}"/>
-    <dgm:cxn modelId="{AAFA826E-2876-4DDA-81EB-240370A13C06}" type="presOf" srcId="{3A2017A6-EC84-42EC-BD16-F71B7C09C8E8}" destId="{58D97718-ECB9-45BE-8B10-317481C41E67}" srcOrd="1" destOrd="0" presId="urn:microsoft.com/office/officeart/2005/8/layout/list1"/>
-    <dgm:cxn modelId="{F039FE57-997A-45BA-878B-C13E21838D9D}" type="presOf" srcId="{3A2017A6-EC84-42EC-BD16-F71B7C09C8E8}" destId="{D3ED1252-A5C4-44A5-A1F8-DA549F98DAC5}" srcOrd="0" destOrd="0" presId="urn:microsoft.com/office/officeart/2005/8/layout/list1"/>
-    <dgm:cxn modelId="{7E2BCE86-6049-4F9A-AE27-38224787D300}" srcId="{D34D12AC-626F-4666-908A-2BAF4FB26DBA}" destId="{C1F50977-553E-45AA-82C1-7A3414AACF21}" srcOrd="1" destOrd="0" parTransId="{26A3D196-63D7-44A9-8ECF-0EFA8ECAC385}" sibTransId="{9FDAF398-A322-489D-B343-8E5069B67FDE}"/>
-    <dgm:cxn modelId="{AFB91B8D-D0EF-471D-A88A-0FDF8E69B728}" srcId="{D34D12AC-626F-4666-908A-2BAF4FB26DBA}" destId="{3A2017A6-EC84-42EC-BD16-F71B7C09C8E8}" srcOrd="0" destOrd="0" parTransId="{98A2812A-27BE-464F-A581-76DC3A140F12}" sibTransId="{F1E14C95-13DD-4B3F-9FD5-D1081AC68488}"/>
-    <dgm:cxn modelId="{5094A8B5-6DA7-4C1D-AE8C-F684B4395BC2}" type="presOf" srcId="{C1F50977-553E-45AA-82C1-7A3414AACF21}" destId="{DCBE93D7-E6A2-4723-A165-74BAF5EF55B5}" srcOrd="0" destOrd="0" presId="urn:microsoft.com/office/officeart/2005/8/layout/list1"/>
-    <dgm:cxn modelId="{944F1FF8-7768-47AA-B9F3-2AE36F666A19}" type="presOf" srcId="{19B5B40E-2447-4ED7-BFA4-4581104E135E}" destId="{7D89DE60-06DC-41D8-BE0C-D18DF3754F2D}" srcOrd="1" destOrd="0" presId="urn:microsoft.com/office/officeart/2005/8/layout/list1"/>
     <dgm:cxn modelId="{3EB0EF6A-AD04-4AFA-81B0-599EB06BF9C4}" type="presParOf" srcId="{E8544EDA-3A5E-449A-AC61-D65B14256274}" destId="{F8AC8B17-7613-432F-BE83-023D7A49BE73}" srcOrd="0" destOrd="0" presId="urn:microsoft.com/office/officeart/2005/8/layout/list1"/>
     <dgm:cxn modelId="{FF942F78-1B5F-4A5A-8497-C8AFC5480BE3}" type="presParOf" srcId="{F8AC8B17-7613-432F-BE83-023D7A49BE73}" destId="{D3ED1252-A5C4-44A5-A1F8-DA549F98DAC5}" srcOrd="0" destOrd="0" presId="urn:microsoft.com/office/officeart/2005/8/layout/list1"/>
     <dgm:cxn modelId="{B00E305D-325F-4941-8BEE-B1DA4A37F7F1}" type="presParOf" srcId="{F8AC8B17-7613-432F-BE83-023D7A49BE73}" destId="{58D97718-ECB9-45BE-8B10-317481C41E67}" srcOrd="1" destOrd="0" presId="urn:microsoft.com/office/officeart/2005/8/layout/list1"/>
@@ -3516,7 +4353,7 @@
 <dgm:dataModel xmlns:dgm="http://schemas.openxmlformats.org/drawingml/2006/diagram" xmlns:a="http://schemas.openxmlformats.org/drawingml/2006/main">
   <dgm:ptLst>
     <dgm:pt modelId="{B7B06A01-B27A-4C3B-8B44-87C6D164844F}" type="doc">
-      <dgm:prSet loTypeId="urn:microsoft.com/office/officeart/2005/8/layout/process4" loCatId="process" qsTypeId="urn:microsoft.com/office/officeart/2005/8/quickstyle/simple1" qsCatId="simple" csTypeId="urn:microsoft.com/office/officeart/2005/8/colors/colorful2" csCatId="colorful"/>
+      <dgm:prSet loTypeId="urn:microsoft.com/office/officeart/2005/8/layout/process4" loCatId="process" qsTypeId="urn:microsoft.com/office/officeart/2005/8/quickstyle/simple1" qsCatId="simple" csTypeId="urn:microsoft.com/office/officeart/2005/8/colors/colorful2" csCatId="colorful" phldr="1"/>
       <dgm:spPr/>
       <dgm:t>
         <a:bodyPr/>
@@ -3666,20 +4503,40 @@
         <a:lstStyle/>
         <a:p>
           <a:r>
-            <a:rPr lang="en-US" b="1"/>
+            <a:rPr lang="en-US" b="1" dirty="0"/>
             <a:t>Step 2: </a:t>
           </a:r>
           <a:r>
-            <a:rPr lang="en-US"/>
-            <a:t>Find possible plain texts by finding possible keys using “</a:t>
+            <a:rPr lang="en-US" dirty="0"/>
+            <a:t>Find possible plain texts by finding possible keys using </a:t>
           </a:r>
           <a:r>
-            <a:rPr lang="en-US" b="1"/>
-            <a:t>x power 2</a:t>
+            <a:rPr lang="en-US" dirty="0" smtClean="0"/>
+            <a:t>“</a:t>
           </a:r>
           <a:r>
-            <a:rPr lang="en-US"/>
-            <a:t>” method</a:t>
+            <a:rPr lang="el-GR" b="1" dirty="0" smtClean="0"/>
+            <a:t>χ</a:t>
+          </a:r>
+          <a:r>
+            <a:rPr lang="el-GR" b="1" baseline="30000" dirty="0" smtClean="0"/>
+            <a:t>2</a:t>
+          </a:r>
+          <a:r>
+            <a:rPr lang="en-US" dirty="0" smtClean="0"/>
+            <a:t>” (</a:t>
+          </a:r>
+          <a:r>
+            <a:rPr lang="en-US" b="1" dirty="0" smtClean="0"/>
+            <a:t>Chi-squared</a:t>
+          </a:r>
+          <a:r>
+            <a:rPr lang="en-US" dirty="0" smtClean="0"/>
+            <a:t>) </a:t>
+          </a:r>
+          <a:r>
+            <a:rPr lang="en-US" dirty="0"/>
+            <a:t>method</a:t>
           </a:r>
         </a:p>
       </dgm:t>
@@ -3715,6 +4572,13 @@
         </dgm:presLayoutVars>
       </dgm:prSet>
       <dgm:spPr/>
+      <dgm:t>
+        <a:bodyPr/>
+        <a:lstStyle/>
+        <a:p>
+          <a:endParaRPr lang="en-US"/>
+        </a:p>
+      </dgm:t>
     </dgm:pt>
     <dgm:pt modelId="{5E9FADAD-6706-496F-8BFB-2CB2816BCFC3}" type="pres">
       <dgm:prSet presAssocID="{86266EF7-385E-4F07-8401-C889402DB4C2}" presName="boxAndChildren" presStyleCnt="0"/>
@@ -3723,10 +4587,24 @@
     <dgm:pt modelId="{8045C450-5E95-47B2-BF56-2E5DCF78F3EA}" type="pres">
       <dgm:prSet presAssocID="{86266EF7-385E-4F07-8401-C889402DB4C2}" presName="parentTextBox" presStyleLbl="node1" presStyleIdx="0" presStyleCnt="2"/>
       <dgm:spPr/>
+      <dgm:t>
+        <a:bodyPr/>
+        <a:lstStyle/>
+        <a:p>
+          <a:endParaRPr lang="en-US"/>
+        </a:p>
+      </dgm:t>
     </dgm:pt>
     <dgm:pt modelId="{15C49667-1177-427B-971A-418624FC8CCA}" type="pres">
       <dgm:prSet presAssocID="{86266EF7-385E-4F07-8401-C889402DB4C2}" presName="entireBox" presStyleLbl="node1" presStyleIdx="0" presStyleCnt="2"/>
       <dgm:spPr/>
+      <dgm:t>
+        <a:bodyPr/>
+        <a:lstStyle/>
+        <a:p>
+          <a:endParaRPr lang="en-US"/>
+        </a:p>
+      </dgm:t>
     </dgm:pt>
     <dgm:pt modelId="{26109F5D-90EF-4ED8-AA2A-40EA6BABA01E}" type="pres">
       <dgm:prSet presAssocID="{86266EF7-385E-4F07-8401-C889402DB4C2}" presName="descendantBox" presStyleCnt="0"/>
@@ -3739,6 +4617,13 @@
         </dgm:presLayoutVars>
       </dgm:prSet>
       <dgm:spPr/>
+      <dgm:t>
+        <a:bodyPr/>
+        <a:lstStyle/>
+        <a:p>
+          <a:endParaRPr lang="en-US"/>
+        </a:p>
+      </dgm:t>
     </dgm:pt>
     <dgm:pt modelId="{7DFB03A9-10AF-4098-9109-7DEC8EE5B439}" type="pres">
       <dgm:prSet presAssocID="{B46C1035-08C6-47F4-8457-F5C3383E1357}" presName="childTextBox" presStyleLbl="fgAccFollowNode1" presStyleIdx="1" presStyleCnt="2">
@@ -3747,6 +4632,13 @@
         </dgm:presLayoutVars>
       </dgm:prSet>
       <dgm:spPr/>
+      <dgm:t>
+        <a:bodyPr/>
+        <a:lstStyle/>
+        <a:p>
+          <a:endParaRPr lang="en-US"/>
+        </a:p>
+      </dgm:t>
     </dgm:pt>
     <dgm:pt modelId="{6AC86251-F547-408A-B081-532C0D13D866}" type="pres">
       <dgm:prSet presAssocID="{50BFA79A-6EE7-446A-8921-8488DB318433}" presName="sp" presStyleCnt="0"/>
@@ -3759,19 +4651,26 @@
     <dgm:pt modelId="{A95DDF50-27F6-4314-A1A2-1D5C569E10E1}" type="pres">
       <dgm:prSet presAssocID="{A71BC7DA-8272-4599-8D66-179A89F6D777}" presName="parentTextArrow" presStyleLbl="node1" presStyleIdx="1" presStyleCnt="2"/>
       <dgm:spPr/>
+      <dgm:t>
+        <a:bodyPr/>
+        <a:lstStyle/>
+        <a:p>
+          <a:endParaRPr lang="en-US"/>
+        </a:p>
+      </dgm:t>
     </dgm:pt>
   </dgm:ptLst>
   <dgm:cxnLst>
-    <dgm:cxn modelId="{09EF911F-4EAF-4174-AB5D-AED78BA65109}" srcId="{86266EF7-385E-4F07-8401-C889402DB4C2}" destId="{B46C1035-08C6-47F4-8457-F5C3383E1357}" srcOrd="1" destOrd="0" parTransId="{5E7D3CB2-9F31-4340-A8BE-0C6CCA3ECE99}" sibTransId="{D6E22C90-8350-4211-8681-30DB037F28AC}"/>
-    <dgm:cxn modelId="{B4084420-501F-4BF0-AE47-4F2D328745F6}" type="presOf" srcId="{86266EF7-385E-4F07-8401-C889402DB4C2}" destId="{15C49667-1177-427B-971A-418624FC8CCA}" srcOrd="1" destOrd="0" presId="urn:microsoft.com/office/officeart/2005/8/layout/process4"/>
     <dgm:cxn modelId="{C7C61B27-D9C0-42D9-B582-451770F6C043}" type="presOf" srcId="{86266EF7-385E-4F07-8401-C889402DB4C2}" destId="{8045C450-5E95-47B2-BF56-2E5DCF78F3EA}" srcOrd="0" destOrd="0" presId="urn:microsoft.com/office/officeart/2005/8/layout/process4"/>
     <dgm:cxn modelId="{98923362-1DAC-492E-9659-CEB44A5A1ED2}" type="presOf" srcId="{B46C1035-08C6-47F4-8457-F5C3383E1357}" destId="{7DFB03A9-10AF-4098-9109-7DEC8EE5B439}" srcOrd="0" destOrd="0" presId="urn:microsoft.com/office/officeart/2005/8/layout/process4"/>
+    <dgm:cxn modelId="{2ACF279F-CDEB-4AB4-AB41-94C0DD8B5A20}" type="presOf" srcId="{EDE32E07-09EA-4E12-8A02-F129BB947F43}" destId="{F8EB89FF-6A91-4FD2-B457-15903A05DCDF}" srcOrd="0" destOrd="0" presId="urn:microsoft.com/office/officeart/2005/8/layout/process4"/>
+    <dgm:cxn modelId="{3652B8C0-A039-45AB-87A8-76FAB0EF6BA8}" type="presOf" srcId="{A71BC7DA-8272-4599-8D66-179A89F6D777}" destId="{A95DDF50-27F6-4314-A1A2-1D5C569E10E1}" srcOrd="0" destOrd="0" presId="urn:microsoft.com/office/officeart/2005/8/layout/process4"/>
+    <dgm:cxn modelId="{09EF911F-4EAF-4174-AB5D-AED78BA65109}" srcId="{86266EF7-385E-4F07-8401-C889402DB4C2}" destId="{B46C1035-08C6-47F4-8457-F5C3383E1357}" srcOrd="1" destOrd="0" parTransId="{5E7D3CB2-9F31-4340-A8BE-0C6CCA3ECE99}" sibTransId="{D6E22C90-8350-4211-8681-30DB037F28AC}"/>
     <dgm:cxn modelId="{5F23FF7D-6814-487D-8DDA-B9F750D96E02}" srcId="{86266EF7-385E-4F07-8401-C889402DB4C2}" destId="{EDE32E07-09EA-4E12-8A02-F129BB947F43}" srcOrd="0" destOrd="0" parTransId="{FDA2C887-5BDB-4C13-9FF2-E43B00E2EAF2}" sibTransId="{9180983E-47D6-4624-9D30-4F0DB2C889D0}"/>
-    <dgm:cxn modelId="{2ACF279F-CDEB-4AB4-AB41-94C0DD8B5A20}" type="presOf" srcId="{EDE32E07-09EA-4E12-8A02-F129BB947F43}" destId="{F8EB89FF-6A91-4FD2-B457-15903A05DCDF}" srcOrd="0" destOrd="0" presId="urn:microsoft.com/office/officeart/2005/8/layout/process4"/>
     <dgm:cxn modelId="{5F7DD9A4-6346-4376-BAFA-2E2964C339B5}" type="presOf" srcId="{B7B06A01-B27A-4C3B-8B44-87C6D164844F}" destId="{C2067E57-30A9-4058-BC18-DA00866E10E6}" srcOrd="0" destOrd="0" presId="urn:microsoft.com/office/officeart/2005/8/layout/process4"/>
-    <dgm:cxn modelId="{3652B8C0-A039-45AB-87A8-76FAB0EF6BA8}" type="presOf" srcId="{A71BC7DA-8272-4599-8D66-179A89F6D777}" destId="{A95DDF50-27F6-4314-A1A2-1D5C569E10E1}" srcOrd="0" destOrd="0" presId="urn:microsoft.com/office/officeart/2005/8/layout/process4"/>
+    <dgm:cxn modelId="{1A4193E5-8018-4F2D-A949-646D99487272}" srcId="{B7B06A01-B27A-4C3B-8B44-87C6D164844F}" destId="{A71BC7DA-8272-4599-8D66-179A89F6D777}" srcOrd="0" destOrd="0" parTransId="{D3CC9084-4C62-44AE-9B67-6E0EA1866F73}" sibTransId="{50BFA79A-6EE7-446A-8921-8488DB318433}"/>
+    <dgm:cxn modelId="{B4084420-501F-4BF0-AE47-4F2D328745F6}" type="presOf" srcId="{86266EF7-385E-4F07-8401-C889402DB4C2}" destId="{15C49667-1177-427B-971A-418624FC8CCA}" srcOrd="1" destOrd="0" presId="urn:microsoft.com/office/officeart/2005/8/layout/process4"/>
     <dgm:cxn modelId="{4E3AFACB-4E01-41DA-AE10-E2332FB1B74F}" srcId="{B7B06A01-B27A-4C3B-8B44-87C6D164844F}" destId="{86266EF7-385E-4F07-8401-C889402DB4C2}" srcOrd="1" destOrd="0" parTransId="{E9CA0427-714C-4D17-9AF1-BDEB2A7DB921}" sibTransId="{28E70C8D-784C-4278-A9D0-10C2C714E9D1}"/>
-    <dgm:cxn modelId="{1A4193E5-8018-4F2D-A949-646D99487272}" srcId="{B7B06A01-B27A-4C3B-8B44-87C6D164844F}" destId="{A71BC7DA-8272-4599-8D66-179A89F6D777}" srcOrd="0" destOrd="0" parTransId="{D3CC9084-4C62-44AE-9B67-6E0EA1866F73}" sibTransId="{50BFA79A-6EE7-446A-8921-8488DB318433}"/>
     <dgm:cxn modelId="{733EA5C2-5108-4F32-8D22-3DFC75DEBC51}" type="presParOf" srcId="{C2067E57-30A9-4058-BC18-DA00866E10E6}" destId="{5E9FADAD-6706-496F-8BFB-2CB2816BCFC3}" srcOrd="0" destOrd="0" presId="urn:microsoft.com/office/officeart/2005/8/layout/process4"/>
     <dgm:cxn modelId="{881EF40F-7CBC-4528-8408-7461E67B6D70}" type="presParOf" srcId="{5E9FADAD-6706-496F-8BFB-2CB2816BCFC3}" destId="{8045C450-5E95-47B2-BF56-2E5DCF78F3EA}" srcOrd="0" destOrd="0" presId="urn:microsoft.com/office/officeart/2005/8/layout/process4"/>
     <dgm:cxn modelId="{1818EC27-BB98-49FD-A1C1-65ABFC22D9AE}" type="presParOf" srcId="{5E9FADAD-6706-496F-8BFB-2CB2816BCFC3}" destId="{15C49667-1177-427B-971A-418624FC8CCA}" srcOrd="1" destOrd="0" presId="urn:microsoft.com/office/officeart/2005/8/layout/process4"/>
@@ -4147,6 +5046,13 @@
         </dgm:presLayoutVars>
       </dgm:prSet>
       <dgm:spPr/>
+      <dgm:t>
+        <a:bodyPr/>
+        <a:lstStyle/>
+        <a:p>
+          <a:endParaRPr lang="en-US"/>
+        </a:p>
+      </dgm:t>
     </dgm:pt>
     <dgm:pt modelId="{E128D2BC-6D08-4D37-ACA0-6F8EDB194BDC}" type="pres">
       <dgm:prSet presAssocID="{2B93F9E2-F734-411D-9C73-6BED1B38BBE8}" presName="composite" presStyleCnt="0"/>
@@ -4160,12 +5066,26 @@
         </dgm:presLayoutVars>
       </dgm:prSet>
       <dgm:spPr/>
+      <dgm:t>
+        <a:bodyPr/>
+        <a:lstStyle/>
+        <a:p>
+          <a:endParaRPr lang="en-US"/>
+        </a:p>
+      </dgm:t>
     </dgm:pt>
     <dgm:pt modelId="{9747CD68-F6FA-4E54-922F-83435ACE1DD7}" type="pres">
       <dgm:prSet presAssocID="{2B93F9E2-F734-411D-9C73-6BED1B38BBE8}" presName="desTx" presStyleLbl="alignAccFollowNode1" presStyleIdx="0" presStyleCnt="3">
         <dgm:presLayoutVars/>
       </dgm:prSet>
       <dgm:spPr/>
+      <dgm:t>
+        <a:bodyPr/>
+        <a:lstStyle/>
+        <a:p>
+          <a:endParaRPr lang="en-US"/>
+        </a:p>
+      </dgm:t>
     </dgm:pt>
     <dgm:pt modelId="{61B39EB3-A0F7-4FC8-ABC4-49E354F5BACC}" type="pres">
       <dgm:prSet presAssocID="{7D76234A-6DD4-470C-9B2E-0ED4F29F5F9A}" presName="space" presStyleCnt="0"/>
@@ -4183,12 +5103,26 @@
         </dgm:presLayoutVars>
       </dgm:prSet>
       <dgm:spPr/>
+      <dgm:t>
+        <a:bodyPr/>
+        <a:lstStyle/>
+        <a:p>
+          <a:endParaRPr lang="en-US"/>
+        </a:p>
+      </dgm:t>
     </dgm:pt>
     <dgm:pt modelId="{D418524F-70AD-49A1-9CCC-EE4847926BEA}" type="pres">
       <dgm:prSet presAssocID="{319BF5C4-35AE-4DCE-9294-A09E2A31E905}" presName="desTx" presStyleLbl="alignAccFollowNode1" presStyleIdx="1" presStyleCnt="3">
         <dgm:presLayoutVars/>
       </dgm:prSet>
       <dgm:spPr/>
+      <dgm:t>
+        <a:bodyPr/>
+        <a:lstStyle/>
+        <a:p>
+          <a:endParaRPr lang="en-US"/>
+        </a:p>
+      </dgm:t>
     </dgm:pt>
     <dgm:pt modelId="{DBF49CF4-87D8-4A58-9868-A2E958BECE56}" type="pres">
       <dgm:prSet presAssocID="{D9C1E0EC-BC60-4AA0-A1D9-E9126EEAFE84}" presName="space" presStyleCnt="0"/>
@@ -4206,34 +5140,48 @@
         </dgm:presLayoutVars>
       </dgm:prSet>
       <dgm:spPr/>
+      <dgm:t>
+        <a:bodyPr/>
+        <a:lstStyle/>
+        <a:p>
+          <a:endParaRPr lang="en-US"/>
+        </a:p>
+      </dgm:t>
     </dgm:pt>
     <dgm:pt modelId="{921C02AE-0D13-460E-8985-09D6FDA0DE35}" type="pres">
       <dgm:prSet presAssocID="{AC69FB92-6AA0-40D7-ACC9-2C1CF0F0542C}" presName="desTx" presStyleLbl="alignAccFollowNode1" presStyleIdx="2" presStyleCnt="3">
         <dgm:presLayoutVars/>
       </dgm:prSet>
       <dgm:spPr/>
+      <dgm:t>
+        <a:bodyPr/>
+        <a:lstStyle/>
+        <a:p>
+          <a:endParaRPr lang="en-US"/>
+        </a:p>
+      </dgm:t>
     </dgm:pt>
   </dgm:ptLst>
   <dgm:cxnLst>
-    <dgm:cxn modelId="{30B77D1B-6BC1-4C6A-B856-EA7C342BD945}" type="presOf" srcId="{A5AFE458-CCDE-4A10-B875-508A936E2FD1}" destId="{921C02AE-0D13-460E-8985-09D6FDA0DE35}" srcOrd="0" destOrd="0" presId="urn:microsoft.com/office/officeart/2016/7/layout/ChevronBlockProcess"/>
     <dgm:cxn modelId="{01B6081D-3406-4855-81BD-AEEF7249DC73}" srcId="{32AC2E67-B63A-4021-B110-C6D8660B2B49}" destId="{AC69FB92-6AA0-40D7-ACC9-2C1CF0F0542C}" srcOrd="2" destOrd="0" parTransId="{264CDE4F-BC77-4558-BB48-4783181A8BBE}" sibTransId="{98DF8587-9948-4DA7-AB8E-C2380B57AEA4}"/>
-    <dgm:cxn modelId="{8859C622-C9CE-4E40-BECD-1049E5F3E96A}" type="presOf" srcId="{8DB4E156-E4CC-4249-8F39-65538271DEC5}" destId="{D418524F-70AD-49A1-9CCC-EE4847926BEA}" srcOrd="0" destOrd="0" presId="urn:microsoft.com/office/officeart/2016/7/layout/ChevronBlockProcess"/>
+    <dgm:cxn modelId="{DA3B545A-2FB4-4648-9C8F-669FCA5EBF5E}" srcId="{319BF5C4-35AE-4DCE-9294-A09E2A31E905}" destId="{8DB4E156-E4CC-4249-8F39-65538271DEC5}" srcOrd="0" destOrd="0" parTransId="{2EA2650F-093B-4D91-97BD-352B14228828}" sibTransId="{6E32078C-8FE2-44B1-8700-CB3CEFC14329}"/>
+    <dgm:cxn modelId="{07B73658-5F26-4778-89AE-60746555F9F0}" type="presOf" srcId="{AC69FB92-6AA0-40D7-ACC9-2C1CF0F0542C}" destId="{D1297F8A-E184-4FF4-BFE7-B5C46213A322}" srcOrd="0" destOrd="0" presId="urn:microsoft.com/office/officeart/2016/7/layout/ChevronBlockProcess"/>
+    <dgm:cxn modelId="{3F1E28DB-3A65-4C1C-9B23-1050D2E9D4FB}" type="presOf" srcId="{FF67AA6A-6105-423F-8FC6-B39F454D132B}" destId="{9747CD68-F6FA-4E54-922F-83435ACE1DD7}" srcOrd="0" destOrd="1" presId="urn:microsoft.com/office/officeart/2016/7/layout/ChevronBlockProcess"/>
+    <dgm:cxn modelId="{5A75E8D7-444D-4EB3-A0CA-F3420745A3DE}" srcId="{CDC3F8DC-0141-4BF7-890F-C75AB77AB853}" destId="{FF67AA6A-6105-423F-8FC6-B39F454D132B}" srcOrd="0" destOrd="0" parTransId="{34EFED18-2810-4476-A131-33E00DBD7FFD}" sibTransId="{2C55F76D-B84A-42BF-ADFD-14DA62D12681}"/>
     <dgm:cxn modelId="{3474F823-9B98-4A32-A491-A9CB04734D88}" srcId="{32AC2E67-B63A-4021-B110-C6D8660B2B49}" destId="{319BF5C4-35AE-4DCE-9294-A09E2A31E905}" srcOrd="1" destOrd="0" parTransId="{3465B838-F7E2-4330-9A96-6D2797884F46}" sibTransId="{D9C1E0EC-BC60-4AA0-A1D9-E9126EEAFE84}"/>
-    <dgm:cxn modelId="{E1008327-6328-4D4E-8E59-FA2B32D5C376}" type="presOf" srcId="{319BF5C4-35AE-4DCE-9294-A09E2A31E905}" destId="{5720B6B2-6F0E-409D-889F-0F02493CB72B}" srcOrd="0" destOrd="0" presId="urn:microsoft.com/office/officeart/2016/7/layout/ChevronBlockProcess"/>
-    <dgm:cxn modelId="{F6985843-57BC-419A-9AAC-CB4021012520}" srcId="{A5AFE458-CCDE-4A10-B875-508A936E2FD1}" destId="{7B34F49F-432A-46A5-A191-B0AD8834A91D}" srcOrd="0" destOrd="0" parTransId="{577693E6-7C1D-4462-BDCF-717DDCF3041C}" sibTransId="{F74D6EA3-C596-4470-A04B-09D285770A21}"/>
-    <dgm:cxn modelId="{4B2B9845-ED34-4E98-B2C1-8AE510D3B7E4}" srcId="{8DB4E156-E4CC-4249-8F39-65538271DEC5}" destId="{E3CCD6E6-C739-4621-9E40-7C5BE16A52F0}" srcOrd="0" destOrd="0" parTransId="{FD369ABE-5839-4603-B675-324319446569}" sibTransId="{C3F16059-8381-47E4-868A-3278A21FF8B6}"/>
-    <dgm:cxn modelId="{07B73658-5F26-4778-89AE-60746555F9F0}" type="presOf" srcId="{AC69FB92-6AA0-40D7-ACC9-2C1CF0F0542C}" destId="{D1297F8A-E184-4FF4-BFE7-B5C46213A322}" srcOrd="0" destOrd="0" presId="urn:microsoft.com/office/officeart/2016/7/layout/ChevronBlockProcess"/>
-    <dgm:cxn modelId="{C7BB6258-BCB1-45F6-BDA2-8D3B12DF4D7F}" type="presOf" srcId="{7B34F49F-432A-46A5-A191-B0AD8834A91D}" destId="{921C02AE-0D13-460E-8985-09D6FDA0DE35}" srcOrd="0" destOrd="1" presId="urn:microsoft.com/office/officeart/2016/7/layout/ChevronBlockProcess"/>
-    <dgm:cxn modelId="{DA3B545A-2FB4-4648-9C8F-669FCA5EBF5E}" srcId="{319BF5C4-35AE-4DCE-9294-A09E2A31E905}" destId="{8DB4E156-E4CC-4249-8F39-65538271DEC5}" srcOrd="0" destOrd="0" parTransId="{2EA2650F-093B-4D91-97BD-352B14228828}" sibTransId="{6E32078C-8FE2-44B1-8700-CB3CEFC14329}"/>
-    <dgm:cxn modelId="{F3723D84-7DD8-4389-BB63-5CA93AD2CE6D}" srcId="{AC69FB92-6AA0-40D7-ACC9-2C1CF0F0542C}" destId="{A5AFE458-CCDE-4A10-B875-508A936E2FD1}" srcOrd="0" destOrd="0" parTransId="{65F0F65D-E3CF-4E3D-83ED-87B416F1D807}" sibTransId="{1BE33A4F-03A3-4C30-B162-C560FB4837EB}"/>
-    <dgm:cxn modelId="{17A6B09A-BA0F-49E4-B3CF-9296A28B55FF}" type="presOf" srcId="{CDC3F8DC-0141-4BF7-890F-C75AB77AB853}" destId="{9747CD68-F6FA-4E54-922F-83435ACE1DD7}" srcOrd="0" destOrd="0" presId="urn:microsoft.com/office/officeart/2016/7/layout/ChevronBlockProcess"/>
-    <dgm:cxn modelId="{1FDBC3AA-5EE5-44DF-AD11-E7B0D7030C12}" srcId="{32AC2E67-B63A-4021-B110-C6D8660B2B49}" destId="{2B93F9E2-F734-411D-9C73-6BED1B38BBE8}" srcOrd="0" destOrd="0" parTransId="{8E1834FE-C4D5-409C-B952-FE10703CB77B}" sibTransId="{7D76234A-6DD4-470C-9B2E-0ED4F29F5F9A}"/>
-    <dgm:cxn modelId="{EFA3DDBC-FD3F-4775-A6CD-5894B46693EB}" type="presOf" srcId="{E3CCD6E6-C739-4621-9E40-7C5BE16A52F0}" destId="{D418524F-70AD-49A1-9CCC-EE4847926BEA}" srcOrd="0" destOrd="1" presId="urn:microsoft.com/office/officeart/2016/7/layout/ChevronBlockProcess"/>
     <dgm:cxn modelId="{954B75C7-CD69-48F8-87BF-BCDD388E78A9}" type="presOf" srcId="{2B93F9E2-F734-411D-9C73-6BED1B38BBE8}" destId="{E56F3869-9B87-42E4-B889-50203BC41A58}" srcOrd="0" destOrd="0" presId="urn:microsoft.com/office/officeart/2016/7/layout/ChevronBlockProcess"/>
     <dgm:cxn modelId="{74F577CE-EF67-455F-B09A-D3A6AB529A7C}" srcId="{2B93F9E2-F734-411D-9C73-6BED1B38BBE8}" destId="{CDC3F8DC-0141-4BF7-890F-C75AB77AB853}" srcOrd="0" destOrd="0" parTransId="{E3569CC3-91AA-4441-BFC3-477A7848D3F8}" sibTransId="{BF80BC5A-75FC-495B-B237-E2B9C6D05097}"/>
-    <dgm:cxn modelId="{5A75E8D7-444D-4EB3-A0CA-F3420745A3DE}" srcId="{CDC3F8DC-0141-4BF7-890F-C75AB77AB853}" destId="{FF67AA6A-6105-423F-8FC6-B39F454D132B}" srcOrd="0" destOrd="0" parTransId="{34EFED18-2810-4476-A131-33E00DBD7FFD}" sibTransId="{2C55F76D-B84A-42BF-ADFD-14DA62D12681}"/>
-    <dgm:cxn modelId="{3F1E28DB-3A65-4C1C-9B23-1050D2E9D4FB}" type="presOf" srcId="{FF67AA6A-6105-423F-8FC6-B39F454D132B}" destId="{9747CD68-F6FA-4E54-922F-83435ACE1DD7}" srcOrd="0" destOrd="1" presId="urn:microsoft.com/office/officeart/2016/7/layout/ChevronBlockProcess"/>
+    <dgm:cxn modelId="{1FDBC3AA-5EE5-44DF-AD11-E7B0D7030C12}" srcId="{32AC2E67-B63A-4021-B110-C6D8660B2B49}" destId="{2B93F9E2-F734-411D-9C73-6BED1B38BBE8}" srcOrd="0" destOrd="0" parTransId="{8E1834FE-C4D5-409C-B952-FE10703CB77B}" sibTransId="{7D76234A-6DD4-470C-9B2E-0ED4F29F5F9A}"/>
+    <dgm:cxn modelId="{8859C622-C9CE-4E40-BECD-1049E5F3E96A}" type="presOf" srcId="{8DB4E156-E4CC-4249-8F39-65538271DEC5}" destId="{D418524F-70AD-49A1-9CCC-EE4847926BEA}" srcOrd="0" destOrd="0" presId="urn:microsoft.com/office/officeart/2016/7/layout/ChevronBlockProcess"/>
+    <dgm:cxn modelId="{17A6B09A-BA0F-49E4-B3CF-9296A28B55FF}" type="presOf" srcId="{CDC3F8DC-0141-4BF7-890F-C75AB77AB853}" destId="{9747CD68-F6FA-4E54-922F-83435ACE1DD7}" srcOrd="0" destOrd="0" presId="urn:microsoft.com/office/officeart/2016/7/layout/ChevronBlockProcess"/>
+    <dgm:cxn modelId="{4B2B9845-ED34-4E98-B2C1-8AE510D3B7E4}" srcId="{8DB4E156-E4CC-4249-8F39-65538271DEC5}" destId="{E3CCD6E6-C739-4621-9E40-7C5BE16A52F0}" srcOrd="0" destOrd="0" parTransId="{FD369ABE-5839-4603-B675-324319446569}" sibTransId="{C3F16059-8381-47E4-868A-3278A21FF8B6}"/>
+    <dgm:cxn modelId="{F3723D84-7DD8-4389-BB63-5CA93AD2CE6D}" srcId="{AC69FB92-6AA0-40D7-ACC9-2C1CF0F0542C}" destId="{A5AFE458-CCDE-4A10-B875-508A936E2FD1}" srcOrd="0" destOrd="0" parTransId="{65F0F65D-E3CF-4E3D-83ED-87B416F1D807}" sibTransId="{1BE33A4F-03A3-4C30-B162-C560FB4837EB}"/>
+    <dgm:cxn modelId="{EFA3DDBC-FD3F-4775-A6CD-5894B46693EB}" type="presOf" srcId="{E3CCD6E6-C739-4621-9E40-7C5BE16A52F0}" destId="{D418524F-70AD-49A1-9CCC-EE4847926BEA}" srcOrd="0" destOrd="1" presId="urn:microsoft.com/office/officeart/2016/7/layout/ChevronBlockProcess"/>
+    <dgm:cxn modelId="{F6985843-57BC-419A-9AAC-CB4021012520}" srcId="{A5AFE458-CCDE-4A10-B875-508A936E2FD1}" destId="{7B34F49F-432A-46A5-A191-B0AD8834A91D}" srcOrd="0" destOrd="0" parTransId="{577693E6-7C1D-4462-BDCF-717DDCF3041C}" sibTransId="{F74D6EA3-C596-4470-A04B-09D285770A21}"/>
+    <dgm:cxn modelId="{C7BB6258-BCB1-45F6-BDA2-8D3B12DF4D7F}" type="presOf" srcId="{7B34F49F-432A-46A5-A191-B0AD8834A91D}" destId="{921C02AE-0D13-460E-8985-09D6FDA0DE35}" srcOrd="0" destOrd="1" presId="urn:microsoft.com/office/officeart/2016/7/layout/ChevronBlockProcess"/>
     <dgm:cxn modelId="{4A6487F2-26CC-47DD-B0DD-4DF424584A74}" type="presOf" srcId="{32AC2E67-B63A-4021-B110-C6D8660B2B49}" destId="{ED9371DB-FE39-415F-AD78-958AEFB4C2E8}" srcOrd="0" destOrd="0" presId="urn:microsoft.com/office/officeart/2016/7/layout/ChevronBlockProcess"/>
+    <dgm:cxn modelId="{30B77D1B-6BC1-4C6A-B856-EA7C342BD945}" type="presOf" srcId="{A5AFE458-CCDE-4A10-B875-508A936E2FD1}" destId="{921C02AE-0D13-460E-8985-09D6FDA0DE35}" srcOrd="0" destOrd="0" presId="urn:microsoft.com/office/officeart/2016/7/layout/ChevronBlockProcess"/>
+    <dgm:cxn modelId="{E1008327-6328-4D4E-8E59-FA2B32D5C376}" type="presOf" srcId="{319BF5C4-35AE-4DCE-9294-A09E2A31E905}" destId="{5720B6B2-6F0E-409D-889F-0F02493CB72B}" srcOrd="0" destOrd="0" presId="urn:microsoft.com/office/officeart/2016/7/layout/ChevronBlockProcess"/>
     <dgm:cxn modelId="{A9E670E6-3060-448D-A80C-F6270991A63F}" type="presParOf" srcId="{ED9371DB-FE39-415F-AD78-958AEFB4C2E8}" destId="{E128D2BC-6D08-4D37-ACA0-6F8EDB194BDC}" srcOrd="0" destOrd="0" presId="urn:microsoft.com/office/officeart/2016/7/layout/ChevronBlockProcess"/>
     <dgm:cxn modelId="{50F6D218-1196-44D3-9832-20FD43D02A15}" type="presParOf" srcId="{E128D2BC-6D08-4D37-ACA0-6F8EDB194BDC}" destId="{E56F3869-9B87-42E4-B889-50203BC41A58}" srcOrd="0" destOrd="0" presId="urn:microsoft.com/office/officeart/2016/7/layout/ChevronBlockProcess"/>
     <dgm:cxn modelId="{17D83255-9B98-4255-B0CB-CBE74DAB9044}" type="presParOf" srcId="{E128D2BC-6D08-4D37-ACA0-6F8EDB194BDC}" destId="{9747CD68-F6FA-4E54-922F-83435ACE1DD7}" srcOrd="1" destOrd="0" presId="urn:microsoft.com/office/officeart/2016/7/layout/ChevronBlockProcess"/>
@@ -4615,6 +5563,13 @@
         </dgm:presLayoutVars>
       </dgm:prSet>
       <dgm:spPr/>
+      <dgm:t>
+        <a:bodyPr/>
+        <a:lstStyle/>
+        <a:p>
+          <a:endParaRPr lang="en-US"/>
+        </a:p>
+      </dgm:t>
     </dgm:pt>
     <dgm:pt modelId="{42A0D4A1-8580-43CC-9884-A1685A44EF7D}" type="pres">
       <dgm:prSet presAssocID="{5E207A7D-0273-4831-B68D-502C5518321D}" presName="composite" presStyleCnt="0"/>
@@ -4628,12 +5583,26 @@
         </dgm:presLayoutVars>
       </dgm:prSet>
       <dgm:spPr/>
+      <dgm:t>
+        <a:bodyPr/>
+        <a:lstStyle/>
+        <a:p>
+          <a:endParaRPr lang="en-US"/>
+        </a:p>
+      </dgm:t>
     </dgm:pt>
     <dgm:pt modelId="{95DEE584-3575-4F50-A8BB-17930DB11EDE}" type="pres">
       <dgm:prSet presAssocID="{5E207A7D-0273-4831-B68D-502C5518321D}" presName="desTx" presStyleLbl="alignAccFollowNode1" presStyleIdx="0" presStyleCnt="3">
         <dgm:presLayoutVars/>
       </dgm:prSet>
       <dgm:spPr/>
+      <dgm:t>
+        <a:bodyPr/>
+        <a:lstStyle/>
+        <a:p>
+          <a:endParaRPr lang="en-US"/>
+        </a:p>
+      </dgm:t>
     </dgm:pt>
     <dgm:pt modelId="{F3C0A221-3F41-40C6-B14F-EBDEEFC03795}" type="pres">
       <dgm:prSet presAssocID="{C3EB6C76-BCB8-43F3-92E5-B6CD25997DAC}" presName="space" presStyleCnt="0"/>
@@ -4651,12 +5620,26 @@
         </dgm:presLayoutVars>
       </dgm:prSet>
       <dgm:spPr/>
+      <dgm:t>
+        <a:bodyPr/>
+        <a:lstStyle/>
+        <a:p>
+          <a:endParaRPr lang="en-US"/>
+        </a:p>
+      </dgm:t>
     </dgm:pt>
     <dgm:pt modelId="{C820819E-BB2F-4081-AADF-03FCE7911927}" type="pres">
       <dgm:prSet presAssocID="{CBC08F47-A056-4AEB-ACAF-593D56E7372A}" presName="desTx" presStyleLbl="alignAccFollowNode1" presStyleIdx="1" presStyleCnt="3">
         <dgm:presLayoutVars/>
       </dgm:prSet>
       <dgm:spPr/>
+      <dgm:t>
+        <a:bodyPr/>
+        <a:lstStyle/>
+        <a:p>
+          <a:endParaRPr lang="en-US"/>
+        </a:p>
+      </dgm:t>
     </dgm:pt>
     <dgm:pt modelId="{28F58BA1-8484-4A54-AF68-713D08294835}" type="pres">
       <dgm:prSet presAssocID="{6BE053A3-E109-4DA0-8630-911ADD24E98B}" presName="space" presStyleCnt="0"/>
@@ -4674,34 +5657,48 @@
         </dgm:presLayoutVars>
       </dgm:prSet>
       <dgm:spPr/>
+      <dgm:t>
+        <a:bodyPr/>
+        <a:lstStyle/>
+        <a:p>
+          <a:endParaRPr lang="en-US"/>
+        </a:p>
+      </dgm:t>
     </dgm:pt>
     <dgm:pt modelId="{BF392E99-57B1-4B30-AA83-184634D2C81F}" type="pres">
       <dgm:prSet presAssocID="{93744D13-C69A-44CD-8D76-0CE74CF72F67}" presName="desTx" presStyleLbl="alignAccFollowNode1" presStyleIdx="2" presStyleCnt="3">
         <dgm:presLayoutVars/>
       </dgm:prSet>
       <dgm:spPr/>
+      <dgm:t>
+        <a:bodyPr/>
+        <a:lstStyle/>
+        <a:p>
+          <a:endParaRPr lang="en-US"/>
+        </a:p>
+      </dgm:t>
     </dgm:pt>
   </dgm:ptLst>
   <dgm:cxnLst>
+    <dgm:cxn modelId="{706C11B4-0D15-4F37-8BE5-B54D88420688}" type="presOf" srcId="{6DF5F4C2-572F-4915-8820-AE607DC31489}" destId="{BEA486E9-6685-4C3A-88D8-C3FE6886F608}" srcOrd="0" destOrd="0" presId="urn:microsoft.com/office/officeart/2016/7/layout/ChevronBlockProcess"/>
+    <dgm:cxn modelId="{E9B8BD60-A326-44E0-86E4-EDD03BD0B36F}" srcId="{CBC08F47-A056-4AEB-ACAF-593D56E7372A}" destId="{4036AA73-5010-461A-A37B-5E413C0EA29B}" srcOrd="0" destOrd="0" parTransId="{A4D50910-52F6-45E8-B5E3-69F8C4D12308}" sibTransId="{168DE6E8-4A5A-473E-A956-8B82B353723E}"/>
+    <dgm:cxn modelId="{8C4F0FF2-3D24-4058-A8B8-72F7704B98B7}" type="presOf" srcId="{5E207A7D-0273-4831-B68D-502C5518321D}" destId="{67FD8EF2-A10B-41B5-84AA-A55FCB81A0C7}" srcOrd="0" destOrd="0" presId="urn:microsoft.com/office/officeart/2016/7/layout/ChevronBlockProcess"/>
+    <dgm:cxn modelId="{EFC2CED4-A966-4776-9308-828670D68D93}" type="presOf" srcId="{93744D13-C69A-44CD-8D76-0CE74CF72F67}" destId="{E51EA67A-1268-4CEB-AF10-94ADDCE6EFF1}" srcOrd="0" destOrd="0" presId="urn:microsoft.com/office/officeart/2016/7/layout/ChevronBlockProcess"/>
+    <dgm:cxn modelId="{D36B8B1E-0875-4BE5-9CFB-390FA7177BD3}" srcId="{5E207A7D-0273-4831-B68D-502C5518321D}" destId="{69DB1360-A20E-4ACD-98E1-35AFF36F1BBD}" srcOrd="0" destOrd="0" parTransId="{C3EB78AA-2437-464A-A2B1-68A52190CDBD}" sibTransId="{973848DF-BA2E-4910-888B-FBDCD90BA2BA}"/>
+    <dgm:cxn modelId="{B34F284B-F10E-46E0-8B92-529C4994C8DF}" type="presOf" srcId="{4036AA73-5010-461A-A37B-5E413C0EA29B}" destId="{C820819E-BB2F-4081-AADF-03FCE7911927}" srcOrd="0" destOrd="0" presId="urn:microsoft.com/office/officeart/2016/7/layout/ChevronBlockProcess"/>
+    <dgm:cxn modelId="{07063371-5333-408B-AAC4-530A94CEED1E}" type="presOf" srcId="{B666FA67-484A-4700-A3A6-D420F08A4E80}" destId="{C820819E-BB2F-4081-AADF-03FCE7911927}" srcOrd="0" destOrd="1" presId="urn:microsoft.com/office/officeart/2016/7/layout/ChevronBlockProcess"/>
+    <dgm:cxn modelId="{005EBAB0-FEB4-4813-A81E-0B8BFFBABC69}" srcId="{174A6F0C-95BD-4669-9215-143616D1470A}" destId="{71E2D4BA-A7EF-492B-A941-88E4C780D332}" srcOrd="0" destOrd="0" parTransId="{23475C61-0288-4E56-B219-9007362DB598}" sibTransId="{5CA009D1-42E1-4983-9459-FE0D1377EC77}"/>
+    <dgm:cxn modelId="{F6C64785-1797-4674-AC69-A48AA6B1B43B}" srcId="{93744D13-C69A-44CD-8D76-0CE74CF72F67}" destId="{174A6F0C-95BD-4669-9215-143616D1470A}" srcOrd="0" destOrd="0" parTransId="{6A7ED00E-D07D-4A10-A113-74D214513A81}" sibTransId="{6816EFB3-6B84-4A84-918A-3064BF097B24}"/>
+    <dgm:cxn modelId="{251F2788-404F-4AED-A2F4-BF3B2E615947}" srcId="{6DF5F4C2-572F-4915-8820-AE607DC31489}" destId="{CBC08F47-A056-4AEB-ACAF-593D56E7372A}" srcOrd="1" destOrd="0" parTransId="{2B63673C-9A0A-48C8-909F-2907B874E115}" sibTransId="{6BE053A3-E109-4DA0-8630-911ADD24E98B}"/>
+    <dgm:cxn modelId="{38C6C26B-5BCB-4BC7-9140-3A4A79E6588A}" type="presOf" srcId="{71E2D4BA-A7EF-492B-A941-88E4C780D332}" destId="{BF392E99-57B1-4B30-AA83-184634D2C81F}" srcOrd="0" destOrd="1" presId="urn:microsoft.com/office/officeart/2016/7/layout/ChevronBlockProcess"/>
+    <dgm:cxn modelId="{FB8D7EC7-21F8-47A0-8AC2-A80433A5BC82}" srcId="{6DF5F4C2-572F-4915-8820-AE607DC31489}" destId="{93744D13-C69A-44CD-8D76-0CE74CF72F67}" srcOrd="2" destOrd="0" parTransId="{45A74060-452D-4618-B41B-8E16A3120F57}" sibTransId="{B8278156-CA0F-4BFD-9C26-55003357219C}"/>
+    <dgm:cxn modelId="{5D343613-BAD5-4126-9A7C-CA3E5A725556}" type="presOf" srcId="{CBC08F47-A056-4AEB-ACAF-593D56E7372A}" destId="{39574FED-BA99-49CB-86B5-96A04AFC53A3}" srcOrd="0" destOrd="0" presId="urn:microsoft.com/office/officeart/2016/7/layout/ChevronBlockProcess"/>
+    <dgm:cxn modelId="{88330E88-D77A-417B-803A-2ADE8B4FA91B}" type="presOf" srcId="{69DB1360-A20E-4ACD-98E1-35AFF36F1BBD}" destId="{95DEE584-3575-4F50-A8BB-17930DB11EDE}" srcOrd="0" destOrd="0" presId="urn:microsoft.com/office/officeart/2016/7/layout/ChevronBlockProcess"/>
+    <dgm:cxn modelId="{776278A4-C042-4002-BDD8-80F625E54871}" type="presOf" srcId="{DF624CD2-94CE-4065-BD0C-CD865E4FCA8C}" destId="{95DEE584-3575-4F50-A8BB-17930DB11EDE}" srcOrd="0" destOrd="1" presId="urn:microsoft.com/office/officeart/2016/7/layout/ChevronBlockProcess"/>
+    <dgm:cxn modelId="{2BA18242-B639-4FC8-924C-0A1CEDA8127B}" type="presOf" srcId="{174A6F0C-95BD-4669-9215-143616D1470A}" destId="{BF392E99-57B1-4B30-AA83-184634D2C81F}" srcOrd="0" destOrd="0" presId="urn:microsoft.com/office/officeart/2016/7/layout/ChevronBlockProcess"/>
+    <dgm:cxn modelId="{3055CA84-5C3A-415D-9A5F-18166218DACF}" srcId="{69DB1360-A20E-4ACD-98E1-35AFF36F1BBD}" destId="{DF624CD2-94CE-4065-BD0C-CD865E4FCA8C}" srcOrd="0" destOrd="0" parTransId="{EFAB2478-3D57-474B-BC7A-DEF8106A5B15}" sibTransId="{BEE37518-3AB0-41ED-BDB5-3C16B2B5FF34}"/>
+    <dgm:cxn modelId="{16CDB2B7-EDE7-445E-B9C1-C6D5E630FC77}" srcId="{6DF5F4C2-572F-4915-8820-AE607DC31489}" destId="{5E207A7D-0273-4831-B68D-502C5518321D}" srcOrd="0" destOrd="0" parTransId="{8EA5E4D1-550D-4C4B-87C7-093FCD409880}" sibTransId="{C3EB6C76-BCB8-43F3-92E5-B6CD25997DAC}"/>
     <dgm:cxn modelId="{96F77801-35DA-4B7B-B757-C9B31733BC10}" srcId="{4036AA73-5010-461A-A37B-5E413C0EA29B}" destId="{B666FA67-484A-4700-A3A6-D420F08A4E80}" srcOrd="0" destOrd="0" parTransId="{389FC6E8-CB2A-4F20-B28A-01EBD60E9029}" sibTransId="{03D5C42B-9615-4FCB-85A9-C9322A50AAD4}"/>
-    <dgm:cxn modelId="{5D343613-BAD5-4126-9A7C-CA3E5A725556}" type="presOf" srcId="{CBC08F47-A056-4AEB-ACAF-593D56E7372A}" destId="{39574FED-BA99-49CB-86B5-96A04AFC53A3}" srcOrd="0" destOrd="0" presId="urn:microsoft.com/office/officeart/2016/7/layout/ChevronBlockProcess"/>
-    <dgm:cxn modelId="{D36B8B1E-0875-4BE5-9CFB-390FA7177BD3}" srcId="{5E207A7D-0273-4831-B68D-502C5518321D}" destId="{69DB1360-A20E-4ACD-98E1-35AFF36F1BBD}" srcOrd="0" destOrd="0" parTransId="{C3EB78AA-2437-464A-A2B1-68A52190CDBD}" sibTransId="{973848DF-BA2E-4910-888B-FBDCD90BA2BA}"/>
-    <dgm:cxn modelId="{E9B8BD60-A326-44E0-86E4-EDD03BD0B36F}" srcId="{CBC08F47-A056-4AEB-ACAF-593D56E7372A}" destId="{4036AA73-5010-461A-A37B-5E413C0EA29B}" srcOrd="0" destOrd="0" parTransId="{A4D50910-52F6-45E8-B5E3-69F8C4D12308}" sibTransId="{168DE6E8-4A5A-473E-A956-8B82B353723E}"/>
-    <dgm:cxn modelId="{2BA18242-B639-4FC8-924C-0A1CEDA8127B}" type="presOf" srcId="{174A6F0C-95BD-4669-9215-143616D1470A}" destId="{BF392E99-57B1-4B30-AA83-184634D2C81F}" srcOrd="0" destOrd="0" presId="urn:microsoft.com/office/officeart/2016/7/layout/ChevronBlockProcess"/>
-    <dgm:cxn modelId="{B34F284B-F10E-46E0-8B92-529C4994C8DF}" type="presOf" srcId="{4036AA73-5010-461A-A37B-5E413C0EA29B}" destId="{C820819E-BB2F-4081-AADF-03FCE7911927}" srcOrd="0" destOrd="0" presId="urn:microsoft.com/office/officeart/2016/7/layout/ChevronBlockProcess"/>
-    <dgm:cxn modelId="{38C6C26B-5BCB-4BC7-9140-3A4A79E6588A}" type="presOf" srcId="{71E2D4BA-A7EF-492B-A941-88E4C780D332}" destId="{BF392E99-57B1-4B30-AA83-184634D2C81F}" srcOrd="0" destOrd="1" presId="urn:microsoft.com/office/officeart/2016/7/layout/ChevronBlockProcess"/>
-    <dgm:cxn modelId="{07063371-5333-408B-AAC4-530A94CEED1E}" type="presOf" srcId="{B666FA67-484A-4700-A3A6-D420F08A4E80}" destId="{C820819E-BB2F-4081-AADF-03FCE7911927}" srcOrd="0" destOrd="1" presId="urn:microsoft.com/office/officeart/2016/7/layout/ChevronBlockProcess"/>
-    <dgm:cxn modelId="{3055CA84-5C3A-415D-9A5F-18166218DACF}" srcId="{69DB1360-A20E-4ACD-98E1-35AFF36F1BBD}" destId="{DF624CD2-94CE-4065-BD0C-CD865E4FCA8C}" srcOrd="0" destOrd="0" parTransId="{EFAB2478-3D57-474B-BC7A-DEF8106A5B15}" sibTransId="{BEE37518-3AB0-41ED-BDB5-3C16B2B5FF34}"/>
-    <dgm:cxn modelId="{F6C64785-1797-4674-AC69-A48AA6B1B43B}" srcId="{93744D13-C69A-44CD-8D76-0CE74CF72F67}" destId="{174A6F0C-95BD-4669-9215-143616D1470A}" srcOrd="0" destOrd="0" parTransId="{6A7ED00E-D07D-4A10-A113-74D214513A81}" sibTransId="{6816EFB3-6B84-4A84-918A-3064BF097B24}"/>
-    <dgm:cxn modelId="{88330E88-D77A-417B-803A-2ADE8B4FA91B}" type="presOf" srcId="{69DB1360-A20E-4ACD-98E1-35AFF36F1BBD}" destId="{95DEE584-3575-4F50-A8BB-17930DB11EDE}" srcOrd="0" destOrd="0" presId="urn:microsoft.com/office/officeart/2016/7/layout/ChevronBlockProcess"/>
-    <dgm:cxn modelId="{251F2788-404F-4AED-A2F4-BF3B2E615947}" srcId="{6DF5F4C2-572F-4915-8820-AE607DC31489}" destId="{CBC08F47-A056-4AEB-ACAF-593D56E7372A}" srcOrd="1" destOrd="0" parTransId="{2B63673C-9A0A-48C8-909F-2907B874E115}" sibTransId="{6BE053A3-E109-4DA0-8630-911ADD24E98B}"/>
-    <dgm:cxn modelId="{776278A4-C042-4002-BDD8-80F625E54871}" type="presOf" srcId="{DF624CD2-94CE-4065-BD0C-CD865E4FCA8C}" destId="{95DEE584-3575-4F50-A8BB-17930DB11EDE}" srcOrd="0" destOrd="1" presId="urn:microsoft.com/office/officeart/2016/7/layout/ChevronBlockProcess"/>
-    <dgm:cxn modelId="{005EBAB0-FEB4-4813-A81E-0B8BFFBABC69}" srcId="{174A6F0C-95BD-4669-9215-143616D1470A}" destId="{71E2D4BA-A7EF-492B-A941-88E4C780D332}" srcOrd="0" destOrd="0" parTransId="{23475C61-0288-4E56-B219-9007362DB598}" sibTransId="{5CA009D1-42E1-4983-9459-FE0D1377EC77}"/>
-    <dgm:cxn modelId="{706C11B4-0D15-4F37-8BE5-B54D88420688}" type="presOf" srcId="{6DF5F4C2-572F-4915-8820-AE607DC31489}" destId="{BEA486E9-6685-4C3A-88D8-C3FE6886F608}" srcOrd="0" destOrd="0" presId="urn:microsoft.com/office/officeart/2016/7/layout/ChevronBlockProcess"/>
-    <dgm:cxn modelId="{16CDB2B7-EDE7-445E-B9C1-C6D5E630FC77}" srcId="{6DF5F4C2-572F-4915-8820-AE607DC31489}" destId="{5E207A7D-0273-4831-B68D-502C5518321D}" srcOrd="0" destOrd="0" parTransId="{8EA5E4D1-550D-4C4B-87C7-093FCD409880}" sibTransId="{C3EB6C76-BCB8-43F3-92E5-B6CD25997DAC}"/>
-    <dgm:cxn modelId="{FB8D7EC7-21F8-47A0-8AC2-A80433A5BC82}" srcId="{6DF5F4C2-572F-4915-8820-AE607DC31489}" destId="{93744D13-C69A-44CD-8D76-0CE74CF72F67}" srcOrd="2" destOrd="0" parTransId="{45A74060-452D-4618-B41B-8E16A3120F57}" sibTransId="{B8278156-CA0F-4BFD-9C26-55003357219C}"/>
-    <dgm:cxn modelId="{EFC2CED4-A966-4776-9308-828670D68D93}" type="presOf" srcId="{93744D13-C69A-44CD-8D76-0CE74CF72F67}" destId="{E51EA67A-1268-4CEB-AF10-94ADDCE6EFF1}" srcOrd="0" destOrd="0" presId="urn:microsoft.com/office/officeart/2016/7/layout/ChevronBlockProcess"/>
-    <dgm:cxn modelId="{8C4F0FF2-3D24-4058-A8B8-72F7704B98B7}" type="presOf" srcId="{5E207A7D-0273-4831-B68D-502C5518321D}" destId="{67FD8EF2-A10B-41B5-84AA-A55FCB81A0C7}" srcOrd="0" destOrd="0" presId="urn:microsoft.com/office/officeart/2016/7/layout/ChevronBlockProcess"/>
     <dgm:cxn modelId="{8796F8E9-2B54-466D-B8F9-F59BDAC89354}" type="presParOf" srcId="{BEA486E9-6685-4C3A-88D8-C3FE6886F608}" destId="{42A0D4A1-8580-43CC-9884-A1685A44EF7D}" srcOrd="0" destOrd="0" presId="urn:microsoft.com/office/officeart/2016/7/layout/ChevronBlockProcess"/>
     <dgm:cxn modelId="{599B9780-1337-40FE-BE4D-14B5FECBAA6B}" type="presParOf" srcId="{42A0D4A1-8580-43CC-9884-A1685A44EF7D}" destId="{67FD8EF2-A10B-41B5-84AA-A55FCB81A0C7}" srcOrd="0" destOrd="0" presId="urn:microsoft.com/office/officeart/2016/7/layout/ChevronBlockProcess"/>
     <dgm:cxn modelId="{B5E919F2-08C6-49F5-B86A-F1C00ED171B1}" type="presParOf" srcId="{42A0D4A1-8580-43CC-9884-A1685A44EF7D}" destId="{95DEE584-3575-4F50-A8BB-17930DB11EDE}" srcOrd="1" destOrd="0" presId="urn:microsoft.com/office/officeart/2016/7/layout/ChevronBlockProcess"/>
@@ -4713,6 +5710,625 @@
     <dgm:cxn modelId="{F27AEDB9-9B02-4F5E-AD5F-F79834E28A05}" type="presParOf" srcId="{BEA486E9-6685-4C3A-88D8-C3FE6886F608}" destId="{7334AFA5-FB45-4428-AA49-D6B0409E074B}" srcOrd="4" destOrd="0" presId="urn:microsoft.com/office/officeart/2016/7/layout/ChevronBlockProcess"/>
     <dgm:cxn modelId="{BFF0E374-66F2-416B-8176-FC7763357AED}" type="presParOf" srcId="{7334AFA5-FB45-4428-AA49-D6B0409E074B}" destId="{E51EA67A-1268-4CEB-AF10-94ADDCE6EFF1}" srcOrd="0" destOrd="0" presId="urn:microsoft.com/office/officeart/2016/7/layout/ChevronBlockProcess"/>
     <dgm:cxn modelId="{89528503-5EDB-4187-9A07-768CEB04E8F4}" type="presParOf" srcId="{7334AFA5-FB45-4428-AA49-D6B0409E074B}" destId="{BF392E99-57B1-4B30-AA83-184634D2C81F}" srcOrd="1" destOrd="0" presId="urn:microsoft.com/office/officeart/2016/7/layout/ChevronBlockProcess"/>
+  </dgm:cxnLst>
+  <dgm:bg/>
+  <dgm:whole/>
+  <dgm:extLst>
+    <a:ext uri="http://schemas.microsoft.com/office/drawing/2008/diagram">
+      <dsp:dataModelExt xmlns:dsp="http://schemas.microsoft.com/office/drawing/2008/diagram" relId="rId6" minVer="http://schemas.openxmlformats.org/drawingml/2006/diagram"/>
+    </a:ext>
+  </dgm:extLst>
+</dgm:dataModel>
+</file>
+
+<file path=ppt/diagrams/data5.xml><?xml version="1.0" encoding="utf-8"?>
+<dgm:dataModel xmlns:dgm="http://schemas.openxmlformats.org/drawingml/2006/diagram" xmlns:a="http://schemas.openxmlformats.org/drawingml/2006/main">
+  <dgm:ptLst>
+    <dgm:pt modelId="{32AC2E67-B63A-4021-B110-C6D8660B2B49}" type="doc">
+      <dgm:prSet loTypeId="urn:microsoft.com/office/officeart/2016/7/layout/ChevronBlockProcess" loCatId="process" qsTypeId="urn:microsoft.com/office/officeart/2005/8/quickstyle/simple1" qsCatId="simple" csTypeId="urn:microsoft.com/office/officeart/2005/8/colors/colorful2" csCatId="colorful" phldr="1"/>
+      <dgm:spPr/>
+      <dgm:t>
+        <a:bodyPr/>
+        <a:lstStyle/>
+        <a:p>
+          <a:endParaRPr lang="en-US"/>
+        </a:p>
+      </dgm:t>
+    </dgm:pt>
+    <dgm:pt modelId="{2B93F9E2-F734-411D-9C73-6BED1B38BBE8}">
+      <dgm:prSet/>
+      <dgm:spPr/>
+      <dgm:t>
+        <a:bodyPr/>
+        <a:lstStyle/>
+        <a:p>
+          <a:r>
+            <a:rPr lang="en-US"/>
+            <a:t>Step 1</a:t>
+          </a:r>
+        </a:p>
+      </dgm:t>
+    </dgm:pt>
+    <dgm:pt modelId="{8E1834FE-C4D5-409C-B952-FE10703CB77B}" type="parTrans" cxnId="{1FDBC3AA-5EE5-44DF-AD11-E7B0D7030C12}">
+      <dgm:prSet/>
+      <dgm:spPr/>
+      <dgm:t>
+        <a:bodyPr/>
+        <a:lstStyle/>
+        <a:p>
+          <a:endParaRPr lang="en-US"/>
+        </a:p>
+      </dgm:t>
+    </dgm:pt>
+    <dgm:pt modelId="{7D76234A-6DD4-470C-9B2E-0ED4F29F5F9A}" type="sibTrans" cxnId="{1FDBC3AA-5EE5-44DF-AD11-E7B0D7030C12}">
+      <dgm:prSet/>
+      <dgm:spPr/>
+      <dgm:t>
+        <a:bodyPr/>
+        <a:lstStyle/>
+        <a:p>
+          <a:endParaRPr lang="en-US"/>
+        </a:p>
+      </dgm:t>
+    </dgm:pt>
+    <dgm:pt modelId="{CDC3F8DC-0141-4BF7-890F-C75AB77AB853}">
+      <dgm:prSet/>
+      <dgm:spPr/>
+      <dgm:t>
+        <a:bodyPr/>
+        <a:lstStyle/>
+        <a:p>
+          <a:r>
+            <a:rPr lang="en-US" sz="2000"/>
+            <a:t>Step 1</a:t>
+          </a:r>
+        </a:p>
+      </dgm:t>
+    </dgm:pt>
+    <dgm:pt modelId="{E3569CC3-91AA-4441-BFC3-477A7848D3F8}" type="parTrans" cxnId="{74F577CE-EF67-455F-B09A-D3A6AB529A7C}">
+      <dgm:prSet/>
+      <dgm:spPr/>
+      <dgm:t>
+        <a:bodyPr/>
+        <a:lstStyle/>
+        <a:p>
+          <a:endParaRPr lang="en-US"/>
+        </a:p>
+      </dgm:t>
+    </dgm:pt>
+    <dgm:pt modelId="{BF80BC5A-75FC-495B-B237-E2B9C6D05097}" type="sibTrans" cxnId="{74F577CE-EF67-455F-B09A-D3A6AB529A7C}">
+      <dgm:prSet/>
+      <dgm:spPr/>
+      <dgm:t>
+        <a:bodyPr/>
+        <a:lstStyle/>
+        <a:p>
+          <a:endParaRPr lang="en-US"/>
+        </a:p>
+      </dgm:t>
+    </dgm:pt>
+    <dgm:pt modelId="{FF67AA6A-6105-423F-8FC6-B39F454D132B}">
+      <dgm:prSet custT="1"/>
+      <dgm:spPr/>
+      <dgm:t>
+        <a:bodyPr/>
+        <a:lstStyle/>
+        <a:p>
+          <a:r>
+            <a:rPr lang="en-US" sz="1900" dirty="0" smtClean="0"/>
+            <a:t>With known key-length, </a:t>
+          </a:r>
+          <a:r>
+            <a:rPr lang="en-US" sz="1900" dirty="0" err="1" smtClean="0"/>
+            <a:t>devide</a:t>
+          </a:r>
+          <a:r>
+            <a:rPr lang="en-US" sz="1900" dirty="0" smtClean="0"/>
+            <a:t> </a:t>
+          </a:r>
+          <a:r>
+            <a:rPr lang="en-US" sz="1900" dirty="0" err="1" smtClean="0"/>
+            <a:t>ciphertext</a:t>
+          </a:r>
+          <a:r>
+            <a:rPr lang="en-US" sz="1900" dirty="0" smtClean="0"/>
+            <a:t> into </a:t>
+          </a:r>
+          <a:r>
+            <a:rPr lang="en-US" sz="1900" dirty="0" err="1" smtClean="0"/>
+            <a:t>cosets</a:t>
+          </a:r>
+          <a:r>
+            <a:rPr lang="en-US" sz="1900" dirty="0" smtClean="0"/>
+            <a:t> -&gt; each </a:t>
+          </a:r>
+          <a:r>
+            <a:rPr lang="en-US" sz="1900" dirty="0" err="1" smtClean="0"/>
+            <a:t>coset</a:t>
+          </a:r>
+          <a:r>
+            <a:rPr lang="en-US" sz="1900" dirty="0" smtClean="0"/>
+            <a:t> was encrypted using same key character -&gt; Caesar encryption</a:t>
+          </a:r>
+          <a:endParaRPr lang="en-US" sz="1900" dirty="0"/>
+        </a:p>
+      </dgm:t>
+    </dgm:pt>
+    <dgm:pt modelId="{34EFED18-2810-4476-A131-33E00DBD7FFD}" type="parTrans" cxnId="{5A75E8D7-444D-4EB3-A0CA-F3420745A3DE}">
+      <dgm:prSet/>
+      <dgm:spPr/>
+      <dgm:t>
+        <a:bodyPr/>
+        <a:lstStyle/>
+        <a:p>
+          <a:endParaRPr lang="en-US"/>
+        </a:p>
+      </dgm:t>
+    </dgm:pt>
+    <dgm:pt modelId="{2C55F76D-B84A-42BF-ADFD-14DA62D12681}" type="sibTrans" cxnId="{5A75E8D7-444D-4EB3-A0CA-F3420745A3DE}">
+      <dgm:prSet/>
+      <dgm:spPr/>
+      <dgm:t>
+        <a:bodyPr/>
+        <a:lstStyle/>
+        <a:p>
+          <a:endParaRPr lang="en-US"/>
+        </a:p>
+      </dgm:t>
+    </dgm:pt>
+    <dgm:pt modelId="{319BF5C4-35AE-4DCE-9294-A09E2A31E905}">
+      <dgm:prSet/>
+      <dgm:spPr/>
+      <dgm:t>
+        <a:bodyPr/>
+        <a:lstStyle/>
+        <a:p>
+          <a:r>
+            <a:rPr lang="en-US"/>
+            <a:t>Step 2</a:t>
+          </a:r>
+        </a:p>
+      </dgm:t>
+    </dgm:pt>
+    <dgm:pt modelId="{3465B838-F7E2-4330-9A96-6D2797884F46}" type="parTrans" cxnId="{3474F823-9B98-4A32-A491-A9CB04734D88}">
+      <dgm:prSet/>
+      <dgm:spPr/>
+      <dgm:t>
+        <a:bodyPr/>
+        <a:lstStyle/>
+        <a:p>
+          <a:endParaRPr lang="en-US"/>
+        </a:p>
+      </dgm:t>
+    </dgm:pt>
+    <dgm:pt modelId="{D9C1E0EC-BC60-4AA0-A1D9-E9126EEAFE84}" type="sibTrans" cxnId="{3474F823-9B98-4A32-A491-A9CB04734D88}">
+      <dgm:prSet/>
+      <dgm:spPr/>
+      <dgm:t>
+        <a:bodyPr/>
+        <a:lstStyle/>
+        <a:p>
+          <a:endParaRPr lang="en-US"/>
+        </a:p>
+      </dgm:t>
+    </dgm:pt>
+    <dgm:pt modelId="{8DB4E156-E4CC-4249-8F39-65538271DEC5}">
+      <dgm:prSet/>
+      <dgm:spPr/>
+      <dgm:t>
+        <a:bodyPr/>
+        <a:lstStyle/>
+        <a:p>
+          <a:r>
+            <a:rPr lang="en-US" sz="2000"/>
+            <a:t>Step 2</a:t>
+          </a:r>
+        </a:p>
+      </dgm:t>
+    </dgm:pt>
+    <dgm:pt modelId="{2EA2650F-093B-4D91-97BD-352B14228828}" type="parTrans" cxnId="{DA3B545A-2FB4-4648-9C8F-669FCA5EBF5E}">
+      <dgm:prSet/>
+      <dgm:spPr/>
+      <dgm:t>
+        <a:bodyPr/>
+        <a:lstStyle/>
+        <a:p>
+          <a:endParaRPr lang="en-US"/>
+        </a:p>
+      </dgm:t>
+    </dgm:pt>
+    <dgm:pt modelId="{6E32078C-8FE2-44B1-8700-CB3CEFC14329}" type="sibTrans" cxnId="{DA3B545A-2FB4-4648-9C8F-669FCA5EBF5E}">
+      <dgm:prSet/>
+      <dgm:spPr/>
+      <dgm:t>
+        <a:bodyPr/>
+        <a:lstStyle/>
+        <a:p>
+          <a:endParaRPr lang="en-US"/>
+        </a:p>
+      </dgm:t>
+    </dgm:pt>
+    <dgm:pt modelId="{E3CCD6E6-C739-4621-9E40-7C5BE16A52F0}">
+      <dgm:prSet custT="1"/>
+      <dgm:spPr/>
+      <dgm:t>
+        <a:bodyPr/>
+        <a:lstStyle/>
+        <a:p>
+          <a:r>
+            <a:rPr lang="en-US" sz="1900" dirty="0" smtClean="0"/>
+            <a:t>Find key character for each </a:t>
+          </a:r>
+          <a:r>
+            <a:rPr lang="en-US" sz="1900" dirty="0" err="1" smtClean="0"/>
+            <a:t>coset</a:t>
+          </a:r>
+          <a:r>
+            <a:rPr lang="en-US" sz="1900" dirty="0" smtClean="0"/>
+            <a:t> -&gt; break Caesar cipher -&gt; Use </a:t>
+          </a:r>
+          <a:r>
+            <a:rPr lang="el-GR" sz="1900" b="1" dirty="0" smtClean="0"/>
+            <a:t>χ</a:t>
+          </a:r>
+          <a:r>
+            <a:rPr lang="el-GR" sz="1900" b="1" baseline="30000" dirty="0" smtClean="0"/>
+            <a:t>2</a:t>
+          </a:r>
+          <a:r>
+            <a:rPr lang="en-US" sz="1900" b="1" baseline="30000" dirty="0" smtClean="0"/>
+            <a:t> </a:t>
+          </a:r>
+          <a:r>
+            <a:rPr lang="en-US" sz="1900" dirty="0" smtClean="0"/>
+            <a:t>method -&gt; Combine key characters into full key</a:t>
+          </a:r>
+          <a:endParaRPr lang="en-US" sz="1900" dirty="0"/>
+        </a:p>
+      </dgm:t>
+    </dgm:pt>
+    <dgm:pt modelId="{FD369ABE-5839-4603-B675-324319446569}" type="parTrans" cxnId="{4B2B9845-ED34-4E98-B2C1-8AE510D3B7E4}">
+      <dgm:prSet/>
+      <dgm:spPr/>
+      <dgm:t>
+        <a:bodyPr/>
+        <a:lstStyle/>
+        <a:p>
+          <a:endParaRPr lang="en-US"/>
+        </a:p>
+      </dgm:t>
+    </dgm:pt>
+    <dgm:pt modelId="{C3F16059-8381-47E4-868A-3278A21FF8B6}" type="sibTrans" cxnId="{4B2B9845-ED34-4E98-B2C1-8AE510D3B7E4}">
+      <dgm:prSet/>
+      <dgm:spPr/>
+      <dgm:t>
+        <a:bodyPr/>
+        <a:lstStyle/>
+        <a:p>
+          <a:endParaRPr lang="en-US"/>
+        </a:p>
+      </dgm:t>
+    </dgm:pt>
+    <dgm:pt modelId="{AC69FB92-6AA0-40D7-ACC9-2C1CF0F0542C}">
+      <dgm:prSet/>
+      <dgm:spPr/>
+      <dgm:t>
+        <a:bodyPr/>
+        <a:lstStyle/>
+        <a:p>
+          <a:r>
+            <a:rPr lang="en-US"/>
+            <a:t>Step 3</a:t>
+          </a:r>
+        </a:p>
+      </dgm:t>
+    </dgm:pt>
+    <dgm:pt modelId="{264CDE4F-BC77-4558-BB48-4783181A8BBE}" type="parTrans" cxnId="{01B6081D-3406-4855-81BD-AEEF7249DC73}">
+      <dgm:prSet/>
+      <dgm:spPr/>
+      <dgm:t>
+        <a:bodyPr/>
+        <a:lstStyle/>
+        <a:p>
+          <a:endParaRPr lang="en-US"/>
+        </a:p>
+      </dgm:t>
+    </dgm:pt>
+    <dgm:pt modelId="{98DF8587-9948-4DA7-AB8E-C2380B57AEA4}" type="sibTrans" cxnId="{01B6081D-3406-4855-81BD-AEEF7249DC73}">
+      <dgm:prSet/>
+      <dgm:spPr/>
+      <dgm:t>
+        <a:bodyPr/>
+        <a:lstStyle/>
+        <a:p>
+          <a:endParaRPr lang="en-US"/>
+        </a:p>
+      </dgm:t>
+    </dgm:pt>
+    <dgm:pt modelId="{A5AFE458-CCDE-4A10-B875-508A936E2FD1}">
+      <dgm:prSet/>
+      <dgm:spPr/>
+      <dgm:t>
+        <a:bodyPr/>
+        <a:lstStyle/>
+        <a:p>
+          <a:r>
+            <a:rPr lang="en-US" sz="2000" dirty="0"/>
+            <a:t>Step 3</a:t>
+          </a:r>
+        </a:p>
+      </dgm:t>
+    </dgm:pt>
+    <dgm:pt modelId="{65F0F65D-E3CF-4E3D-83ED-87B416F1D807}" type="parTrans" cxnId="{F3723D84-7DD8-4389-BB63-5CA93AD2CE6D}">
+      <dgm:prSet/>
+      <dgm:spPr/>
+      <dgm:t>
+        <a:bodyPr/>
+        <a:lstStyle/>
+        <a:p>
+          <a:endParaRPr lang="en-US"/>
+        </a:p>
+      </dgm:t>
+    </dgm:pt>
+    <dgm:pt modelId="{1BE33A4F-03A3-4C30-B162-C560FB4837EB}" type="sibTrans" cxnId="{F3723D84-7DD8-4389-BB63-5CA93AD2CE6D}">
+      <dgm:prSet/>
+      <dgm:spPr/>
+      <dgm:t>
+        <a:bodyPr/>
+        <a:lstStyle/>
+        <a:p>
+          <a:endParaRPr lang="en-US"/>
+        </a:p>
+      </dgm:t>
+    </dgm:pt>
+    <dgm:pt modelId="{7B34F49F-432A-46A5-A191-B0AD8834A91D}">
+      <dgm:prSet custT="1"/>
+      <dgm:spPr/>
+      <dgm:t>
+        <a:bodyPr/>
+        <a:lstStyle/>
+        <a:p>
+          <a:r>
+            <a:rPr lang="en-US" sz="1900" dirty="0" smtClean="0"/>
+            <a:t>Find plaintext using known </a:t>
+          </a:r>
+          <a:r>
+            <a:rPr lang="en-US" sz="1900" dirty="0" err="1" smtClean="0"/>
+            <a:t>ciphertext</a:t>
+          </a:r>
+          <a:r>
+            <a:rPr lang="en-US" sz="1900" dirty="0" smtClean="0"/>
+            <a:t> and derived key:</a:t>
+          </a:r>
+          <a:endParaRPr lang="en-US" sz="1900" dirty="0"/>
+        </a:p>
+      </dgm:t>
+    </dgm:pt>
+    <dgm:pt modelId="{577693E6-7C1D-4462-BDCF-717DDCF3041C}" type="parTrans" cxnId="{F6985843-57BC-419A-9AAC-CB4021012520}">
+      <dgm:prSet/>
+      <dgm:spPr/>
+      <dgm:t>
+        <a:bodyPr/>
+        <a:lstStyle/>
+        <a:p>
+          <a:endParaRPr lang="en-US"/>
+        </a:p>
+      </dgm:t>
+    </dgm:pt>
+    <dgm:pt modelId="{F74D6EA3-C596-4470-A04B-09D285770A21}" type="sibTrans" cxnId="{F6985843-57BC-419A-9AAC-CB4021012520}">
+      <dgm:prSet/>
+      <dgm:spPr/>
+      <dgm:t>
+        <a:bodyPr/>
+        <a:lstStyle/>
+        <a:p>
+          <a:endParaRPr lang="en-US"/>
+        </a:p>
+      </dgm:t>
+    </dgm:pt>
+    <dgm:pt modelId="{F8DA2CF6-5C76-4D45-9EE0-40BDBE49ED2A}">
+      <dgm:prSet custT="1"/>
+      <dgm:spPr/>
+      <dgm:t>
+        <a:bodyPr/>
+        <a:lstStyle/>
+        <a:p>
+          <a:r>
+            <a:rPr lang="en-US" sz="1900" dirty="0" smtClean="0"/>
+            <a:t>Pi = (</a:t>
+          </a:r>
+          <a:r>
+            <a:rPr lang="en-US" sz="1900" dirty="0" err="1" smtClean="0"/>
+            <a:t>Ei</a:t>
+          </a:r>
+          <a:r>
+            <a:rPr lang="en-US" sz="1900" dirty="0" smtClean="0"/>
+            <a:t> - Ki) mod 26</a:t>
+          </a:r>
+          <a:endParaRPr lang="en-US" sz="1900" dirty="0"/>
+        </a:p>
+      </dgm:t>
+    </dgm:pt>
+    <dgm:pt modelId="{301F0780-7FCD-40D6-88DC-8D4D9CA66134}" type="parTrans" cxnId="{CF930294-316D-4B4A-B7FF-CC1E41DB9430}">
+      <dgm:prSet/>
+      <dgm:spPr/>
+      <dgm:t>
+        <a:bodyPr/>
+        <a:lstStyle/>
+        <a:p>
+          <a:endParaRPr lang="en-US"/>
+        </a:p>
+      </dgm:t>
+    </dgm:pt>
+    <dgm:pt modelId="{7BC7B421-18DA-4B4E-BDA1-70A68EE7339A}" type="sibTrans" cxnId="{CF930294-316D-4B4A-B7FF-CC1E41DB9430}">
+      <dgm:prSet/>
+      <dgm:spPr/>
+      <dgm:t>
+        <a:bodyPr/>
+        <a:lstStyle/>
+        <a:p>
+          <a:endParaRPr lang="en-US"/>
+        </a:p>
+      </dgm:t>
+    </dgm:pt>
+    <dgm:pt modelId="{ED9371DB-FE39-415F-AD78-958AEFB4C2E8}" type="pres">
+      <dgm:prSet presAssocID="{32AC2E67-B63A-4021-B110-C6D8660B2B49}" presName="Name0" presStyleCnt="0">
+        <dgm:presLayoutVars>
+          <dgm:dir/>
+          <dgm:animLvl val="lvl"/>
+          <dgm:resizeHandles val="exact"/>
+        </dgm:presLayoutVars>
+      </dgm:prSet>
+      <dgm:spPr/>
+      <dgm:t>
+        <a:bodyPr/>
+        <a:lstStyle/>
+        <a:p>
+          <a:endParaRPr lang="en-US"/>
+        </a:p>
+      </dgm:t>
+    </dgm:pt>
+    <dgm:pt modelId="{E128D2BC-6D08-4D37-ACA0-6F8EDB194BDC}" type="pres">
+      <dgm:prSet presAssocID="{2B93F9E2-F734-411D-9C73-6BED1B38BBE8}" presName="composite" presStyleCnt="0"/>
+      <dgm:spPr/>
+    </dgm:pt>
+    <dgm:pt modelId="{E56F3869-9B87-42E4-B889-50203BC41A58}" type="pres">
+      <dgm:prSet presAssocID="{2B93F9E2-F734-411D-9C73-6BED1B38BBE8}" presName="parTx" presStyleLbl="alignNode1" presStyleIdx="0" presStyleCnt="3">
+        <dgm:presLayoutVars>
+          <dgm:chMax val="0"/>
+          <dgm:chPref val="0"/>
+        </dgm:presLayoutVars>
+      </dgm:prSet>
+      <dgm:spPr/>
+      <dgm:t>
+        <a:bodyPr/>
+        <a:lstStyle/>
+        <a:p>
+          <a:endParaRPr lang="en-US"/>
+        </a:p>
+      </dgm:t>
+    </dgm:pt>
+    <dgm:pt modelId="{9747CD68-F6FA-4E54-922F-83435ACE1DD7}" type="pres">
+      <dgm:prSet presAssocID="{2B93F9E2-F734-411D-9C73-6BED1B38BBE8}" presName="desTx" presStyleLbl="alignAccFollowNode1" presStyleIdx="0" presStyleCnt="3">
+        <dgm:presLayoutVars/>
+      </dgm:prSet>
+      <dgm:spPr/>
+      <dgm:t>
+        <a:bodyPr/>
+        <a:lstStyle/>
+        <a:p>
+          <a:endParaRPr lang="en-US"/>
+        </a:p>
+      </dgm:t>
+    </dgm:pt>
+    <dgm:pt modelId="{61B39EB3-A0F7-4FC8-ABC4-49E354F5BACC}" type="pres">
+      <dgm:prSet presAssocID="{7D76234A-6DD4-470C-9B2E-0ED4F29F5F9A}" presName="space" presStyleCnt="0"/>
+      <dgm:spPr/>
+    </dgm:pt>
+    <dgm:pt modelId="{A8DA4D84-FB77-4C28-887F-913180111A33}" type="pres">
+      <dgm:prSet presAssocID="{319BF5C4-35AE-4DCE-9294-A09E2A31E905}" presName="composite" presStyleCnt="0"/>
+      <dgm:spPr/>
+    </dgm:pt>
+    <dgm:pt modelId="{5720B6B2-6F0E-409D-889F-0F02493CB72B}" type="pres">
+      <dgm:prSet presAssocID="{319BF5C4-35AE-4DCE-9294-A09E2A31E905}" presName="parTx" presStyleLbl="alignNode1" presStyleIdx="1" presStyleCnt="3">
+        <dgm:presLayoutVars>
+          <dgm:chMax val="0"/>
+          <dgm:chPref val="0"/>
+        </dgm:presLayoutVars>
+      </dgm:prSet>
+      <dgm:spPr/>
+      <dgm:t>
+        <a:bodyPr/>
+        <a:lstStyle/>
+        <a:p>
+          <a:endParaRPr lang="en-US"/>
+        </a:p>
+      </dgm:t>
+    </dgm:pt>
+    <dgm:pt modelId="{D418524F-70AD-49A1-9CCC-EE4847926BEA}" type="pres">
+      <dgm:prSet presAssocID="{319BF5C4-35AE-4DCE-9294-A09E2A31E905}" presName="desTx" presStyleLbl="alignAccFollowNode1" presStyleIdx="1" presStyleCnt="3">
+        <dgm:presLayoutVars/>
+      </dgm:prSet>
+      <dgm:spPr/>
+      <dgm:t>
+        <a:bodyPr/>
+        <a:lstStyle/>
+        <a:p>
+          <a:endParaRPr lang="en-US"/>
+        </a:p>
+      </dgm:t>
+    </dgm:pt>
+    <dgm:pt modelId="{DBF49CF4-87D8-4A58-9868-A2E958BECE56}" type="pres">
+      <dgm:prSet presAssocID="{D9C1E0EC-BC60-4AA0-A1D9-E9126EEAFE84}" presName="space" presStyleCnt="0"/>
+      <dgm:spPr/>
+    </dgm:pt>
+    <dgm:pt modelId="{6B62A976-86F4-4006-AF82-2F5DC3E4F230}" type="pres">
+      <dgm:prSet presAssocID="{AC69FB92-6AA0-40D7-ACC9-2C1CF0F0542C}" presName="composite" presStyleCnt="0"/>
+      <dgm:spPr/>
+    </dgm:pt>
+    <dgm:pt modelId="{D1297F8A-E184-4FF4-BFE7-B5C46213A322}" type="pres">
+      <dgm:prSet presAssocID="{AC69FB92-6AA0-40D7-ACC9-2C1CF0F0542C}" presName="parTx" presStyleLbl="alignNode1" presStyleIdx="2" presStyleCnt="3">
+        <dgm:presLayoutVars>
+          <dgm:chMax val="0"/>
+          <dgm:chPref val="0"/>
+        </dgm:presLayoutVars>
+      </dgm:prSet>
+      <dgm:spPr/>
+      <dgm:t>
+        <a:bodyPr/>
+        <a:lstStyle/>
+        <a:p>
+          <a:endParaRPr lang="en-US"/>
+        </a:p>
+      </dgm:t>
+    </dgm:pt>
+    <dgm:pt modelId="{921C02AE-0D13-460E-8985-09D6FDA0DE35}" type="pres">
+      <dgm:prSet presAssocID="{AC69FB92-6AA0-40D7-ACC9-2C1CF0F0542C}" presName="desTx" presStyleLbl="alignAccFollowNode1" presStyleIdx="2" presStyleCnt="3">
+        <dgm:presLayoutVars/>
+      </dgm:prSet>
+      <dgm:spPr/>
+      <dgm:t>
+        <a:bodyPr/>
+        <a:lstStyle/>
+        <a:p>
+          <a:endParaRPr lang="en-US"/>
+        </a:p>
+      </dgm:t>
+    </dgm:pt>
+  </dgm:ptLst>
+  <dgm:cxnLst>
+    <dgm:cxn modelId="{01B6081D-3406-4855-81BD-AEEF7249DC73}" srcId="{32AC2E67-B63A-4021-B110-C6D8660B2B49}" destId="{AC69FB92-6AA0-40D7-ACC9-2C1CF0F0542C}" srcOrd="2" destOrd="0" parTransId="{264CDE4F-BC77-4558-BB48-4783181A8BBE}" sibTransId="{98DF8587-9948-4DA7-AB8E-C2380B57AEA4}"/>
+    <dgm:cxn modelId="{DA3B545A-2FB4-4648-9C8F-669FCA5EBF5E}" srcId="{319BF5C4-35AE-4DCE-9294-A09E2A31E905}" destId="{8DB4E156-E4CC-4249-8F39-65538271DEC5}" srcOrd="0" destOrd="0" parTransId="{2EA2650F-093B-4D91-97BD-352B14228828}" sibTransId="{6E32078C-8FE2-44B1-8700-CB3CEFC14329}"/>
+    <dgm:cxn modelId="{07B73658-5F26-4778-89AE-60746555F9F0}" type="presOf" srcId="{AC69FB92-6AA0-40D7-ACC9-2C1CF0F0542C}" destId="{D1297F8A-E184-4FF4-BFE7-B5C46213A322}" srcOrd="0" destOrd="0" presId="urn:microsoft.com/office/officeart/2016/7/layout/ChevronBlockProcess"/>
+    <dgm:cxn modelId="{3F1E28DB-3A65-4C1C-9B23-1050D2E9D4FB}" type="presOf" srcId="{FF67AA6A-6105-423F-8FC6-B39F454D132B}" destId="{9747CD68-F6FA-4E54-922F-83435ACE1DD7}" srcOrd="0" destOrd="1" presId="urn:microsoft.com/office/officeart/2016/7/layout/ChevronBlockProcess"/>
+    <dgm:cxn modelId="{5A75E8D7-444D-4EB3-A0CA-F3420745A3DE}" srcId="{CDC3F8DC-0141-4BF7-890F-C75AB77AB853}" destId="{FF67AA6A-6105-423F-8FC6-B39F454D132B}" srcOrd="0" destOrd="0" parTransId="{34EFED18-2810-4476-A131-33E00DBD7FFD}" sibTransId="{2C55F76D-B84A-42BF-ADFD-14DA62D12681}"/>
+    <dgm:cxn modelId="{3474F823-9B98-4A32-A491-A9CB04734D88}" srcId="{32AC2E67-B63A-4021-B110-C6D8660B2B49}" destId="{319BF5C4-35AE-4DCE-9294-A09E2A31E905}" srcOrd="1" destOrd="0" parTransId="{3465B838-F7E2-4330-9A96-6D2797884F46}" sibTransId="{D9C1E0EC-BC60-4AA0-A1D9-E9126EEAFE84}"/>
+    <dgm:cxn modelId="{954B75C7-CD69-48F8-87BF-BCDD388E78A9}" type="presOf" srcId="{2B93F9E2-F734-411D-9C73-6BED1B38BBE8}" destId="{E56F3869-9B87-42E4-B889-50203BC41A58}" srcOrd="0" destOrd="0" presId="urn:microsoft.com/office/officeart/2016/7/layout/ChevronBlockProcess"/>
+    <dgm:cxn modelId="{74F577CE-EF67-455F-B09A-D3A6AB529A7C}" srcId="{2B93F9E2-F734-411D-9C73-6BED1B38BBE8}" destId="{CDC3F8DC-0141-4BF7-890F-C75AB77AB853}" srcOrd="0" destOrd="0" parTransId="{E3569CC3-91AA-4441-BFC3-477A7848D3F8}" sibTransId="{BF80BC5A-75FC-495B-B237-E2B9C6D05097}"/>
+    <dgm:cxn modelId="{1FDBC3AA-5EE5-44DF-AD11-E7B0D7030C12}" srcId="{32AC2E67-B63A-4021-B110-C6D8660B2B49}" destId="{2B93F9E2-F734-411D-9C73-6BED1B38BBE8}" srcOrd="0" destOrd="0" parTransId="{8E1834FE-C4D5-409C-B952-FE10703CB77B}" sibTransId="{7D76234A-6DD4-470C-9B2E-0ED4F29F5F9A}"/>
+    <dgm:cxn modelId="{CF930294-316D-4B4A-B7FF-CC1E41DB9430}" srcId="{A5AFE458-CCDE-4A10-B875-508A936E2FD1}" destId="{F8DA2CF6-5C76-4D45-9EE0-40BDBE49ED2A}" srcOrd="1" destOrd="0" parTransId="{301F0780-7FCD-40D6-88DC-8D4D9CA66134}" sibTransId="{7BC7B421-18DA-4B4E-BDA1-70A68EE7339A}"/>
+    <dgm:cxn modelId="{8859C622-C9CE-4E40-BECD-1049E5F3E96A}" type="presOf" srcId="{8DB4E156-E4CC-4249-8F39-65538271DEC5}" destId="{D418524F-70AD-49A1-9CCC-EE4847926BEA}" srcOrd="0" destOrd="0" presId="urn:microsoft.com/office/officeart/2016/7/layout/ChevronBlockProcess"/>
+    <dgm:cxn modelId="{17A6B09A-BA0F-49E4-B3CF-9296A28B55FF}" type="presOf" srcId="{CDC3F8DC-0141-4BF7-890F-C75AB77AB853}" destId="{9747CD68-F6FA-4E54-922F-83435ACE1DD7}" srcOrd="0" destOrd="0" presId="urn:microsoft.com/office/officeart/2016/7/layout/ChevronBlockProcess"/>
+    <dgm:cxn modelId="{4B2B9845-ED34-4E98-B2C1-8AE510D3B7E4}" srcId="{8DB4E156-E4CC-4249-8F39-65538271DEC5}" destId="{E3CCD6E6-C739-4621-9E40-7C5BE16A52F0}" srcOrd="0" destOrd="0" parTransId="{FD369ABE-5839-4603-B675-324319446569}" sibTransId="{C3F16059-8381-47E4-868A-3278A21FF8B6}"/>
+    <dgm:cxn modelId="{F3723D84-7DD8-4389-BB63-5CA93AD2CE6D}" srcId="{AC69FB92-6AA0-40D7-ACC9-2C1CF0F0542C}" destId="{A5AFE458-CCDE-4A10-B875-508A936E2FD1}" srcOrd="0" destOrd="0" parTransId="{65F0F65D-E3CF-4E3D-83ED-87B416F1D807}" sibTransId="{1BE33A4F-03A3-4C30-B162-C560FB4837EB}"/>
+    <dgm:cxn modelId="{EFA3DDBC-FD3F-4775-A6CD-5894B46693EB}" type="presOf" srcId="{E3CCD6E6-C739-4621-9E40-7C5BE16A52F0}" destId="{D418524F-70AD-49A1-9CCC-EE4847926BEA}" srcOrd="0" destOrd="1" presId="urn:microsoft.com/office/officeart/2016/7/layout/ChevronBlockProcess"/>
+    <dgm:cxn modelId="{F6985843-57BC-419A-9AAC-CB4021012520}" srcId="{A5AFE458-CCDE-4A10-B875-508A936E2FD1}" destId="{7B34F49F-432A-46A5-A191-B0AD8834A91D}" srcOrd="0" destOrd="0" parTransId="{577693E6-7C1D-4462-BDCF-717DDCF3041C}" sibTransId="{F74D6EA3-C596-4470-A04B-09D285770A21}"/>
+    <dgm:cxn modelId="{0AD62974-A83E-4290-9EB8-83BFA8C999A4}" type="presOf" srcId="{F8DA2CF6-5C76-4D45-9EE0-40BDBE49ED2A}" destId="{921C02AE-0D13-460E-8985-09D6FDA0DE35}" srcOrd="0" destOrd="2" presId="urn:microsoft.com/office/officeart/2016/7/layout/ChevronBlockProcess"/>
+    <dgm:cxn modelId="{C7BB6258-BCB1-45F6-BDA2-8D3B12DF4D7F}" type="presOf" srcId="{7B34F49F-432A-46A5-A191-B0AD8834A91D}" destId="{921C02AE-0D13-460E-8985-09D6FDA0DE35}" srcOrd="0" destOrd="1" presId="urn:microsoft.com/office/officeart/2016/7/layout/ChevronBlockProcess"/>
+    <dgm:cxn modelId="{4A6487F2-26CC-47DD-B0DD-4DF424584A74}" type="presOf" srcId="{32AC2E67-B63A-4021-B110-C6D8660B2B49}" destId="{ED9371DB-FE39-415F-AD78-958AEFB4C2E8}" srcOrd="0" destOrd="0" presId="urn:microsoft.com/office/officeart/2016/7/layout/ChevronBlockProcess"/>
+    <dgm:cxn modelId="{30B77D1B-6BC1-4C6A-B856-EA7C342BD945}" type="presOf" srcId="{A5AFE458-CCDE-4A10-B875-508A936E2FD1}" destId="{921C02AE-0D13-460E-8985-09D6FDA0DE35}" srcOrd="0" destOrd="0" presId="urn:microsoft.com/office/officeart/2016/7/layout/ChevronBlockProcess"/>
+    <dgm:cxn modelId="{E1008327-6328-4D4E-8E59-FA2B32D5C376}" type="presOf" srcId="{319BF5C4-35AE-4DCE-9294-A09E2A31E905}" destId="{5720B6B2-6F0E-409D-889F-0F02493CB72B}" srcOrd="0" destOrd="0" presId="urn:microsoft.com/office/officeart/2016/7/layout/ChevronBlockProcess"/>
+    <dgm:cxn modelId="{A9E670E6-3060-448D-A80C-F6270991A63F}" type="presParOf" srcId="{ED9371DB-FE39-415F-AD78-958AEFB4C2E8}" destId="{E128D2BC-6D08-4D37-ACA0-6F8EDB194BDC}" srcOrd="0" destOrd="0" presId="urn:microsoft.com/office/officeart/2016/7/layout/ChevronBlockProcess"/>
+    <dgm:cxn modelId="{50F6D218-1196-44D3-9832-20FD43D02A15}" type="presParOf" srcId="{E128D2BC-6D08-4D37-ACA0-6F8EDB194BDC}" destId="{E56F3869-9B87-42E4-B889-50203BC41A58}" srcOrd="0" destOrd="0" presId="urn:microsoft.com/office/officeart/2016/7/layout/ChevronBlockProcess"/>
+    <dgm:cxn modelId="{17D83255-9B98-4255-B0CB-CBE74DAB9044}" type="presParOf" srcId="{E128D2BC-6D08-4D37-ACA0-6F8EDB194BDC}" destId="{9747CD68-F6FA-4E54-922F-83435ACE1DD7}" srcOrd="1" destOrd="0" presId="urn:microsoft.com/office/officeart/2016/7/layout/ChevronBlockProcess"/>
+    <dgm:cxn modelId="{CD0AD503-699A-48DD-AE4E-9EA5A75F39E8}" type="presParOf" srcId="{ED9371DB-FE39-415F-AD78-958AEFB4C2E8}" destId="{61B39EB3-A0F7-4FC8-ABC4-49E354F5BACC}" srcOrd="1" destOrd="0" presId="urn:microsoft.com/office/officeart/2016/7/layout/ChevronBlockProcess"/>
+    <dgm:cxn modelId="{C901F1A0-F982-46D8-88A4-ABE66A1B5E2D}" type="presParOf" srcId="{ED9371DB-FE39-415F-AD78-958AEFB4C2E8}" destId="{A8DA4D84-FB77-4C28-887F-913180111A33}" srcOrd="2" destOrd="0" presId="urn:microsoft.com/office/officeart/2016/7/layout/ChevronBlockProcess"/>
+    <dgm:cxn modelId="{6F08E83C-AD95-4890-8890-F5DCC2F7087B}" type="presParOf" srcId="{A8DA4D84-FB77-4C28-887F-913180111A33}" destId="{5720B6B2-6F0E-409D-889F-0F02493CB72B}" srcOrd="0" destOrd="0" presId="urn:microsoft.com/office/officeart/2016/7/layout/ChevronBlockProcess"/>
+    <dgm:cxn modelId="{01CC35A8-4D28-4E3F-9451-CB971EF1C924}" type="presParOf" srcId="{A8DA4D84-FB77-4C28-887F-913180111A33}" destId="{D418524F-70AD-49A1-9CCC-EE4847926BEA}" srcOrd="1" destOrd="0" presId="urn:microsoft.com/office/officeart/2016/7/layout/ChevronBlockProcess"/>
+    <dgm:cxn modelId="{9746493A-315B-4F71-989C-84D36A1E9C9C}" type="presParOf" srcId="{ED9371DB-FE39-415F-AD78-958AEFB4C2E8}" destId="{DBF49CF4-87D8-4A58-9868-A2E958BECE56}" srcOrd="3" destOrd="0" presId="urn:microsoft.com/office/officeart/2016/7/layout/ChevronBlockProcess"/>
+    <dgm:cxn modelId="{E5DC63CB-8D75-4C71-84EE-C010AE7BED87}" type="presParOf" srcId="{ED9371DB-FE39-415F-AD78-958AEFB4C2E8}" destId="{6B62A976-86F4-4006-AF82-2F5DC3E4F230}" srcOrd="4" destOrd="0" presId="urn:microsoft.com/office/officeart/2016/7/layout/ChevronBlockProcess"/>
+    <dgm:cxn modelId="{5C7749A9-7EAA-4508-BCF5-3E4586E1C282}" type="presParOf" srcId="{6B62A976-86F4-4006-AF82-2F5DC3E4F230}" destId="{D1297F8A-E184-4FF4-BFE7-B5C46213A322}" srcOrd="0" destOrd="0" presId="urn:microsoft.com/office/officeart/2016/7/layout/ChevronBlockProcess"/>
+    <dgm:cxn modelId="{15243518-9F6C-46F1-98BD-E997FAB40A41}" type="presParOf" srcId="{6B62A976-86F4-4006-AF82-2F5DC3E4F230}" destId="{921C02AE-0D13-460E-8985-09D6FDA0DE35}" srcOrd="1" destOrd="0" presId="urn:microsoft.com/office/officeart/2016/7/layout/ChevronBlockProcess"/>
   </dgm:cxnLst>
   <dgm:bg/>
   <dgm:whole/>
@@ -4834,7 +6450,7 @@
         </a:bodyPr>
         <a:lstStyle/>
         <a:p>
-          <a:pPr marL="0" lvl="0" indent="0" algn="l" defTabSz="1644650">
+          <a:pPr lvl="0" algn="l" defTabSz="1644650">
             <a:lnSpc>
               <a:spcPct val="90000"/>
             </a:lnSpc>
@@ -4844,7 +6460,6 @@
             <a:spcAft>
               <a:spcPct val="35000"/>
             </a:spcAft>
-            <a:buNone/>
           </a:pPr>
           <a:r>
             <a:rPr lang="en-US" sz="3700" kern="1200"/>
@@ -4959,7 +6574,7 @@
         </a:bodyPr>
         <a:lstStyle/>
         <a:p>
-          <a:pPr marL="0" lvl="0" indent="0" algn="l" defTabSz="1644650">
+          <a:pPr lvl="0" algn="l" defTabSz="1644650">
             <a:lnSpc>
               <a:spcPct val="90000"/>
             </a:lnSpc>
@@ -4969,7 +6584,6 @@
             <a:spcAft>
               <a:spcPct val="35000"/>
             </a:spcAft>
-            <a:buNone/>
           </a:pPr>
           <a:r>
             <a:rPr lang="en-US" sz="3700" kern="1200"/>
@@ -5084,7 +6698,7 @@
         </a:bodyPr>
         <a:lstStyle/>
         <a:p>
-          <a:pPr marL="0" lvl="0" indent="0" algn="l" defTabSz="1644650">
+          <a:pPr lvl="0" algn="l" defTabSz="1644650">
             <a:lnSpc>
               <a:spcPct val="90000"/>
             </a:lnSpc>
@@ -5094,7 +6708,6 @@
             <a:spcAft>
               <a:spcPct val="35000"/>
             </a:spcAft>
-            <a:buNone/>
           </a:pPr>
           <a:r>
             <a:rPr lang="en-US" sz="3700" kern="1200"/>
@@ -5173,7 +6786,7 @@
         </a:bodyPr>
         <a:lstStyle/>
         <a:p>
-          <a:pPr marL="0" lvl="0" indent="0" algn="ctr" defTabSz="1333500">
+          <a:pPr lvl="0" algn="ctr" defTabSz="1333500">
             <a:lnSpc>
               <a:spcPct val="90000"/>
             </a:lnSpc>
@@ -5183,7 +6796,6 @@
             <a:spcAft>
               <a:spcPct val="35000"/>
             </a:spcAft>
-            <a:buNone/>
           </a:pPr>
           <a:r>
             <a:rPr lang="en-US" sz="3000" b="1" kern="1200"/>
@@ -5256,7 +6868,7 @@
         </a:bodyPr>
         <a:lstStyle/>
         <a:p>
-          <a:pPr marL="0" lvl="0" indent="0" algn="ctr" defTabSz="889000">
+          <a:pPr lvl="0" algn="ctr" defTabSz="889000">
             <a:lnSpc>
               <a:spcPct val="90000"/>
             </a:lnSpc>
@@ -5266,7 +6878,6 @@
             <a:spcAft>
               <a:spcPct val="35000"/>
             </a:spcAft>
-            <a:buNone/>
           </a:pPr>
           <a:r>
             <a:rPr lang="en-US" sz="2000" b="1" kern="1200" dirty="0"/>
@@ -5342,12 +6953,12 @@
         <a:fontRef idx="minor"/>
       </dsp:style>
       <dsp:txBody>
-        <a:bodyPr spcFirstLastPara="0" vert="horz" wrap="square" lIns="149352" tIns="26670" rIns="149352" bIns="26670" numCol="1" spcCol="1270" anchor="ctr" anchorCtr="0">
+        <a:bodyPr spcFirstLastPara="0" vert="horz" wrap="square" lIns="135128" tIns="24130" rIns="135128" bIns="24130" numCol="1" spcCol="1270" anchor="ctr" anchorCtr="0">
           <a:noAutofit/>
         </a:bodyPr>
         <a:lstStyle/>
         <a:p>
-          <a:pPr marL="0" lvl="0" indent="0" algn="ctr" defTabSz="933450">
+          <a:pPr lvl="0" algn="ctr" defTabSz="844550">
             <a:lnSpc>
               <a:spcPct val="90000"/>
             </a:lnSpc>
@@ -5357,23 +6968,42 @@
             <a:spcAft>
               <a:spcPct val="35000"/>
             </a:spcAft>
-            <a:buNone/>
           </a:pPr>
           <a:r>
-            <a:rPr lang="en-US" sz="2100" b="1" kern="1200"/>
+            <a:rPr lang="en-US" sz="1900" b="1" kern="1200" dirty="0"/>
             <a:t>Step 2: </a:t>
           </a:r>
           <a:r>
-            <a:rPr lang="en-US" sz="2100" kern="1200"/>
-            <a:t>Find possible plain texts by finding possible keys using “</a:t>
+            <a:rPr lang="en-US" sz="1900" kern="1200" dirty="0"/>
+            <a:t>Find possible plain texts by finding possible keys using </a:t>
           </a:r>
           <a:r>
-            <a:rPr lang="en-US" sz="2100" b="1" kern="1200"/>
-            <a:t>x power 2</a:t>
+            <a:rPr lang="en-US" sz="1900" kern="1200" dirty="0" smtClean="0"/>
+            <a:t>“</a:t>
           </a:r>
           <a:r>
-            <a:rPr lang="en-US" sz="2100" kern="1200"/>
-            <a:t>” method</a:t>
+            <a:rPr lang="el-GR" sz="1900" b="1" kern="1200" dirty="0" smtClean="0"/>
+            <a:t>χ</a:t>
+          </a:r>
+          <a:r>
+            <a:rPr lang="el-GR" sz="1900" b="1" kern="1200" baseline="30000" dirty="0" smtClean="0"/>
+            <a:t>2</a:t>
+          </a:r>
+          <a:r>
+            <a:rPr lang="en-US" sz="1900" kern="1200" dirty="0" smtClean="0"/>
+            <a:t>” (</a:t>
+          </a:r>
+          <a:r>
+            <a:rPr lang="en-US" sz="1900" b="1" kern="1200" dirty="0" smtClean="0"/>
+            <a:t>Chi-squared</a:t>
+          </a:r>
+          <a:r>
+            <a:rPr lang="en-US" sz="1900" kern="1200" dirty="0" smtClean="0"/>
+            <a:t>) </a:t>
+          </a:r>
+          <a:r>
+            <a:rPr lang="en-US" sz="1900" kern="1200" dirty="0"/>
+            <a:t>method</a:t>
           </a:r>
         </a:p>
       </dsp:txBody>
@@ -5436,7 +7066,7 @@
         </a:bodyPr>
         <a:lstStyle/>
         <a:p>
-          <a:pPr marL="0" lvl="0" indent="0" algn="ctr" defTabSz="1333500">
+          <a:pPr lvl="0" algn="ctr" defTabSz="1333500">
             <a:lnSpc>
               <a:spcPct val="90000"/>
             </a:lnSpc>
@@ -5446,7 +7076,6 @@
             <a:spcAft>
               <a:spcPct val="35000"/>
             </a:spcAft>
-            <a:buNone/>
           </a:pPr>
           <a:r>
             <a:rPr lang="en-US" sz="3000" kern="1200"/>
@@ -5535,7 +7164,7 @@
         </a:bodyPr>
         <a:lstStyle/>
         <a:p>
-          <a:pPr marL="0" lvl="0" indent="0" algn="ctr" defTabSz="1244600">
+          <a:pPr lvl="0" algn="ctr" defTabSz="1244600">
             <a:lnSpc>
               <a:spcPct val="90000"/>
             </a:lnSpc>
@@ -5545,7 +7174,6 @@
             <a:spcAft>
               <a:spcPct val="35000"/>
             </a:spcAft>
-            <a:buNone/>
           </a:pPr>
           <a:r>
             <a:rPr lang="en-US" sz="2800" kern="1200"/>
@@ -5614,7 +7242,7 @@
         </a:bodyPr>
         <a:lstStyle/>
         <a:p>
-          <a:pPr marL="0" lvl="0" indent="0" algn="l" defTabSz="889000">
+          <a:pPr lvl="0" algn="l" defTabSz="889000">
             <a:lnSpc>
               <a:spcPct val="90000"/>
             </a:lnSpc>
@@ -5624,7 +7252,6 @@
             <a:spcAft>
               <a:spcPct val="35000"/>
             </a:spcAft>
-            <a:buNone/>
           </a:pPr>
           <a:r>
             <a:rPr lang="en-US" sz="2000" kern="1200"/>
@@ -5642,7 +7269,7 @@
             <a:spcAft>
               <a:spcPct val="15000"/>
             </a:spcAft>
-            <a:buChar char="•"/>
+            <a:buChar char="••"/>
           </a:pPr>
           <a:r>
             <a:rPr lang="en-US" sz="1900" kern="1200" dirty="0"/>
@@ -5711,7 +7338,7 @@
         </a:bodyPr>
         <a:lstStyle/>
         <a:p>
-          <a:pPr marL="0" lvl="0" indent="0" algn="ctr" defTabSz="1244600">
+          <a:pPr lvl="0" algn="ctr" defTabSz="1244600">
             <a:lnSpc>
               <a:spcPct val="90000"/>
             </a:lnSpc>
@@ -5721,7 +7348,6 @@
             <a:spcAft>
               <a:spcPct val="35000"/>
             </a:spcAft>
-            <a:buNone/>
           </a:pPr>
           <a:r>
             <a:rPr lang="en-US" sz="2800" kern="1200"/>
@@ -5790,7 +7416,7 @@
         </a:bodyPr>
         <a:lstStyle/>
         <a:p>
-          <a:pPr marL="0" lvl="0" indent="0" algn="l" defTabSz="889000">
+          <a:pPr lvl="0" algn="l" defTabSz="889000">
             <a:lnSpc>
               <a:spcPct val="90000"/>
             </a:lnSpc>
@@ -5800,7 +7426,6 @@
             <a:spcAft>
               <a:spcPct val="35000"/>
             </a:spcAft>
-            <a:buNone/>
           </a:pPr>
           <a:r>
             <a:rPr lang="en-US" sz="2000" kern="1200"/>
@@ -5818,7 +7443,7 @@
             <a:spcAft>
               <a:spcPct val="15000"/>
             </a:spcAft>
-            <a:buChar char="•"/>
+            <a:buChar char="••"/>
           </a:pPr>
           <a:r>
             <a:rPr lang="en-US" sz="1900" kern="1200" dirty="0"/>
@@ -5895,7 +7520,7 @@
         </a:bodyPr>
         <a:lstStyle/>
         <a:p>
-          <a:pPr marL="0" lvl="0" indent="0" algn="ctr" defTabSz="1244600">
+          <a:pPr lvl="0" algn="ctr" defTabSz="1244600">
             <a:lnSpc>
               <a:spcPct val="90000"/>
             </a:lnSpc>
@@ -5905,7 +7530,6 @@
             <a:spcAft>
               <a:spcPct val="35000"/>
             </a:spcAft>
-            <a:buNone/>
           </a:pPr>
           <a:r>
             <a:rPr lang="en-US" sz="2800" kern="1200"/>
@@ -5974,7 +7598,7 @@
         </a:bodyPr>
         <a:lstStyle/>
         <a:p>
-          <a:pPr marL="0" lvl="0" indent="0" algn="l" defTabSz="889000">
+          <a:pPr lvl="0" algn="l" defTabSz="889000">
             <a:lnSpc>
               <a:spcPct val="90000"/>
             </a:lnSpc>
@@ -5984,7 +7608,6 @@
             <a:spcAft>
               <a:spcPct val="35000"/>
             </a:spcAft>
-            <a:buNone/>
           </a:pPr>
           <a:r>
             <a:rPr lang="en-US" sz="2000" kern="1200"/>
@@ -6002,7 +7625,7 @@
             <a:spcAft>
               <a:spcPct val="15000"/>
             </a:spcAft>
-            <a:buChar char="•"/>
+            <a:buChar char="••"/>
           </a:pPr>
           <a:r>
             <a:rPr lang="en-US" sz="1900" kern="1200" dirty="0"/>
@@ -6083,7 +7706,7 @@
         </a:bodyPr>
         <a:lstStyle/>
         <a:p>
-          <a:pPr marL="0" lvl="0" indent="0" algn="ctr" defTabSz="1244600">
+          <a:pPr lvl="0" algn="ctr" defTabSz="1244600">
             <a:lnSpc>
               <a:spcPct val="90000"/>
             </a:lnSpc>
@@ -6093,7 +7716,6 @@
             <a:spcAft>
               <a:spcPct val="35000"/>
             </a:spcAft>
-            <a:buNone/>
           </a:pPr>
           <a:r>
             <a:rPr lang="en-US" sz="2800" kern="1200"/>
@@ -6162,7 +7784,7 @@
         </a:bodyPr>
         <a:lstStyle/>
         <a:p>
-          <a:pPr marL="0" lvl="0" indent="0" algn="l" defTabSz="889000">
+          <a:pPr lvl="0" algn="l" defTabSz="889000">
             <a:lnSpc>
               <a:spcPct val="90000"/>
             </a:lnSpc>
@@ -6172,7 +7794,6 @@
             <a:spcAft>
               <a:spcPct val="35000"/>
             </a:spcAft>
-            <a:buNone/>
           </a:pPr>
           <a:r>
             <a:rPr lang="en-US" sz="2000" kern="1200"/>
@@ -6190,7 +7811,7 @@
             <a:spcAft>
               <a:spcPct val="15000"/>
             </a:spcAft>
-            <a:buChar char="•"/>
+            <a:buChar char="••"/>
           </a:pPr>
           <a:r>
             <a:rPr lang="en-US" sz="1900" kern="1200" dirty="0"/>
@@ -6259,7 +7880,7 @@
         </a:bodyPr>
         <a:lstStyle/>
         <a:p>
-          <a:pPr marL="0" lvl="0" indent="0" algn="ctr" defTabSz="1244600">
+          <a:pPr lvl="0" algn="ctr" defTabSz="1244600">
             <a:lnSpc>
               <a:spcPct val="90000"/>
             </a:lnSpc>
@@ -6269,7 +7890,6 @@
             <a:spcAft>
               <a:spcPct val="35000"/>
             </a:spcAft>
-            <a:buNone/>
           </a:pPr>
           <a:r>
             <a:rPr lang="en-US" sz="2800" kern="1200"/>
@@ -6338,7 +7958,7 @@
         </a:bodyPr>
         <a:lstStyle/>
         <a:p>
-          <a:pPr marL="0" lvl="0" indent="0" algn="l" defTabSz="889000">
+          <a:pPr lvl="0" algn="l" defTabSz="889000">
             <a:lnSpc>
               <a:spcPct val="90000"/>
             </a:lnSpc>
@@ -6348,7 +7968,6 @@
             <a:spcAft>
               <a:spcPct val="35000"/>
             </a:spcAft>
-            <a:buNone/>
           </a:pPr>
           <a:r>
             <a:rPr lang="en-US" sz="2000" kern="1200"/>
@@ -6366,7 +7985,7 @@
             <a:spcAft>
               <a:spcPct val="15000"/>
             </a:spcAft>
-            <a:buChar char="•"/>
+            <a:buChar char="••"/>
           </a:pPr>
           <a:r>
             <a:rPr lang="en-US" sz="1900" kern="1200" dirty="0"/>
@@ -6439,7 +8058,7 @@
         </a:bodyPr>
         <a:lstStyle/>
         <a:p>
-          <a:pPr marL="0" lvl="0" indent="0" algn="ctr" defTabSz="1244600">
+          <a:pPr lvl="0" algn="ctr" defTabSz="1244600">
             <a:lnSpc>
               <a:spcPct val="90000"/>
             </a:lnSpc>
@@ -6449,7 +8068,6 @@
             <a:spcAft>
               <a:spcPct val="35000"/>
             </a:spcAft>
-            <a:buNone/>
           </a:pPr>
           <a:r>
             <a:rPr lang="en-US" sz="2800" kern="1200"/>
@@ -6518,7 +8136,7 @@
         </a:bodyPr>
         <a:lstStyle/>
         <a:p>
-          <a:pPr marL="0" lvl="0" indent="0" algn="l" defTabSz="889000">
+          <a:pPr lvl="0" algn="l" defTabSz="889000">
             <a:lnSpc>
               <a:spcPct val="90000"/>
             </a:lnSpc>
@@ -6528,7 +8146,6 @@
             <a:spcAft>
               <a:spcPct val="35000"/>
             </a:spcAft>
-            <a:buNone/>
           </a:pPr>
           <a:r>
             <a:rPr lang="en-US" sz="2000" kern="1200"/>
@@ -6546,7 +8163,7 @@
             <a:spcAft>
               <a:spcPct val="15000"/>
             </a:spcAft>
-            <a:buChar char="•"/>
+            <a:buChar char="••"/>
           </a:pPr>
           <a:r>
             <a:rPr lang="en-US" sz="1900" kern="1200" dirty="0"/>
@@ -6565,6 +8182,634 @@
       <dsp:txXfrm>
         <a:off x="6445053" y="1381144"/>
         <a:ext cx="2972927" cy="2240521"/>
+      </dsp:txXfrm>
+    </dsp:sp>
+  </dsp:spTree>
+</dsp:drawing>
+</file>
+
+<file path=ppt/diagrams/drawing5.xml><?xml version="1.0" encoding="utf-8"?>
+<dsp:drawing xmlns:dgm="http://schemas.openxmlformats.org/drawingml/2006/diagram" xmlns:dsp="http://schemas.microsoft.com/office/drawing/2008/diagram" xmlns:a="http://schemas.openxmlformats.org/drawingml/2006/main">
+  <dsp:spTree>
+    <dsp:nvGrpSpPr>
+      <dsp:cNvPr id="0" name=""/>
+      <dsp:cNvGrpSpPr/>
+    </dsp:nvGrpSpPr>
+    <dsp:grpSpPr/>
+    <dsp:sp modelId="{E56F3869-9B87-42E4-B889-50203BC41A58}">
+      <dsp:nvSpPr>
+        <dsp:cNvPr id="0" name=""/>
+        <dsp:cNvSpPr/>
+      </dsp:nvSpPr>
+      <dsp:spPr>
+        <a:xfrm>
+          <a:off x="8254" y="266964"/>
+          <a:ext cx="3266953" cy="980085"/>
+        </a:xfrm>
+        <a:prstGeom prst="chevron">
+          <a:avLst>
+            <a:gd name="adj" fmla="val 30000"/>
+          </a:avLst>
+        </a:prstGeom>
+        <a:solidFill>
+          <a:schemeClr val="accent2">
+            <a:hueOff val="0"/>
+            <a:satOff val="0"/>
+            <a:lumOff val="0"/>
+            <a:alphaOff val="0"/>
+          </a:schemeClr>
+        </a:solidFill>
+        <a:ln w="15875" cap="flat" cmpd="sng" algn="ctr">
+          <a:solidFill>
+            <a:schemeClr val="accent2">
+              <a:hueOff val="0"/>
+              <a:satOff val="0"/>
+              <a:lumOff val="0"/>
+              <a:alphaOff val="0"/>
+            </a:schemeClr>
+          </a:solidFill>
+          <a:prstDash val="solid"/>
+        </a:ln>
+        <a:effectLst/>
+      </dsp:spPr>
+      <dsp:style>
+        <a:lnRef idx="2">
+          <a:scrgbClr r="0" g="0" b="0"/>
+        </a:lnRef>
+        <a:fillRef idx="1">
+          <a:scrgbClr r="0" g="0" b="0"/>
+        </a:fillRef>
+        <a:effectRef idx="0">
+          <a:scrgbClr r="0" g="0" b="0"/>
+        </a:effectRef>
+        <a:fontRef idx="minor">
+          <a:schemeClr val="lt1"/>
+        </a:fontRef>
+      </dsp:style>
+      <dsp:txBody>
+        <a:bodyPr spcFirstLastPara="0" vert="horz" wrap="square" lIns="121013" tIns="121013" rIns="121013" bIns="121013" numCol="1" spcCol="1270" anchor="ctr" anchorCtr="0">
+          <a:noAutofit/>
+        </a:bodyPr>
+        <a:lstStyle/>
+        <a:p>
+          <a:pPr lvl="0" algn="ctr" defTabSz="1244600">
+            <a:lnSpc>
+              <a:spcPct val="90000"/>
+            </a:lnSpc>
+            <a:spcBef>
+              <a:spcPct val="0"/>
+            </a:spcBef>
+            <a:spcAft>
+              <a:spcPct val="35000"/>
+            </a:spcAft>
+          </a:pPr>
+          <a:r>
+            <a:rPr lang="en-US" sz="2800" kern="1200"/>
+            <a:t>Step 1</a:t>
+          </a:r>
+        </a:p>
+      </dsp:txBody>
+      <dsp:txXfrm>
+        <a:off x="302280" y="266964"/>
+        <a:ext cx="2678902" cy="980085"/>
+      </dsp:txXfrm>
+    </dsp:sp>
+    <dsp:sp modelId="{9747CD68-F6FA-4E54-922F-83435ACE1DD7}">
+      <dsp:nvSpPr>
+        <dsp:cNvPr id="0" name=""/>
+        <dsp:cNvSpPr/>
+      </dsp:nvSpPr>
+      <dsp:spPr>
+        <a:xfrm>
+          <a:off x="8254" y="1247050"/>
+          <a:ext cx="2972927" cy="2508710"/>
+        </a:xfrm>
+        <a:prstGeom prst="rect">
+          <a:avLst/>
+        </a:prstGeom>
+        <a:solidFill>
+          <a:schemeClr val="accent2">
+            <a:tint val="40000"/>
+            <a:alpha val="90000"/>
+            <a:hueOff val="0"/>
+            <a:satOff val="0"/>
+            <a:lumOff val="0"/>
+            <a:alphaOff val="0"/>
+          </a:schemeClr>
+        </a:solidFill>
+        <a:ln w="15875" cap="flat" cmpd="sng" algn="ctr">
+          <a:solidFill>
+            <a:schemeClr val="accent2">
+              <a:tint val="40000"/>
+              <a:alpha val="90000"/>
+              <a:hueOff val="0"/>
+              <a:satOff val="0"/>
+              <a:lumOff val="0"/>
+              <a:alphaOff val="0"/>
+            </a:schemeClr>
+          </a:solidFill>
+          <a:prstDash val="solid"/>
+        </a:ln>
+        <a:effectLst/>
+      </dsp:spPr>
+      <dsp:style>
+        <a:lnRef idx="2">
+          <a:scrgbClr r="0" g="0" b="0"/>
+        </a:lnRef>
+        <a:fillRef idx="1">
+          <a:scrgbClr r="0" g="0" b="0"/>
+        </a:fillRef>
+        <a:effectRef idx="0">
+          <a:scrgbClr r="0" g="0" b="0"/>
+        </a:effectRef>
+        <a:fontRef idx="minor"/>
+      </dsp:style>
+      <dsp:txBody>
+        <a:bodyPr spcFirstLastPara="0" vert="horz" wrap="square" lIns="234927" tIns="234927" rIns="234927" bIns="469855" numCol="1" spcCol="1270" anchor="t" anchorCtr="0">
+          <a:noAutofit/>
+        </a:bodyPr>
+        <a:lstStyle/>
+        <a:p>
+          <a:pPr lvl="0" algn="l" defTabSz="889000">
+            <a:lnSpc>
+              <a:spcPct val="90000"/>
+            </a:lnSpc>
+            <a:spcBef>
+              <a:spcPct val="0"/>
+            </a:spcBef>
+            <a:spcAft>
+              <a:spcPct val="35000"/>
+            </a:spcAft>
+          </a:pPr>
+          <a:r>
+            <a:rPr lang="en-US" sz="2000" kern="1200"/>
+            <a:t>Step 1</a:t>
+          </a:r>
+        </a:p>
+        <a:p>
+          <a:pPr marL="171450" lvl="1" indent="-171450" algn="l" defTabSz="844550">
+            <a:lnSpc>
+              <a:spcPct val="90000"/>
+            </a:lnSpc>
+            <a:spcBef>
+              <a:spcPct val="0"/>
+            </a:spcBef>
+            <a:spcAft>
+              <a:spcPct val="15000"/>
+            </a:spcAft>
+            <a:buChar char="••"/>
+          </a:pPr>
+          <a:r>
+            <a:rPr lang="en-US" sz="1900" kern="1200" dirty="0" smtClean="0"/>
+            <a:t>With known key-length, </a:t>
+          </a:r>
+          <a:r>
+            <a:rPr lang="en-US" sz="1900" kern="1200" dirty="0" err="1" smtClean="0"/>
+            <a:t>devide</a:t>
+          </a:r>
+          <a:r>
+            <a:rPr lang="en-US" sz="1900" kern="1200" dirty="0" smtClean="0"/>
+            <a:t> </a:t>
+          </a:r>
+          <a:r>
+            <a:rPr lang="en-US" sz="1900" kern="1200" dirty="0" err="1" smtClean="0"/>
+            <a:t>ciphertext</a:t>
+          </a:r>
+          <a:r>
+            <a:rPr lang="en-US" sz="1900" kern="1200" dirty="0" smtClean="0"/>
+            <a:t> into </a:t>
+          </a:r>
+          <a:r>
+            <a:rPr lang="en-US" sz="1900" kern="1200" dirty="0" err="1" smtClean="0"/>
+            <a:t>cosets</a:t>
+          </a:r>
+          <a:r>
+            <a:rPr lang="en-US" sz="1900" kern="1200" dirty="0" smtClean="0"/>
+            <a:t> -&gt; each </a:t>
+          </a:r>
+          <a:r>
+            <a:rPr lang="en-US" sz="1900" kern="1200" dirty="0" err="1" smtClean="0"/>
+            <a:t>coset</a:t>
+          </a:r>
+          <a:r>
+            <a:rPr lang="en-US" sz="1900" kern="1200" dirty="0" smtClean="0"/>
+            <a:t> was encrypted using same key character -&gt; Caesar encryption</a:t>
+          </a:r>
+          <a:endParaRPr lang="en-US" sz="1900" kern="1200" dirty="0"/>
+        </a:p>
+      </dsp:txBody>
+      <dsp:txXfrm>
+        <a:off x="8254" y="1247050"/>
+        <a:ext cx="2972927" cy="2508710"/>
+      </dsp:txXfrm>
+    </dsp:sp>
+    <dsp:sp modelId="{5720B6B2-6F0E-409D-889F-0F02493CB72B}">
+      <dsp:nvSpPr>
+        <dsp:cNvPr id="0" name=""/>
+        <dsp:cNvSpPr/>
+      </dsp:nvSpPr>
+      <dsp:spPr>
+        <a:xfrm>
+          <a:off x="3226654" y="266964"/>
+          <a:ext cx="3266953" cy="980085"/>
+        </a:xfrm>
+        <a:prstGeom prst="chevron">
+          <a:avLst>
+            <a:gd name="adj" fmla="val 30000"/>
+          </a:avLst>
+        </a:prstGeom>
+        <a:solidFill>
+          <a:schemeClr val="accent2">
+            <a:hueOff val="-661686"/>
+            <a:satOff val="746"/>
+            <a:lumOff val="1765"/>
+            <a:alphaOff val="0"/>
+          </a:schemeClr>
+        </a:solidFill>
+        <a:ln w="15875" cap="flat" cmpd="sng" algn="ctr">
+          <a:solidFill>
+            <a:schemeClr val="accent2">
+              <a:hueOff val="-661686"/>
+              <a:satOff val="746"/>
+              <a:lumOff val="1765"/>
+              <a:alphaOff val="0"/>
+            </a:schemeClr>
+          </a:solidFill>
+          <a:prstDash val="solid"/>
+        </a:ln>
+        <a:effectLst/>
+      </dsp:spPr>
+      <dsp:style>
+        <a:lnRef idx="2">
+          <a:scrgbClr r="0" g="0" b="0"/>
+        </a:lnRef>
+        <a:fillRef idx="1">
+          <a:scrgbClr r="0" g="0" b="0"/>
+        </a:fillRef>
+        <a:effectRef idx="0">
+          <a:scrgbClr r="0" g="0" b="0"/>
+        </a:effectRef>
+        <a:fontRef idx="minor">
+          <a:schemeClr val="lt1"/>
+        </a:fontRef>
+      </dsp:style>
+      <dsp:txBody>
+        <a:bodyPr spcFirstLastPara="0" vert="horz" wrap="square" lIns="121013" tIns="121013" rIns="121013" bIns="121013" numCol="1" spcCol="1270" anchor="ctr" anchorCtr="0">
+          <a:noAutofit/>
+        </a:bodyPr>
+        <a:lstStyle/>
+        <a:p>
+          <a:pPr lvl="0" algn="ctr" defTabSz="1244600">
+            <a:lnSpc>
+              <a:spcPct val="90000"/>
+            </a:lnSpc>
+            <a:spcBef>
+              <a:spcPct val="0"/>
+            </a:spcBef>
+            <a:spcAft>
+              <a:spcPct val="35000"/>
+            </a:spcAft>
+          </a:pPr>
+          <a:r>
+            <a:rPr lang="en-US" sz="2800" kern="1200"/>
+            <a:t>Step 2</a:t>
+          </a:r>
+        </a:p>
+      </dsp:txBody>
+      <dsp:txXfrm>
+        <a:off x="3520680" y="266964"/>
+        <a:ext cx="2678902" cy="980085"/>
+      </dsp:txXfrm>
+    </dsp:sp>
+    <dsp:sp modelId="{D418524F-70AD-49A1-9CCC-EE4847926BEA}">
+      <dsp:nvSpPr>
+        <dsp:cNvPr id="0" name=""/>
+        <dsp:cNvSpPr/>
+      </dsp:nvSpPr>
+      <dsp:spPr>
+        <a:xfrm>
+          <a:off x="3226654" y="1247050"/>
+          <a:ext cx="2972927" cy="2508710"/>
+        </a:xfrm>
+        <a:prstGeom prst="rect">
+          <a:avLst/>
+        </a:prstGeom>
+        <a:solidFill>
+          <a:schemeClr val="accent2">
+            <a:tint val="40000"/>
+            <a:alpha val="90000"/>
+            <a:hueOff val="-920933"/>
+            <a:satOff val="6135"/>
+            <a:lumOff val="561"/>
+            <a:alphaOff val="0"/>
+          </a:schemeClr>
+        </a:solidFill>
+        <a:ln w="15875" cap="flat" cmpd="sng" algn="ctr">
+          <a:solidFill>
+            <a:schemeClr val="accent2">
+              <a:tint val="40000"/>
+              <a:alpha val="90000"/>
+              <a:hueOff val="-920933"/>
+              <a:satOff val="6135"/>
+              <a:lumOff val="561"/>
+              <a:alphaOff val="0"/>
+            </a:schemeClr>
+          </a:solidFill>
+          <a:prstDash val="solid"/>
+        </a:ln>
+        <a:effectLst/>
+      </dsp:spPr>
+      <dsp:style>
+        <a:lnRef idx="2">
+          <a:scrgbClr r="0" g="0" b="0"/>
+        </a:lnRef>
+        <a:fillRef idx="1">
+          <a:scrgbClr r="0" g="0" b="0"/>
+        </a:fillRef>
+        <a:effectRef idx="0">
+          <a:scrgbClr r="0" g="0" b="0"/>
+        </a:effectRef>
+        <a:fontRef idx="minor"/>
+      </dsp:style>
+      <dsp:txBody>
+        <a:bodyPr spcFirstLastPara="0" vert="horz" wrap="square" lIns="234927" tIns="234927" rIns="234927" bIns="469855" numCol="1" spcCol="1270" anchor="t" anchorCtr="0">
+          <a:noAutofit/>
+        </a:bodyPr>
+        <a:lstStyle/>
+        <a:p>
+          <a:pPr lvl="0" algn="l" defTabSz="889000">
+            <a:lnSpc>
+              <a:spcPct val="90000"/>
+            </a:lnSpc>
+            <a:spcBef>
+              <a:spcPct val="0"/>
+            </a:spcBef>
+            <a:spcAft>
+              <a:spcPct val="35000"/>
+            </a:spcAft>
+          </a:pPr>
+          <a:r>
+            <a:rPr lang="en-US" sz="2000" kern="1200"/>
+            <a:t>Step 2</a:t>
+          </a:r>
+        </a:p>
+        <a:p>
+          <a:pPr marL="171450" lvl="1" indent="-171450" algn="l" defTabSz="844550">
+            <a:lnSpc>
+              <a:spcPct val="90000"/>
+            </a:lnSpc>
+            <a:spcBef>
+              <a:spcPct val="0"/>
+            </a:spcBef>
+            <a:spcAft>
+              <a:spcPct val="15000"/>
+            </a:spcAft>
+            <a:buChar char="••"/>
+          </a:pPr>
+          <a:r>
+            <a:rPr lang="en-US" sz="1900" kern="1200" dirty="0" smtClean="0"/>
+            <a:t>Find key character for each </a:t>
+          </a:r>
+          <a:r>
+            <a:rPr lang="en-US" sz="1900" kern="1200" dirty="0" err="1" smtClean="0"/>
+            <a:t>coset</a:t>
+          </a:r>
+          <a:r>
+            <a:rPr lang="en-US" sz="1900" kern="1200" dirty="0" smtClean="0"/>
+            <a:t> -&gt; break Caesar cipher -&gt; Use </a:t>
+          </a:r>
+          <a:r>
+            <a:rPr lang="el-GR" sz="1900" b="1" kern="1200" dirty="0" smtClean="0"/>
+            <a:t>χ</a:t>
+          </a:r>
+          <a:r>
+            <a:rPr lang="el-GR" sz="1900" b="1" kern="1200" baseline="30000" dirty="0" smtClean="0"/>
+            <a:t>2</a:t>
+          </a:r>
+          <a:r>
+            <a:rPr lang="en-US" sz="1900" b="1" kern="1200" baseline="30000" dirty="0" smtClean="0"/>
+            <a:t> </a:t>
+          </a:r>
+          <a:r>
+            <a:rPr lang="en-US" sz="1900" kern="1200" dirty="0" smtClean="0"/>
+            <a:t>method -&gt; Combine key characters into full key</a:t>
+          </a:r>
+          <a:endParaRPr lang="en-US" sz="1900" kern="1200" dirty="0"/>
+        </a:p>
+      </dsp:txBody>
+      <dsp:txXfrm>
+        <a:off x="3226654" y="1247050"/>
+        <a:ext cx="2972927" cy="2508710"/>
+      </dsp:txXfrm>
+    </dsp:sp>
+    <dsp:sp modelId="{D1297F8A-E184-4FF4-BFE7-B5C46213A322}">
+      <dsp:nvSpPr>
+        <dsp:cNvPr id="0" name=""/>
+        <dsp:cNvSpPr/>
+      </dsp:nvSpPr>
+      <dsp:spPr>
+        <a:xfrm>
+          <a:off x="6445053" y="266964"/>
+          <a:ext cx="3266953" cy="980085"/>
+        </a:xfrm>
+        <a:prstGeom prst="chevron">
+          <a:avLst>
+            <a:gd name="adj" fmla="val 30000"/>
+          </a:avLst>
+        </a:prstGeom>
+        <a:solidFill>
+          <a:schemeClr val="accent2">
+            <a:hueOff val="-1323373"/>
+            <a:satOff val="1492"/>
+            <a:lumOff val="3530"/>
+            <a:alphaOff val="0"/>
+          </a:schemeClr>
+        </a:solidFill>
+        <a:ln w="15875" cap="flat" cmpd="sng" algn="ctr">
+          <a:solidFill>
+            <a:schemeClr val="accent2">
+              <a:hueOff val="-1323373"/>
+              <a:satOff val="1492"/>
+              <a:lumOff val="3530"/>
+              <a:alphaOff val="0"/>
+            </a:schemeClr>
+          </a:solidFill>
+          <a:prstDash val="solid"/>
+        </a:ln>
+        <a:effectLst/>
+      </dsp:spPr>
+      <dsp:style>
+        <a:lnRef idx="2">
+          <a:scrgbClr r="0" g="0" b="0"/>
+        </a:lnRef>
+        <a:fillRef idx="1">
+          <a:scrgbClr r="0" g="0" b="0"/>
+        </a:fillRef>
+        <a:effectRef idx="0">
+          <a:scrgbClr r="0" g="0" b="0"/>
+        </a:effectRef>
+        <a:fontRef idx="minor">
+          <a:schemeClr val="lt1"/>
+        </a:fontRef>
+      </dsp:style>
+      <dsp:txBody>
+        <a:bodyPr spcFirstLastPara="0" vert="horz" wrap="square" lIns="121013" tIns="121013" rIns="121013" bIns="121013" numCol="1" spcCol="1270" anchor="ctr" anchorCtr="0">
+          <a:noAutofit/>
+        </a:bodyPr>
+        <a:lstStyle/>
+        <a:p>
+          <a:pPr lvl="0" algn="ctr" defTabSz="1244600">
+            <a:lnSpc>
+              <a:spcPct val="90000"/>
+            </a:lnSpc>
+            <a:spcBef>
+              <a:spcPct val="0"/>
+            </a:spcBef>
+            <a:spcAft>
+              <a:spcPct val="35000"/>
+            </a:spcAft>
+          </a:pPr>
+          <a:r>
+            <a:rPr lang="en-US" sz="2800" kern="1200"/>
+            <a:t>Step 3</a:t>
+          </a:r>
+        </a:p>
+      </dsp:txBody>
+      <dsp:txXfrm>
+        <a:off x="6739079" y="266964"/>
+        <a:ext cx="2678902" cy="980085"/>
+      </dsp:txXfrm>
+    </dsp:sp>
+    <dsp:sp modelId="{921C02AE-0D13-460E-8985-09D6FDA0DE35}">
+      <dsp:nvSpPr>
+        <dsp:cNvPr id="0" name=""/>
+        <dsp:cNvSpPr/>
+      </dsp:nvSpPr>
+      <dsp:spPr>
+        <a:xfrm>
+          <a:off x="6445053" y="1247050"/>
+          <a:ext cx="2972927" cy="2508710"/>
+        </a:xfrm>
+        <a:prstGeom prst="rect">
+          <a:avLst/>
+        </a:prstGeom>
+        <a:solidFill>
+          <a:schemeClr val="accent2">
+            <a:tint val="40000"/>
+            <a:alpha val="90000"/>
+            <a:hueOff val="-1841865"/>
+            <a:satOff val="12270"/>
+            <a:lumOff val="1122"/>
+            <a:alphaOff val="0"/>
+          </a:schemeClr>
+        </a:solidFill>
+        <a:ln w="15875" cap="flat" cmpd="sng" algn="ctr">
+          <a:solidFill>
+            <a:schemeClr val="accent2">
+              <a:tint val="40000"/>
+              <a:alpha val="90000"/>
+              <a:hueOff val="-1841865"/>
+              <a:satOff val="12270"/>
+              <a:lumOff val="1122"/>
+              <a:alphaOff val="0"/>
+            </a:schemeClr>
+          </a:solidFill>
+          <a:prstDash val="solid"/>
+        </a:ln>
+        <a:effectLst/>
+      </dsp:spPr>
+      <dsp:style>
+        <a:lnRef idx="2">
+          <a:scrgbClr r="0" g="0" b="0"/>
+        </a:lnRef>
+        <a:fillRef idx="1">
+          <a:scrgbClr r="0" g="0" b="0"/>
+        </a:fillRef>
+        <a:effectRef idx="0">
+          <a:scrgbClr r="0" g="0" b="0"/>
+        </a:effectRef>
+        <a:fontRef idx="minor"/>
+      </dsp:style>
+      <dsp:txBody>
+        <a:bodyPr spcFirstLastPara="0" vert="horz" wrap="square" lIns="234927" tIns="234927" rIns="234927" bIns="469855" numCol="1" spcCol="1270" anchor="t" anchorCtr="0">
+          <a:noAutofit/>
+        </a:bodyPr>
+        <a:lstStyle/>
+        <a:p>
+          <a:pPr lvl="0" algn="l" defTabSz="889000">
+            <a:lnSpc>
+              <a:spcPct val="90000"/>
+            </a:lnSpc>
+            <a:spcBef>
+              <a:spcPct val="0"/>
+            </a:spcBef>
+            <a:spcAft>
+              <a:spcPct val="35000"/>
+            </a:spcAft>
+          </a:pPr>
+          <a:r>
+            <a:rPr lang="en-US" sz="2000" kern="1200" dirty="0"/>
+            <a:t>Step 3</a:t>
+          </a:r>
+        </a:p>
+        <a:p>
+          <a:pPr marL="171450" lvl="1" indent="-171450" algn="l" defTabSz="844550">
+            <a:lnSpc>
+              <a:spcPct val="90000"/>
+            </a:lnSpc>
+            <a:spcBef>
+              <a:spcPct val="0"/>
+            </a:spcBef>
+            <a:spcAft>
+              <a:spcPct val="15000"/>
+            </a:spcAft>
+            <a:buChar char="••"/>
+          </a:pPr>
+          <a:r>
+            <a:rPr lang="en-US" sz="1900" kern="1200" dirty="0" smtClean="0"/>
+            <a:t>Find plaintext using known </a:t>
+          </a:r>
+          <a:r>
+            <a:rPr lang="en-US" sz="1900" kern="1200" dirty="0" err="1" smtClean="0"/>
+            <a:t>ciphertext</a:t>
+          </a:r>
+          <a:r>
+            <a:rPr lang="en-US" sz="1900" kern="1200" dirty="0" smtClean="0"/>
+            <a:t> and derived key:</a:t>
+          </a:r>
+          <a:endParaRPr lang="en-US" sz="1900" kern="1200" dirty="0"/>
+        </a:p>
+        <a:p>
+          <a:pPr marL="171450" lvl="1" indent="-171450" algn="l" defTabSz="844550">
+            <a:lnSpc>
+              <a:spcPct val="90000"/>
+            </a:lnSpc>
+            <a:spcBef>
+              <a:spcPct val="0"/>
+            </a:spcBef>
+            <a:spcAft>
+              <a:spcPct val="15000"/>
+            </a:spcAft>
+            <a:buChar char="••"/>
+          </a:pPr>
+          <a:r>
+            <a:rPr lang="en-US" sz="1900" kern="1200" dirty="0" smtClean="0"/>
+            <a:t>Pi = (</a:t>
+          </a:r>
+          <a:r>
+            <a:rPr lang="en-US" sz="1900" kern="1200" dirty="0" err="1" smtClean="0"/>
+            <a:t>Ei</a:t>
+          </a:r>
+          <a:r>
+            <a:rPr lang="en-US" sz="1900" kern="1200" dirty="0" smtClean="0"/>
+            <a:t> - Ki) mod 26</a:t>
+          </a:r>
+          <a:endParaRPr lang="en-US" sz="1900" kern="1200" dirty="0"/>
+        </a:p>
+      </dsp:txBody>
+      <dsp:txXfrm>
+        <a:off x="6445053" y="1247050"/>
+        <a:ext cx="2972927" cy="2508710"/>
       </dsp:txXfrm>
     </dsp:sp>
   </dsp:spTree>
@@ -7561,6 +9806,212 @@
 </dgm:layoutDef>
 </file>
 
+<file path=ppt/diagrams/layout5.xml><?xml version="1.0" encoding="utf-8"?>
+<dgm:layoutDef xmlns:dgm="http://schemas.openxmlformats.org/drawingml/2006/diagram" xmlns:a="http://schemas.openxmlformats.org/drawingml/2006/main" uniqueId="urn:microsoft.com/office/officeart/2016/7/layout/ChevronBlockProcess">
+  <dgm:title val="Chevron Block Process"/>
+  <dgm:desc val="Use to show a progression; a timeline; sequential steps in a task, process, or workflow; or to emphasize movement or direction. Level 1 text appears inside an arrow shape while Level 2 text appears below the arrow shapes."/>
+  <dgm:catLst>
+    <dgm:cat type="process" pri="500"/>
+  </dgm:catLst>
+  <dgm:sampData useDef="1">
+    <dgm:dataModel>
+      <dgm:ptLst/>
+      <dgm:bg/>
+      <dgm:whole/>
+    </dgm:dataModel>
+  </dgm:sampData>
+  <dgm:styleData>
+    <dgm:dataModel>
+      <dgm:ptLst>
+        <dgm:pt modelId="0" type="doc"/>
+        <dgm:pt modelId="1"/>
+        <dgm:pt modelId="2"/>
+      </dgm:ptLst>
+      <dgm:cxnLst>
+        <dgm:cxn modelId="3" srcId="0" destId="1" srcOrd="0" destOrd="0"/>
+        <dgm:cxn modelId="4" srcId="0" destId="2" srcOrd="1" destOrd="0"/>
+      </dgm:cxnLst>
+      <dgm:bg/>
+      <dgm:whole/>
+    </dgm:dataModel>
+  </dgm:styleData>
+  <dgm:clrData>
+    <dgm:dataModel>
+      <dgm:ptLst>
+        <dgm:pt modelId="0" type="doc"/>
+        <dgm:pt modelId="1"/>
+        <dgm:pt modelId="2"/>
+        <dgm:pt modelId="3"/>
+        <dgm:pt modelId="4"/>
+      </dgm:ptLst>
+      <dgm:cxnLst>
+        <dgm:cxn modelId="5" srcId="0" destId="1" srcOrd="0" destOrd="0"/>
+        <dgm:cxn modelId="6" srcId="0" destId="2" srcOrd="1" destOrd="0"/>
+        <dgm:cxn modelId="7" srcId="0" destId="3" srcOrd="2" destOrd="0"/>
+        <dgm:cxn modelId="8" srcId="0" destId="4" srcOrd="3" destOrd="0"/>
+      </dgm:cxnLst>
+      <dgm:bg/>
+      <dgm:whole/>
+    </dgm:dataModel>
+  </dgm:clrData>
+  <dgm:layoutNode name="Name0">
+    <dgm:varLst>
+      <dgm:dir/>
+      <dgm:animLvl val="lvl"/>
+      <dgm:resizeHandles val="exact"/>
+    </dgm:varLst>
+    <dgm:choose name="Name1">
+      <dgm:if name="Name2" func="var" arg="dir" op="equ" val="norm">
+        <dgm:alg type="lin"/>
+      </dgm:if>
+      <dgm:else name="Name3">
+        <dgm:alg type="lin">
+          <dgm:param type="linDir" val="fromR"/>
+        </dgm:alg>
+      </dgm:else>
+    </dgm:choose>
+    <dgm:shape xmlns:r="http://schemas.openxmlformats.org/officeDocument/2006/relationships" r:blip="">
+      <dgm:adjLst/>
+    </dgm:shape>
+    <dgm:presOf/>
+    <dgm:constrLst>
+      <dgm:constr type="h" for="ch" forName="composite" refType="h" fact="0.6"/>
+      <dgm:constr type="h" for="des" forName="composite" op="equ"/>
+      <dgm:constr type="w" for="ch" forName="composite" refType="w"/>
+      <dgm:constr type="w" for="des" forName="parTx"/>
+      <dgm:constr type="h" for="des" forName="parTx" op="equ"/>
+      <dgm:constr type="w" for="des" forName="desTx"/>
+      <dgm:constr type="primFontSz" for="des" forName="parTx" val="28"/>
+      <dgm:constr type="primFontSz" for="des" forName="desTx" refType="primFontSz" refFor="des" refForName="parTx" op="lte" fact="0.75"/>
+      <dgm:constr type="h" for="des" forName="desTx" op="equ"/>
+      <dgm:constr type="w" for="ch" forName="space" refType="w" op="equ" fact="-0.005"/>
+    </dgm:constrLst>
+    <dgm:ruleLst>
+      <dgm:rule type="w" for="ch" forName="composite" val="0" fact="NaN" max="NaN"/>
+    </dgm:ruleLst>
+    <dgm:forEach name="Name6" axis="ch" ptType="node">
+      <dgm:layoutNode name="composite">
+        <dgm:alg type="composite"/>
+        <dgm:shape xmlns:r="http://schemas.openxmlformats.org/officeDocument/2006/relationships" r:blip="">
+          <dgm:adjLst/>
+        </dgm:shape>
+        <dgm:presOf/>
+        <dgm:choose name="Name7">
+          <dgm:if name="Name8" func="var" arg="dir" op="equ" val="norm">
+            <dgm:constrLst>
+              <dgm:constr type="l" for="ch" forName="parTx"/>
+              <dgm:constr type="w" for="ch" forName="parTx" refType="w"/>
+              <dgm:constr type="t" for="ch" forName="parTx"/>
+              <dgm:constr type="l" for="ch" forName="desTx"/>
+              <dgm:constr type="w" for="ch" forName="desTx" refType="w" refFor="ch" refForName="parTx" fact="0.91"/>
+              <dgm:constr type="t" for="ch" forName="desTx" refType="h" refFor="ch" refForName="parTx"/>
+            </dgm:constrLst>
+          </dgm:if>
+          <dgm:else name="Name9">
+            <dgm:constrLst>
+              <dgm:constr type="l" for="ch" forName="parTx"/>
+              <dgm:constr type="w" for="ch" forName="parTx" refType="w"/>
+              <dgm:constr type="t" for="ch" forName="parTx"/>
+              <dgm:constr type="l" for="ch" forName="desTx" refType="w" fact="0.09"/>
+              <dgm:constr type="w" for="ch" forName="desTx" refType="w" refFor="ch" refForName="parTx" fact="0.91"/>
+              <dgm:constr type="t" for="ch" forName="desTx" refType="h" refFor="ch" refForName="parTx"/>
+            </dgm:constrLst>
+          </dgm:else>
+        </dgm:choose>
+        <dgm:ruleLst>
+          <dgm:rule type="h" val="INF" fact="NaN" max="NaN"/>
+        </dgm:ruleLst>
+        <dgm:layoutNode name="parTx" styleLbl="alignNode1">
+          <dgm:varLst>
+            <dgm:chMax val="0"/>
+            <dgm:chPref val="0"/>
+          </dgm:varLst>
+          <dgm:alg type="tx"/>
+          <dgm:choose name="Name10">
+            <dgm:if name="Name11" func="var" arg="dir" op="equ" val="norm">
+              <dgm:shape xmlns:r="http://schemas.openxmlformats.org/officeDocument/2006/relationships" type="chevron" r:blip="">
+                <dgm:adjLst>
+                  <dgm:adj idx="1" val="0.3"/>
+                </dgm:adjLst>
+              </dgm:shape>
+            </dgm:if>
+            <dgm:else name="Name12">
+              <dgm:shape xmlns:r="http://schemas.openxmlformats.org/officeDocument/2006/relationships" rot="180" type="chevron" r:blip="">
+                <dgm:adjLst/>
+              </dgm:shape>
+            </dgm:else>
+          </dgm:choose>
+          <dgm:presOf axis="self" ptType="node"/>
+          <dgm:choose name="Name13">
+            <dgm:if name="Name14" func="var" arg="dir" op="equ" val="norm">
+              <dgm:constrLst>
+                <dgm:constr type="h" refType="w" op="lte" fact="0.3"/>
+                <dgm:constr type="h"/>
+                <dgm:constr type="tMarg" refType="w" fact="0.105"/>
+                <dgm:constr type="bMarg" refType="w" fact="0.105"/>
+                <dgm:constr type="lMarg" refType="w" fact="0.105"/>
+                <dgm:constr type="rMarg" refType="w" fact="0.105"/>
+              </dgm:constrLst>
+            </dgm:if>
+            <dgm:else name="Name15">
+              <dgm:constrLst>
+                <dgm:constr type="h" refType="w" op="lte" fact="0.3"/>
+                <dgm:constr type="h"/>
+                <dgm:constr type="tMarg" refType="w" fact="0.105"/>
+                <dgm:constr type="bMarg" refType="w" fact="0.105"/>
+                <dgm:constr type="lMarg" refType="w" fact="0.105"/>
+                <dgm:constr type="rMarg" refType="w" fact="0.105"/>
+              </dgm:constrLst>
+            </dgm:else>
+          </dgm:choose>
+          <dgm:ruleLst>
+            <dgm:rule type="h" val="INF" fact="NaN" max="NaN"/>
+            <dgm:rule type="primFontSz" val="14" fact="NaN" max="NaN"/>
+          </dgm:ruleLst>
+        </dgm:layoutNode>
+        <dgm:layoutNode name="desTx" styleLbl="alignAccFollowNode1">
+          <dgm:varLst/>
+          <dgm:alg type="tx">
+            <dgm:param type="stBulletLvl" val="0"/>
+            <dgm:param type="txAnchorVert" val="t"/>
+            <dgm:param type="parTxLTRAlign" val="l"/>
+            <dgm:param type="shpTxLTRAlignCh" val="l"/>
+            <dgm:param type="parTxRTLAlign" val="r"/>
+            <dgm:param type="shpTxRTLAlignCh" val="r"/>
+          </dgm:alg>
+          <dgm:shape xmlns:r="http://schemas.openxmlformats.org/officeDocument/2006/relationships" type="rect" r:blip="">
+            <dgm:adjLst/>
+          </dgm:shape>
+          <dgm:presOf axis="des" ptType="node"/>
+          <dgm:constrLst>
+            <dgm:constr type="primFontSz" val="20"/>
+            <dgm:constr type="tMarg" refType="w" fact="0.224"/>
+            <dgm:constr type="bMarg" refType="w" fact="0.448"/>
+            <dgm:constr type="lMarg" refType="w" fact="0.224"/>
+            <dgm:constr type="rMarg" refType="w" fact="0.224"/>
+          </dgm:constrLst>
+          <dgm:ruleLst>
+            <dgm:rule type="h" val="INF" fact="NaN" max="NaN"/>
+            <dgm:rule type="primFontSz" val="11" fact="NaN" max="NaN"/>
+          </dgm:ruleLst>
+        </dgm:layoutNode>
+      </dgm:layoutNode>
+      <dgm:forEach name="Name19" axis="followSib" ptType="sibTrans" cnt="1">
+        <dgm:layoutNode name="space">
+          <dgm:alg type="sp"/>
+          <dgm:shape xmlns:r="http://schemas.openxmlformats.org/officeDocument/2006/relationships" r:blip="">
+            <dgm:adjLst/>
+          </dgm:shape>
+          <dgm:presOf/>
+          <dgm:constrLst/>
+          <dgm:ruleLst/>
+        </dgm:layoutNode>
+      </dgm:forEach>
+    </dgm:forEach>
+  </dgm:layoutNode>
+</dgm:layoutDef>
+</file>
+
 <file path=ppt/diagrams/quickStyle1.xml><?xml version="1.0" encoding="utf-8"?>
 <dgm:styleDef xmlns:dgm="http://schemas.openxmlformats.org/drawingml/2006/diagram" xmlns:a="http://schemas.openxmlformats.org/drawingml/2006/main" uniqueId="urn:microsoft.com/office/officeart/2005/8/quickstyle/simple1">
   <dgm:title val=""/>
@@ -10664,6 +13115,1040 @@
 </file>
 
 <file path=ppt/diagrams/quickStyle4.xml><?xml version="1.0" encoding="utf-8"?>
+<dgm:styleDef xmlns:dgm="http://schemas.openxmlformats.org/drawingml/2006/diagram" xmlns:a="http://schemas.openxmlformats.org/drawingml/2006/main" uniqueId="urn:microsoft.com/office/officeart/2005/8/quickstyle/simple1">
+  <dgm:title val=""/>
+  <dgm:desc val=""/>
+  <dgm:catLst>
+    <dgm:cat type="simple" pri="10100"/>
+  </dgm:catLst>
+  <dgm:scene3d>
+    <a:camera prst="orthographicFront"/>
+    <a:lightRig rig="threePt" dir="t"/>
+  </dgm:scene3d>
+  <dgm:styleLbl name="node0">
+    <dgm:scene3d>
+      <a:camera prst="orthographicFront"/>
+      <a:lightRig rig="threePt" dir="t"/>
+    </dgm:scene3d>
+    <dgm:sp3d/>
+    <dgm:txPr/>
+    <dgm:style>
+      <a:lnRef idx="2">
+        <a:scrgbClr r="0" g="0" b="0"/>
+      </a:lnRef>
+      <a:fillRef idx="1">
+        <a:scrgbClr r="0" g="0" b="0"/>
+      </a:fillRef>
+      <a:effectRef idx="0">
+        <a:scrgbClr r="0" g="0" b="0"/>
+      </a:effectRef>
+      <a:fontRef idx="minor">
+        <a:schemeClr val="lt1"/>
+      </a:fontRef>
+    </dgm:style>
+  </dgm:styleLbl>
+  <dgm:styleLbl name="lnNode1">
+    <dgm:scene3d>
+      <a:camera prst="orthographicFront"/>
+      <a:lightRig rig="threePt" dir="t"/>
+    </dgm:scene3d>
+    <dgm:sp3d/>
+    <dgm:txPr/>
+    <dgm:style>
+      <a:lnRef idx="2">
+        <a:scrgbClr r="0" g="0" b="0"/>
+      </a:lnRef>
+      <a:fillRef idx="1">
+        <a:scrgbClr r="0" g="0" b="0"/>
+      </a:fillRef>
+      <a:effectRef idx="0">
+        <a:scrgbClr r="0" g="0" b="0"/>
+      </a:effectRef>
+      <a:fontRef idx="minor">
+        <a:schemeClr val="lt1"/>
+      </a:fontRef>
+    </dgm:style>
+  </dgm:styleLbl>
+  <dgm:styleLbl name="vennNode1">
+    <dgm:scene3d>
+      <a:camera prst="orthographicFront"/>
+      <a:lightRig rig="threePt" dir="t"/>
+    </dgm:scene3d>
+    <dgm:sp3d/>
+    <dgm:txPr/>
+    <dgm:style>
+      <a:lnRef idx="2">
+        <a:scrgbClr r="0" g="0" b="0"/>
+      </a:lnRef>
+      <a:fillRef idx="1">
+        <a:scrgbClr r="0" g="0" b="0"/>
+      </a:fillRef>
+      <a:effectRef idx="0">
+        <a:scrgbClr r="0" g="0" b="0"/>
+      </a:effectRef>
+      <a:fontRef idx="minor">
+        <a:schemeClr val="tx1"/>
+      </a:fontRef>
+    </dgm:style>
+  </dgm:styleLbl>
+  <dgm:styleLbl name="alignNode1">
+    <dgm:scene3d>
+      <a:camera prst="orthographicFront"/>
+      <a:lightRig rig="threePt" dir="t"/>
+    </dgm:scene3d>
+    <dgm:sp3d/>
+    <dgm:txPr/>
+    <dgm:style>
+      <a:lnRef idx="2">
+        <a:scrgbClr r="0" g="0" b="0"/>
+      </a:lnRef>
+      <a:fillRef idx="1">
+        <a:scrgbClr r="0" g="0" b="0"/>
+      </a:fillRef>
+      <a:effectRef idx="0">
+        <a:scrgbClr r="0" g="0" b="0"/>
+      </a:effectRef>
+      <a:fontRef idx="minor">
+        <a:schemeClr val="lt1"/>
+      </a:fontRef>
+    </dgm:style>
+  </dgm:styleLbl>
+  <dgm:styleLbl name="node1">
+    <dgm:scene3d>
+      <a:camera prst="orthographicFront"/>
+      <a:lightRig rig="threePt" dir="t"/>
+    </dgm:scene3d>
+    <dgm:sp3d/>
+    <dgm:txPr/>
+    <dgm:style>
+      <a:lnRef idx="2">
+        <a:scrgbClr r="0" g="0" b="0"/>
+      </a:lnRef>
+      <a:fillRef idx="1">
+        <a:scrgbClr r="0" g="0" b="0"/>
+      </a:fillRef>
+      <a:effectRef idx="0">
+        <a:scrgbClr r="0" g="0" b="0"/>
+      </a:effectRef>
+      <a:fontRef idx="minor">
+        <a:schemeClr val="lt1"/>
+      </a:fontRef>
+    </dgm:style>
+  </dgm:styleLbl>
+  <dgm:styleLbl name="node2">
+    <dgm:scene3d>
+      <a:camera prst="orthographicFront"/>
+      <a:lightRig rig="threePt" dir="t"/>
+    </dgm:scene3d>
+    <dgm:sp3d/>
+    <dgm:txPr/>
+    <dgm:style>
+      <a:lnRef idx="2">
+        <a:scrgbClr r="0" g="0" b="0"/>
+      </a:lnRef>
+      <a:fillRef idx="1">
+        <a:scrgbClr r="0" g="0" b="0"/>
+      </a:fillRef>
+      <a:effectRef idx="0">
+        <a:scrgbClr r="0" g="0" b="0"/>
+      </a:effectRef>
+      <a:fontRef idx="minor">
+        <a:schemeClr val="lt1"/>
+      </a:fontRef>
+    </dgm:style>
+  </dgm:styleLbl>
+  <dgm:styleLbl name="node3">
+    <dgm:scene3d>
+      <a:camera prst="orthographicFront"/>
+      <a:lightRig rig="threePt" dir="t"/>
+    </dgm:scene3d>
+    <dgm:sp3d/>
+    <dgm:txPr/>
+    <dgm:style>
+      <a:lnRef idx="2">
+        <a:scrgbClr r="0" g="0" b="0"/>
+      </a:lnRef>
+      <a:fillRef idx="1">
+        <a:scrgbClr r="0" g="0" b="0"/>
+      </a:fillRef>
+      <a:effectRef idx="0">
+        <a:scrgbClr r="0" g="0" b="0"/>
+      </a:effectRef>
+      <a:fontRef idx="minor">
+        <a:schemeClr val="lt1"/>
+      </a:fontRef>
+    </dgm:style>
+  </dgm:styleLbl>
+  <dgm:styleLbl name="node4">
+    <dgm:scene3d>
+      <a:camera prst="orthographicFront"/>
+      <a:lightRig rig="threePt" dir="t"/>
+    </dgm:scene3d>
+    <dgm:sp3d/>
+    <dgm:txPr/>
+    <dgm:style>
+      <a:lnRef idx="2">
+        <a:scrgbClr r="0" g="0" b="0"/>
+      </a:lnRef>
+      <a:fillRef idx="1">
+        <a:scrgbClr r="0" g="0" b="0"/>
+      </a:fillRef>
+      <a:effectRef idx="0">
+        <a:scrgbClr r="0" g="0" b="0"/>
+      </a:effectRef>
+      <a:fontRef idx="minor">
+        <a:schemeClr val="lt1"/>
+      </a:fontRef>
+    </dgm:style>
+  </dgm:styleLbl>
+  <dgm:styleLbl name="fgImgPlace1">
+    <dgm:scene3d>
+      <a:camera prst="orthographicFront"/>
+      <a:lightRig rig="threePt" dir="t"/>
+    </dgm:scene3d>
+    <dgm:sp3d/>
+    <dgm:txPr/>
+    <dgm:style>
+      <a:lnRef idx="2">
+        <a:scrgbClr r="0" g="0" b="0"/>
+      </a:lnRef>
+      <a:fillRef idx="1">
+        <a:scrgbClr r="0" g="0" b="0"/>
+      </a:fillRef>
+      <a:effectRef idx="0">
+        <a:scrgbClr r="0" g="0" b="0"/>
+      </a:effectRef>
+      <a:fontRef idx="minor"/>
+    </dgm:style>
+  </dgm:styleLbl>
+  <dgm:styleLbl name="alignImgPlace1">
+    <dgm:scene3d>
+      <a:camera prst="orthographicFront"/>
+      <a:lightRig rig="threePt" dir="t"/>
+    </dgm:scene3d>
+    <dgm:sp3d/>
+    <dgm:txPr/>
+    <dgm:style>
+      <a:lnRef idx="2">
+        <a:scrgbClr r="0" g="0" b="0"/>
+      </a:lnRef>
+      <a:fillRef idx="1">
+        <a:scrgbClr r="0" g="0" b="0"/>
+      </a:fillRef>
+      <a:effectRef idx="0">
+        <a:scrgbClr r="0" g="0" b="0"/>
+      </a:effectRef>
+      <a:fontRef idx="minor"/>
+    </dgm:style>
+  </dgm:styleLbl>
+  <dgm:styleLbl name="bgImgPlace1">
+    <dgm:scene3d>
+      <a:camera prst="orthographicFront"/>
+      <a:lightRig rig="threePt" dir="t"/>
+    </dgm:scene3d>
+    <dgm:sp3d/>
+    <dgm:txPr/>
+    <dgm:style>
+      <a:lnRef idx="2">
+        <a:scrgbClr r="0" g="0" b="0"/>
+      </a:lnRef>
+      <a:fillRef idx="1">
+        <a:scrgbClr r="0" g="0" b="0"/>
+      </a:fillRef>
+      <a:effectRef idx="0">
+        <a:scrgbClr r="0" g="0" b="0"/>
+      </a:effectRef>
+      <a:fontRef idx="minor"/>
+    </dgm:style>
+  </dgm:styleLbl>
+  <dgm:styleLbl name="sibTrans2D1">
+    <dgm:scene3d>
+      <a:camera prst="orthographicFront"/>
+      <a:lightRig rig="threePt" dir="t"/>
+    </dgm:scene3d>
+    <dgm:sp3d/>
+    <dgm:txPr/>
+    <dgm:style>
+      <a:lnRef idx="0">
+        <a:scrgbClr r="0" g="0" b="0"/>
+      </a:lnRef>
+      <a:fillRef idx="1">
+        <a:scrgbClr r="0" g="0" b="0"/>
+      </a:fillRef>
+      <a:effectRef idx="0">
+        <a:scrgbClr r="0" g="0" b="0"/>
+      </a:effectRef>
+      <a:fontRef idx="minor">
+        <a:schemeClr val="lt1"/>
+      </a:fontRef>
+    </dgm:style>
+  </dgm:styleLbl>
+  <dgm:styleLbl name="fgSibTrans2D1">
+    <dgm:scene3d>
+      <a:camera prst="orthographicFront"/>
+      <a:lightRig rig="threePt" dir="t"/>
+    </dgm:scene3d>
+    <dgm:sp3d/>
+    <dgm:txPr/>
+    <dgm:style>
+      <a:lnRef idx="0">
+        <a:scrgbClr r="0" g="0" b="0"/>
+      </a:lnRef>
+      <a:fillRef idx="1">
+        <a:scrgbClr r="0" g="0" b="0"/>
+      </a:fillRef>
+      <a:effectRef idx="0">
+        <a:scrgbClr r="0" g="0" b="0"/>
+      </a:effectRef>
+      <a:fontRef idx="minor">
+        <a:schemeClr val="lt1"/>
+      </a:fontRef>
+    </dgm:style>
+  </dgm:styleLbl>
+  <dgm:styleLbl name="bgSibTrans2D1">
+    <dgm:scene3d>
+      <a:camera prst="orthographicFront"/>
+      <a:lightRig rig="threePt" dir="t"/>
+    </dgm:scene3d>
+    <dgm:sp3d/>
+    <dgm:txPr/>
+    <dgm:style>
+      <a:lnRef idx="0">
+        <a:scrgbClr r="0" g="0" b="0"/>
+      </a:lnRef>
+      <a:fillRef idx="1">
+        <a:scrgbClr r="0" g="0" b="0"/>
+      </a:fillRef>
+      <a:effectRef idx="0">
+        <a:scrgbClr r="0" g="0" b="0"/>
+      </a:effectRef>
+      <a:fontRef idx="minor">
+        <a:schemeClr val="lt1"/>
+      </a:fontRef>
+    </dgm:style>
+  </dgm:styleLbl>
+  <dgm:styleLbl name="sibTrans1D1">
+    <dgm:scene3d>
+      <a:camera prst="orthographicFront"/>
+      <a:lightRig rig="threePt" dir="t"/>
+    </dgm:scene3d>
+    <dgm:sp3d/>
+    <dgm:txPr/>
+    <dgm:style>
+      <a:lnRef idx="1">
+        <a:scrgbClr r="0" g="0" b="0"/>
+      </a:lnRef>
+      <a:fillRef idx="0">
+        <a:scrgbClr r="0" g="0" b="0"/>
+      </a:fillRef>
+      <a:effectRef idx="0">
+        <a:scrgbClr r="0" g="0" b="0"/>
+      </a:effectRef>
+      <a:fontRef idx="minor"/>
+    </dgm:style>
+  </dgm:styleLbl>
+  <dgm:styleLbl name="callout">
+    <dgm:scene3d>
+      <a:camera prst="orthographicFront"/>
+      <a:lightRig rig="threePt" dir="t"/>
+    </dgm:scene3d>
+    <dgm:sp3d/>
+    <dgm:txPr/>
+    <dgm:style>
+      <a:lnRef idx="2">
+        <a:scrgbClr r="0" g="0" b="0"/>
+      </a:lnRef>
+      <a:fillRef idx="1">
+        <a:scrgbClr r="0" g="0" b="0"/>
+      </a:fillRef>
+      <a:effectRef idx="0">
+        <a:scrgbClr r="0" g="0" b="0"/>
+      </a:effectRef>
+      <a:fontRef idx="minor"/>
+    </dgm:style>
+  </dgm:styleLbl>
+  <dgm:styleLbl name="asst0">
+    <dgm:scene3d>
+      <a:camera prst="orthographicFront"/>
+      <a:lightRig rig="threePt" dir="t"/>
+    </dgm:scene3d>
+    <dgm:sp3d/>
+    <dgm:txPr/>
+    <dgm:style>
+      <a:lnRef idx="2">
+        <a:scrgbClr r="0" g="0" b="0"/>
+      </a:lnRef>
+      <a:fillRef idx="1">
+        <a:scrgbClr r="0" g="0" b="0"/>
+      </a:fillRef>
+      <a:effectRef idx="0">
+        <a:scrgbClr r="0" g="0" b="0"/>
+      </a:effectRef>
+      <a:fontRef idx="minor">
+        <a:schemeClr val="lt1"/>
+      </a:fontRef>
+    </dgm:style>
+  </dgm:styleLbl>
+  <dgm:styleLbl name="asst1">
+    <dgm:scene3d>
+      <a:camera prst="orthographicFront"/>
+      <a:lightRig rig="threePt" dir="t"/>
+    </dgm:scene3d>
+    <dgm:sp3d/>
+    <dgm:txPr/>
+    <dgm:style>
+      <a:lnRef idx="2">
+        <a:scrgbClr r="0" g="0" b="0"/>
+      </a:lnRef>
+      <a:fillRef idx="1">
+        <a:scrgbClr r="0" g="0" b="0"/>
+      </a:fillRef>
+      <a:effectRef idx="0">
+        <a:scrgbClr r="0" g="0" b="0"/>
+      </a:effectRef>
+      <a:fontRef idx="minor">
+        <a:schemeClr val="lt1"/>
+      </a:fontRef>
+    </dgm:style>
+  </dgm:styleLbl>
+  <dgm:styleLbl name="asst2">
+    <dgm:scene3d>
+      <a:camera prst="orthographicFront"/>
+      <a:lightRig rig="threePt" dir="t"/>
+    </dgm:scene3d>
+    <dgm:sp3d/>
+    <dgm:txPr/>
+    <dgm:style>
+      <a:lnRef idx="2">
+        <a:scrgbClr r="0" g="0" b="0"/>
+      </a:lnRef>
+      <a:fillRef idx="1">
+        <a:scrgbClr r="0" g="0" b="0"/>
+      </a:fillRef>
+      <a:effectRef idx="0">
+        <a:scrgbClr r="0" g="0" b="0"/>
+      </a:effectRef>
+      <a:fontRef idx="minor">
+        <a:schemeClr val="lt1"/>
+      </a:fontRef>
+    </dgm:style>
+  </dgm:styleLbl>
+  <dgm:styleLbl name="asst3">
+    <dgm:scene3d>
+      <a:camera prst="orthographicFront"/>
+      <a:lightRig rig="threePt" dir="t"/>
+    </dgm:scene3d>
+    <dgm:sp3d/>
+    <dgm:txPr/>
+    <dgm:style>
+      <a:lnRef idx="2">
+        <a:scrgbClr r="0" g="0" b="0"/>
+      </a:lnRef>
+      <a:fillRef idx="1">
+        <a:scrgbClr r="0" g="0" b="0"/>
+      </a:fillRef>
+      <a:effectRef idx="0">
+        <a:scrgbClr r="0" g="0" b="0"/>
+      </a:effectRef>
+      <a:fontRef idx="minor">
+        <a:schemeClr val="lt1"/>
+      </a:fontRef>
+    </dgm:style>
+  </dgm:styleLbl>
+  <dgm:styleLbl name="asst4">
+    <dgm:scene3d>
+      <a:camera prst="orthographicFront"/>
+      <a:lightRig rig="threePt" dir="t"/>
+    </dgm:scene3d>
+    <dgm:sp3d/>
+    <dgm:txPr/>
+    <dgm:style>
+      <a:lnRef idx="2">
+        <a:scrgbClr r="0" g="0" b="0"/>
+      </a:lnRef>
+      <a:fillRef idx="1">
+        <a:scrgbClr r="0" g="0" b="0"/>
+      </a:fillRef>
+      <a:effectRef idx="0">
+        <a:scrgbClr r="0" g="0" b="0"/>
+      </a:effectRef>
+      <a:fontRef idx="minor">
+        <a:schemeClr val="lt1"/>
+      </a:fontRef>
+    </dgm:style>
+  </dgm:styleLbl>
+  <dgm:styleLbl name="parChTrans2D1">
+    <dgm:scene3d>
+      <a:camera prst="orthographicFront"/>
+      <a:lightRig rig="threePt" dir="t"/>
+    </dgm:scene3d>
+    <dgm:sp3d/>
+    <dgm:txPr/>
+    <dgm:style>
+      <a:lnRef idx="2">
+        <a:scrgbClr r="0" g="0" b="0"/>
+      </a:lnRef>
+      <a:fillRef idx="1">
+        <a:scrgbClr r="0" g="0" b="0"/>
+      </a:fillRef>
+      <a:effectRef idx="0">
+        <a:scrgbClr r="0" g="0" b="0"/>
+      </a:effectRef>
+      <a:fontRef idx="minor">
+        <a:schemeClr val="lt1"/>
+      </a:fontRef>
+    </dgm:style>
+  </dgm:styleLbl>
+  <dgm:styleLbl name="parChTrans2D2">
+    <dgm:scene3d>
+      <a:camera prst="orthographicFront"/>
+      <a:lightRig rig="threePt" dir="t"/>
+    </dgm:scene3d>
+    <dgm:sp3d/>
+    <dgm:txPr/>
+    <dgm:style>
+      <a:lnRef idx="2">
+        <a:scrgbClr r="0" g="0" b="0"/>
+      </a:lnRef>
+      <a:fillRef idx="1">
+        <a:scrgbClr r="0" g="0" b="0"/>
+      </a:fillRef>
+      <a:effectRef idx="0">
+        <a:scrgbClr r="0" g="0" b="0"/>
+      </a:effectRef>
+      <a:fontRef idx="minor">
+        <a:schemeClr val="lt1"/>
+      </a:fontRef>
+    </dgm:style>
+  </dgm:styleLbl>
+  <dgm:styleLbl name="parChTrans2D3">
+    <dgm:scene3d>
+      <a:camera prst="orthographicFront"/>
+      <a:lightRig rig="threePt" dir="t"/>
+    </dgm:scene3d>
+    <dgm:sp3d/>
+    <dgm:txPr/>
+    <dgm:style>
+      <a:lnRef idx="2">
+        <a:scrgbClr r="0" g="0" b="0"/>
+      </a:lnRef>
+      <a:fillRef idx="1">
+        <a:scrgbClr r="0" g="0" b="0"/>
+      </a:fillRef>
+      <a:effectRef idx="0">
+        <a:scrgbClr r="0" g="0" b="0"/>
+      </a:effectRef>
+      <a:fontRef idx="minor">
+        <a:schemeClr val="lt1"/>
+      </a:fontRef>
+    </dgm:style>
+  </dgm:styleLbl>
+  <dgm:styleLbl name="parChTrans2D4">
+    <dgm:scene3d>
+      <a:camera prst="orthographicFront"/>
+      <a:lightRig rig="threePt" dir="t"/>
+    </dgm:scene3d>
+    <dgm:sp3d/>
+    <dgm:txPr/>
+    <dgm:style>
+      <a:lnRef idx="2">
+        <a:scrgbClr r="0" g="0" b="0"/>
+      </a:lnRef>
+      <a:fillRef idx="1">
+        <a:scrgbClr r="0" g="0" b="0"/>
+      </a:fillRef>
+      <a:effectRef idx="0">
+        <a:scrgbClr r="0" g="0" b="0"/>
+      </a:effectRef>
+      <a:fontRef idx="minor">
+        <a:schemeClr val="lt1"/>
+      </a:fontRef>
+    </dgm:style>
+  </dgm:styleLbl>
+  <dgm:styleLbl name="parChTrans1D1">
+    <dgm:scene3d>
+      <a:camera prst="orthographicFront"/>
+      <a:lightRig rig="threePt" dir="t"/>
+    </dgm:scene3d>
+    <dgm:sp3d/>
+    <dgm:txPr/>
+    <dgm:style>
+      <a:lnRef idx="2">
+        <a:scrgbClr r="0" g="0" b="0"/>
+      </a:lnRef>
+      <a:fillRef idx="0">
+        <a:scrgbClr r="0" g="0" b="0"/>
+      </a:fillRef>
+      <a:effectRef idx="0">
+        <a:scrgbClr r="0" g="0" b="0"/>
+      </a:effectRef>
+      <a:fontRef idx="minor"/>
+    </dgm:style>
+  </dgm:styleLbl>
+  <dgm:styleLbl name="parChTrans1D2">
+    <dgm:scene3d>
+      <a:camera prst="orthographicFront"/>
+      <a:lightRig rig="threePt" dir="t"/>
+    </dgm:scene3d>
+    <dgm:sp3d/>
+    <dgm:txPr/>
+    <dgm:style>
+      <a:lnRef idx="2">
+        <a:scrgbClr r="0" g="0" b="0"/>
+      </a:lnRef>
+      <a:fillRef idx="0">
+        <a:scrgbClr r="0" g="0" b="0"/>
+      </a:fillRef>
+      <a:effectRef idx="0">
+        <a:scrgbClr r="0" g="0" b="0"/>
+      </a:effectRef>
+      <a:fontRef idx="minor"/>
+    </dgm:style>
+  </dgm:styleLbl>
+  <dgm:styleLbl name="parChTrans1D3">
+    <dgm:scene3d>
+      <a:camera prst="orthographicFront"/>
+      <a:lightRig rig="threePt" dir="t"/>
+    </dgm:scene3d>
+    <dgm:sp3d/>
+    <dgm:txPr/>
+    <dgm:style>
+      <a:lnRef idx="2">
+        <a:scrgbClr r="0" g="0" b="0"/>
+      </a:lnRef>
+      <a:fillRef idx="0">
+        <a:scrgbClr r="0" g="0" b="0"/>
+      </a:fillRef>
+      <a:effectRef idx="0">
+        <a:scrgbClr r="0" g="0" b="0"/>
+      </a:effectRef>
+      <a:fontRef idx="minor"/>
+    </dgm:style>
+  </dgm:styleLbl>
+  <dgm:styleLbl name="parChTrans1D4">
+    <dgm:scene3d>
+      <a:camera prst="orthographicFront"/>
+      <a:lightRig rig="threePt" dir="t"/>
+    </dgm:scene3d>
+    <dgm:sp3d/>
+    <dgm:txPr/>
+    <dgm:style>
+      <a:lnRef idx="2">
+        <a:scrgbClr r="0" g="0" b="0"/>
+      </a:lnRef>
+      <a:fillRef idx="0">
+        <a:scrgbClr r="0" g="0" b="0"/>
+      </a:fillRef>
+      <a:effectRef idx="0">
+        <a:scrgbClr r="0" g="0" b="0"/>
+      </a:effectRef>
+      <a:fontRef idx="minor"/>
+    </dgm:style>
+  </dgm:styleLbl>
+  <dgm:styleLbl name="fgAcc1">
+    <dgm:scene3d>
+      <a:camera prst="orthographicFront"/>
+      <a:lightRig rig="threePt" dir="t"/>
+    </dgm:scene3d>
+    <dgm:sp3d/>
+    <dgm:txPr/>
+    <dgm:style>
+      <a:lnRef idx="2">
+        <a:scrgbClr r="0" g="0" b="0"/>
+      </a:lnRef>
+      <a:fillRef idx="1">
+        <a:scrgbClr r="0" g="0" b="0"/>
+      </a:fillRef>
+      <a:effectRef idx="0">
+        <a:scrgbClr r="0" g="0" b="0"/>
+      </a:effectRef>
+      <a:fontRef idx="minor"/>
+    </dgm:style>
+  </dgm:styleLbl>
+  <dgm:styleLbl name="conFgAcc1">
+    <dgm:scene3d>
+      <a:camera prst="orthographicFront"/>
+      <a:lightRig rig="threePt" dir="t"/>
+    </dgm:scene3d>
+    <dgm:sp3d/>
+    <dgm:txPr/>
+    <dgm:style>
+      <a:lnRef idx="2">
+        <a:scrgbClr r="0" g="0" b="0"/>
+      </a:lnRef>
+      <a:fillRef idx="1">
+        <a:scrgbClr r="0" g="0" b="0"/>
+      </a:fillRef>
+      <a:effectRef idx="0">
+        <a:scrgbClr r="0" g="0" b="0"/>
+      </a:effectRef>
+      <a:fontRef idx="minor"/>
+    </dgm:style>
+  </dgm:styleLbl>
+  <dgm:styleLbl name="alignAcc1">
+    <dgm:scene3d>
+      <a:camera prst="orthographicFront"/>
+      <a:lightRig rig="threePt" dir="t"/>
+    </dgm:scene3d>
+    <dgm:sp3d/>
+    <dgm:txPr/>
+    <dgm:style>
+      <a:lnRef idx="2">
+        <a:scrgbClr r="0" g="0" b="0"/>
+      </a:lnRef>
+      <a:fillRef idx="1">
+        <a:scrgbClr r="0" g="0" b="0"/>
+      </a:fillRef>
+      <a:effectRef idx="0">
+        <a:scrgbClr r="0" g="0" b="0"/>
+      </a:effectRef>
+      <a:fontRef idx="minor"/>
+    </dgm:style>
+  </dgm:styleLbl>
+  <dgm:styleLbl name="trAlignAcc1">
+    <dgm:scene3d>
+      <a:camera prst="orthographicFront"/>
+      <a:lightRig rig="threePt" dir="t"/>
+    </dgm:scene3d>
+    <dgm:sp3d/>
+    <dgm:txPr/>
+    <dgm:style>
+      <a:lnRef idx="1">
+        <a:scrgbClr r="0" g="0" b="0"/>
+      </a:lnRef>
+      <a:fillRef idx="1">
+        <a:scrgbClr r="0" g="0" b="0"/>
+      </a:fillRef>
+      <a:effectRef idx="0">
+        <a:scrgbClr r="0" g="0" b="0"/>
+      </a:effectRef>
+      <a:fontRef idx="minor"/>
+    </dgm:style>
+  </dgm:styleLbl>
+  <dgm:styleLbl name="bgAcc1">
+    <dgm:scene3d>
+      <a:camera prst="orthographicFront"/>
+      <a:lightRig rig="threePt" dir="t"/>
+    </dgm:scene3d>
+    <dgm:sp3d/>
+    <dgm:txPr/>
+    <dgm:style>
+      <a:lnRef idx="2">
+        <a:scrgbClr r="0" g="0" b="0"/>
+      </a:lnRef>
+      <a:fillRef idx="1">
+        <a:scrgbClr r="0" g="0" b="0"/>
+      </a:fillRef>
+      <a:effectRef idx="0">
+        <a:scrgbClr r="0" g="0" b="0"/>
+      </a:effectRef>
+      <a:fontRef idx="minor"/>
+    </dgm:style>
+  </dgm:styleLbl>
+  <dgm:styleLbl name="solidFgAcc1">
+    <dgm:scene3d>
+      <a:camera prst="orthographicFront"/>
+      <a:lightRig rig="threePt" dir="t"/>
+    </dgm:scene3d>
+    <dgm:sp3d/>
+    <dgm:txPr/>
+    <dgm:style>
+      <a:lnRef idx="2">
+        <a:scrgbClr r="0" g="0" b="0"/>
+      </a:lnRef>
+      <a:fillRef idx="1">
+        <a:scrgbClr r="0" g="0" b="0"/>
+      </a:fillRef>
+      <a:effectRef idx="0">
+        <a:scrgbClr r="0" g="0" b="0"/>
+      </a:effectRef>
+      <a:fontRef idx="minor"/>
+    </dgm:style>
+  </dgm:styleLbl>
+  <dgm:styleLbl name="solidAlignAcc1">
+    <dgm:scene3d>
+      <a:camera prst="orthographicFront"/>
+      <a:lightRig rig="threePt" dir="t"/>
+    </dgm:scene3d>
+    <dgm:sp3d/>
+    <dgm:txPr/>
+    <dgm:style>
+      <a:lnRef idx="2">
+        <a:scrgbClr r="0" g="0" b="0"/>
+      </a:lnRef>
+      <a:fillRef idx="1">
+        <a:scrgbClr r="0" g="0" b="0"/>
+      </a:fillRef>
+      <a:effectRef idx="0">
+        <a:scrgbClr r="0" g="0" b="0"/>
+      </a:effectRef>
+      <a:fontRef idx="minor"/>
+    </dgm:style>
+  </dgm:styleLbl>
+  <dgm:styleLbl name="solidBgAcc1">
+    <dgm:scene3d>
+      <a:camera prst="orthographicFront"/>
+      <a:lightRig rig="threePt" dir="t"/>
+    </dgm:scene3d>
+    <dgm:sp3d/>
+    <dgm:txPr/>
+    <dgm:style>
+      <a:lnRef idx="2">
+        <a:scrgbClr r="0" g="0" b="0"/>
+      </a:lnRef>
+      <a:fillRef idx="1">
+        <a:scrgbClr r="0" g="0" b="0"/>
+      </a:fillRef>
+      <a:effectRef idx="0">
+        <a:scrgbClr r="0" g="0" b="0"/>
+      </a:effectRef>
+      <a:fontRef idx="minor"/>
+    </dgm:style>
+  </dgm:styleLbl>
+  <dgm:styleLbl name="fgAccFollowNode1">
+    <dgm:scene3d>
+      <a:camera prst="orthographicFront"/>
+      <a:lightRig rig="threePt" dir="t"/>
+    </dgm:scene3d>
+    <dgm:sp3d/>
+    <dgm:txPr/>
+    <dgm:style>
+      <a:lnRef idx="2">
+        <a:scrgbClr r="0" g="0" b="0"/>
+      </a:lnRef>
+      <a:fillRef idx="1">
+        <a:scrgbClr r="0" g="0" b="0"/>
+      </a:fillRef>
+      <a:effectRef idx="0">
+        <a:scrgbClr r="0" g="0" b="0"/>
+      </a:effectRef>
+      <a:fontRef idx="minor"/>
+    </dgm:style>
+  </dgm:styleLbl>
+  <dgm:styleLbl name="alignAccFollowNode1">
+    <dgm:scene3d>
+      <a:camera prst="orthographicFront"/>
+      <a:lightRig rig="threePt" dir="t"/>
+    </dgm:scene3d>
+    <dgm:sp3d/>
+    <dgm:txPr/>
+    <dgm:style>
+      <a:lnRef idx="2">
+        <a:scrgbClr r="0" g="0" b="0"/>
+      </a:lnRef>
+      <a:fillRef idx="1">
+        <a:scrgbClr r="0" g="0" b="0"/>
+      </a:fillRef>
+      <a:effectRef idx="0">
+        <a:scrgbClr r="0" g="0" b="0"/>
+      </a:effectRef>
+      <a:fontRef idx="minor"/>
+    </dgm:style>
+  </dgm:styleLbl>
+  <dgm:styleLbl name="bgAccFollowNode1">
+    <dgm:scene3d>
+      <a:camera prst="orthographicFront"/>
+      <a:lightRig rig="threePt" dir="t"/>
+    </dgm:scene3d>
+    <dgm:sp3d/>
+    <dgm:txPr/>
+    <dgm:style>
+      <a:lnRef idx="2">
+        <a:scrgbClr r="0" g="0" b="0"/>
+      </a:lnRef>
+      <a:fillRef idx="1">
+        <a:scrgbClr r="0" g="0" b="0"/>
+      </a:fillRef>
+      <a:effectRef idx="0">
+        <a:scrgbClr r="0" g="0" b="0"/>
+      </a:effectRef>
+      <a:fontRef idx="minor"/>
+    </dgm:style>
+  </dgm:styleLbl>
+  <dgm:styleLbl name="fgAcc0">
+    <dgm:scene3d>
+      <a:camera prst="orthographicFront"/>
+      <a:lightRig rig="threePt" dir="t"/>
+    </dgm:scene3d>
+    <dgm:sp3d/>
+    <dgm:txPr/>
+    <dgm:style>
+      <a:lnRef idx="2">
+        <a:scrgbClr r="0" g="0" b="0"/>
+      </a:lnRef>
+      <a:fillRef idx="1">
+        <a:scrgbClr r="0" g="0" b="0"/>
+      </a:fillRef>
+      <a:effectRef idx="0">
+        <a:scrgbClr r="0" g="0" b="0"/>
+      </a:effectRef>
+      <a:fontRef idx="minor"/>
+    </dgm:style>
+  </dgm:styleLbl>
+  <dgm:styleLbl name="fgAcc2">
+    <dgm:scene3d>
+      <a:camera prst="orthographicFront"/>
+      <a:lightRig rig="threePt" dir="t"/>
+    </dgm:scene3d>
+    <dgm:sp3d/>
+    <dgm:txPr/>
+    <dgm:style>
+      <a:lnRef idx="2">
+        <a:scrgbClr r="0" g="0" b="0"/>
+      </a:lnRef>
+      <a:fillRef idx="1">
+        <a:scrgbClr r="0" g="0" b="0"/>
+      </a:fillRef>
+      <a:effectRef idx="0">
+        <a:scrgbClr r="0" g="0" b="0"/>
+      </a:effectRef>
+      <a:fontRef idx="minor"/>
+    </dgm:style>
+  </dgm:styleLbl>
+  <dgm:styleLbl name="fgAcc3">
+    <dgm:scene3d>
+      <a:camera prst="orthographicFront"/>
+      <a:lightRig rig="threePt" dir="t"/>
+    </dgm:scene3d>
+    <dgm:sp3d/>
+    <dgm:txPr/>
+    <dgm:style>
+      <a:lnRef idx="2">
+        <a:scrgbClr r="0" g="0" b="0"/>
+      </a:lnRef>
+      <a:fillRef idx="1">
+        <a:scrgbClr r="0" g="0" b="0"/>
+      </a:fillRef>
+      <a:effectRef idx="0">
+        <a:scrgbClr r="0" g="0" b="0"/>
+      </a:effectRef>
+      <a:fontRef idx="minor"/>
+    </dgm:style>
+  </dgm:styleLbl>
+  <dgm:styleLbl name="fgAcc4">
+    <dgm:scene3d>
+      <a:camera prst="orthographicFront"/>
+      <a:lightRig rig="threePt" dir="t"/>
+    </dgm:scene3d>
+    <dgm:sp3d/>
+    <dgm:txPr/>
+    <dgm:style>
+      <a:lnRef idx="2">
+        <a:scrgbClr r="0" g="0" b="0"/>
+      </a:lnRef>
+      <a:fillRef idx="1">
+        <a:scrgbClr r="0" g="0" b="0"/>
+      </a:fillRef>
+      <a:effectRef idx="0">
+        <a:scrgbClr r="0" g="0" b="0"/>
+      </a:effectRef>
+      <a:fontRef idx="minor"/>
+    </dgm:style>
+  </dgm:styleLbl>
+  <dgm:styleLbl name="bgShp">
+    <dgm:scene3d>
+      <a:camera prst="orthographicFront"/>
+      <a:lightRig rig="threePt" dir="t"/>
+    </dgm:scene3d>
+    <dgm:sp3d/>
+    <dgm:txPr/>
+    <dgm:style>
+      <a:lnRef idx="0">
+        <a:scrgbClr r="0" g="0" b="0"/>
+      </a:lnRef>
+      <a:fillRef idx="1">
+        <a:scrgbClr r="0" g="0" b="0"/>
+      </a:fillRef>
+      <a:effectRef idx="0">
+        <a:scrgbClr r="0" g="0" b="0"/>
+      </a:effectRef>
+      <a:fontRef idx="minor"/>
+    </dgm:style>
+  </dgm:styleLbl>
+  <dgm:styleLbl name="dkBgShp">
+    <dgm:scene3d>
+      <a:camera prst="orthographicFront"/>
+      <a:lightRig rig="threePt" dir="t"/>
+    </dgm:scene3d>
+    <dgm:sp3d/>
+    <dgm:txPr/>
+    <dgm:style>
+      <a:lnRef idx="0">
+        <a:scrgbClr r="0" g="0" b="0"/>
+      </a:lnRef>
+      <a:fillRef idx="1">
+        <a:scrgbClr r="0" g="0" b="0"/>
+      </a:fillRef>
+      <a:effectRef idx="0">
+        <a:scrgbClr r="0" g="0" b="0"/>
+      </a:effectRef>
+      <a:fontRef idx="minor"/>
+    </dgm:style>
+  </dgm:styleLbl>
+  <dgm:styleLbl name="trBgShp">
+    <dgm:scene3d>
+      <a:camera prst="orthographicFront"/>
+      <a:lightRig rig="threePt" dir="t"/>
+    </dgm:scene3d>
+    <dgm:sp3d/>
+    <dgm:txPr/>
+    <dgm:style>
+      <a:lnRef idx="0">
+        <a:scrgbClr r="0" g="0" b="0"/>
+      </a:lnRef>
+      <a:fillRef idx="1">
+        <a:scrgbClr r="0" g="0" b="0"/>
+      </a:fillRef>
+      <a:effectRef idx="0">
+        <a:scrgbClr r="0" g="0" b="0"/>
+      </a:effectRef>
+      <a:fontRef idx="minor"/>
+    </dgm:style>
+  </dgm:styleLbl>
+  <dgm:styleLbl name="fgShp">
+    <dgm:scene3d>
+      <a:camera prst="orthographicFront"/>
+      <a:lightRig rig="threePt" dir="t"/>
+    </dgm:scene3d>
+    <dgm:sp3d/>
+    <dgm:txPr/>
+    <dgm:style>
+      <a:lnRef idx="2">
+        <a:scrgbClr r="0" g="0" b="0"/>
+      </a:lnRef>
+      <a:fillRef idx="1">
+        <a:scrgbClr r="0" g="0" b="0"/>
+      </a:fillRef>
+      <a:effectRef idx="0">
+        <a:scrgbClr r="0" g="0" b="0"/>
+      </a:effectRef>
+      <a:fontRef idx="minor"/>
+    </dgm:style>
+  </dgm:styleLbl>
+  <dgm:styleLbl name="revTx">
+    <dgm:scene3d>
+      <a:camera prst="orthographicFront"/>
+      <a:lightRig rig="threePt" dir="t"/>
+    </dgm:scene3d>
+    <dgm:sp3d/>
+    <dgm:txPr/>
+    <dgm:style>
+      <a:lnRef idx="0">
+        <a:scrgbClr r="0" g="0" b="0"/>
+      </a:lnRef>
+      <a:fillRef idx="0">
+        <a:scrgbClr r="0" g="0" b="0"/>
+      </a:fillRef>
+      <a:effectRef idx="0">
+        <a:scrgbClr r="0" g="0" b="0"/>
+      </a:effectRef>
+      <a:fontRef idx="minor"/>
+    </dgm:style>
+  </dgm:styleLbl>
+</dgm:styleDef>
+</file>
+
+<file path=ppt/diagrams/quickStyle5.xml><?xml version="1.0" encoding="utf-8"?>
 <dgm:styleDef xmlns:dgm="http://schemas.openxmlformats.org/drawingml/2006/diagram" xmlns:a="http://schemas.openxmlformats.org/drawingml/2006/main" uniqueId="urn:microsoft.com/office/officeart/2005/8/quickstyle/simple1">
   <dgm:title val=""/>
   <dgm:desc val=""/>
@@ -11779,7 +15264,7 @@
           <a:p>
             <a:fld id="{BE1010F7-24CD-493E-896E-F561337A490D}" type="datetimeFigureOut">
               <a:rPr lang="en-US" smtClean="0"/>
-              <a:t>24-Nov-19</a:t>
+              <a:t>11/24/2019</a:t>
             </a:fld>
             <a:endParaRPr lang="en-US"/>
           </a:p>
@@ -20923,7 +24408,7 @@
           <a:p>
             <a:fld id="{1C96604A-09F8-47BF-B7C7-2BF5641F0976}" type="datetimeFigureOut">
               <a:rPr lang="en-US" smtClean="0"/>
-              <a:t>24-Nov-19</a:t>
+              <a:t>11/24/2019</a:t>
             </a:fld>
             <a:endParaRPr lang="en-US"/>
           </a:p>
@@ -21130,7 +24615,7 @@
           <a:p>
             <a:fld id="{1C96604A-09F8-47BF-B7C7-2BF5641F0976}" type="datetimeFigureOut">
               <a:rPr lang="en-US" smtClean="0"/>
-              <a:t>24-Nov-19</a:t>
+              <a:t>11/24/2019</a:t>
             </a:fld>
             <a:endParaRPr lang="en-US"/>
           </a:p>
@@ -21310,7 +24795,7 @@
           <a:p>
             <a:fld id="{1C96604A-09F8-47BF-B7C7-2BF5641F0976}" type="datetimeFigureOut">
               <a:rPr lang="en-US" smtClean="0"/>
-              <a:t>24-Nov-19</a:t>
+              <a:t>11/24/2019</a:t>
             </a:fld>
             <a:endParaRPr lang="en-US"/>
           </a:p>
@@ -21515,7 +25000,7 @@
           <a:p>
             <a:fld id="{1C96604A-09F8-47BF-B7C7-2BF5641F0976}" type="datetimeFigureOut">
               <a:rPr lang="en-US" smtClean="0"/>
-              <a:t>24-Nov-19</a:t>
+              <a:t>11/24/2019</a:t>
             </a:fld>
             <a:endParaRPr lang="en-US"/>
           </a:p>
@@ -30413,7 +33898,7 @@
           <a:p>
             <a:fld id="{1C96604A-09F8-47BF-B7C7-2BF5641F0976}" type="datetimeFigureOut">
               <a:rPr lang="en-US" smtClean="0"/>
-              <a:t>24-Nov-19</a:t>
+              <a:t>11/24/2019</a:t>
             </a:fld>
             <a:endParaRPr lang="en-US"/>
           </a:p>
@@ -30687,7 +34172,7 @@
           <a:p>
             <a:fld id="{1C96604A-09F8-47BF-B7C7-2BF5641F0976}" type="datetimeFigureOut">
               <a:rPr lang="en-US" smtClean="0"/>
-              <a:t>24-Nov-19</a:t>
+              <a:t>11/24/2019</a:t>
             </a:fld>
             <a:endParaRPr lang="en-US"/>
           </a:p>
@@ -31085,7 +34570,7 @@
           <a:p>
             <a:fld id="{1C96604A-09F8-47BF-B7C7-2BF5641F0976}" type="datetimeFigureOut">
               <a:rPr lang="en-US" smtClean="0"/>
-              <a:t>24-Nov-19</a:t>
+              <a:t>11/24/2019</a:t>
             </a:fld>
             <a:endParaRPr lang="en-US"/>
           </a:p>
@@ -31203,7 +34688,7 @@
           <a:p>
             <a:fld id="{1C96604A-09F8-47BF-B7C7-2BF5641F0976}" type="datetimeFigureOut">
               <a:rPr lang="en-US" smtClean="0"/>
-              <a:t>24-Nov-19</a:t>
+              <a:t>11/24/2019</a:t>
             </a:fld>
             <a:endParaRPr lang="en-US"/>
           </a:p>
@@ -31298,7 +34783,7 @@
           <a:p>
             <a:fld id="{1C96604A-09F8-47BF-B7C7-2BF5641F0976}" type="datetimeFigureOut">
               <a:rPr lang="en-US" smtClean="0"/>
-              <a:t>24-Nov-19</a:t>
+              <a:t>11/24/2019</a:t>
             </a:fld>
             <a:endParaRPr lang="en-US"/>
           </a:p>
@@ -31588,7 +35073,7 @@
           <a:p>
             <a:fld id="{1C96604A-09F8-47BF-B7C7-2BF5641F0976}" type="datetimeFigureOut">
               <a:rPr lang="en-US" smtClean="0"/>
-              <a:t>24-Nov-19</a:t>
+              <a:t>11/24/2019</a:t>
             </a:fld>
             <a:endParaRPr lang="en-US"/>
           </a:p>
@@ -31868,7 +35353,7 @@
           <a:p>
             <a:fld id="{1C96604A-09F8-47BF-B7C7-2BF5641F0976}" type="datetimeFigureOut">
               <a:rPr lang="en-US" smtClean="0"/>
-              <a:t>24-Nov-19</a:t>
+              <a:t>11/24/2019</a:t>
             </a:fld>
             <a:endParaRPr lang="en-US"/>
           </a:p>
@@ -32118,7 +35603,7 @@
           <a:p>
             <a:fld id="{1C96604A-09F8-47BF-B7C7-2BF5641F0976}" type="datetimeFigureOut">
               <a:rPr lang="en-US" smtClean="0"/>
-              <a:t>24-Nov-19</a:t>
+              <a:t>11/24/2019</a:t>
             </a:fld>
             <a:endParaRPr lang="en-US"/>
           </a:p>
@@ -32736,7 +36221,7 @@
                 <a16:creationId xmlns:a16="http://schemas.microsoft.com/office/drawing/2014/main" id="{F7422F06-6017-4361-8872-E0E2CEB20B48}"/>
               </a:ext>
               <a:ext uri="{C183D7F6-B498-43B3-948B-1728B52AA6E4}">
-                <adec:decorative xmlns:adec="http://schemas.microsoft.com/office/drawing/2017/decorative" val="1"/>
+                <adec:decorative xmlns:adec="http://schemas.microsoft.com/office/drawing/2017/decorative" xmlns="" val="1"/>
               </a:ext>
             </a:extLst>
           </p:cNvPr>
@@ -32907,7 +36392,7 @@
                 <a16:creationId xmlns:a16="http://schemas.microsoft.com/office/drawing/2014/main" id="{39E4C68A-A4A9-48A4-9FF2-D2896B1EA01F}"/>
               </a:ext>
               <a:ext uri="{C183D7F6-B498-43B3-948B-1728B52AA6E4}">
-                <adec:decorative xmlns:adec="http://schemas.microsoft.com/office/drawing/2017/decorative" val="1"/>
+                <adec:decorative xmlns:adec="http://schemas.microsoft.com/office/drawing/2017/decorative" xmlns="" val="1"/>
               </a:ext>
             </a:extLst>
           </p:cNvPr>
@@ -32967,7 +36452,7 @@
                 <a16:creationId xmlns:a16="http://schemas.microsoft.com/office/drawing/2014/main" id="{E2B9AEA5-52CB-49A6-AF8A-33502F291B91}"/>
               </a:ext>
               <a:ext uri="{C183D7F6-B498-43B3-948B-1728B52AA6E4}">
-                <adec:decorative xmlns:adec="http://schemas.microsoft.com/office/drawing/2017/decorative" val="1"/>
+                <adec:decorative xmlns:adec="http://schemas.microsoft.com/office/drawing/2017/decorative" xmlns="" val="1"/>
               </a:ext>
             </a:extLst>
           </p:cNvPr>
@@ -33213,7 +36698,7 @@
             <p:ph idx="1"/>
             <p:extLst>
               <p:ext uri="{D42A27DB-BD31-4B8C-83A1-F6EECF244321}">
-                <p14:modId xmlns:p14="http://schemas.microsoft.com/office/powerpoint/2010/main" val="699164649"/>
+                <p14:modId xmlns:p14="http://schemas.microsoft.com/office/powerpoint/2010/main" val="3134498246"/>
               </p:ext>
             </p:extLst>
           </p:nvPr>
@@ -33340,6 +36825,13 @@
   <p:clrMapOvr>
     <a:masterClrMapping/>
   </p:clrMapOvr>
+  <p:timing>
+    <p:tnLst>
+      <p:par>
+        <p:cTn id="1" dur="indefinite" restart="never" nodeType="tmRoot"/>
+      </p:par>
+    </p:tnLst>
+  </p:timing>
 </p:sld>
 </file>
 
@@ -33449,10 +36941,701 @@
   <p:clrMapOvr>
     <a:masterClrMapping/>
   </p:clrMapOvr>
+  <p:timing>
+    <p:tnLst>
+      <p:par>
+        <p:cTn id="1" dur="indefinite" restart="never" nodeType="tmRoot"/>
+      </p:par>
+    </p:tnLst>
+  </p:timing>
 </p:sld>
 </file>
 
 <file path=ppt/slides/slide7.xml><?xml version="1.0" encoding="utf-8"?>
+<p:sld xmlns:a="http://schemas.openxmlformats.org/drawingml/2006/main" xmlns:r="http://schemas.openxmlformats.org/officeDocument/2006/relationships" xmlns:p="http://schemas.openxmlformats.org/presentationml/2006/main">
+  <p:cSld>
+    <p:spTree>
+      <p:nvGrpSpPr>
+        <p:cNvPr id="1" name=""/>
+        <p:cNvGrpSpPr/>
+        <p:nvPr/>
+      </p:nvGrpSpPr>
+      <p:grpSpPr>
+        <a:xfrm>
+          <a:off x="0" y="0"/>
+          <a:ext cx="0" cy="0"/>
+          <a:chOff x="0" y="0"/>
+          <a:chExt cx="0" cy="0"/>
+        </a:xfrm>
+      </p:grpSpPr>
+      <p:sp>
+        <p:nvSpPr>
+          <p:cNvPr id="2" name="Title 1">
+            <a:extLst>
+              <a:ext uri="{FF2B5EF4-FFF2-40B4-BE49-F238E27FC236}">
+                <a16:creationId xmlns:a16="http://schemas.microsoft.com/office/drawing/2014/main" id="{47428201-3EC1-4BB4-8978-28452B60626D}"/>
+              </a:ext>
+            </a:extLst>
+          </p:cNvPr>
+          <p:cNvSpPr>
+            <a:spLocks noGrp="1"/>
+          </p:cNvSpPr>
+          <p:nvPr>
+            <p:ph type="title"/>
+          </p:nvPr>
+        </p:nvSpPr>
+        <p:spPr>
+          <a:xfrm>
+            <a:off x="1024129" y="610616"/>
+            <a:ext cx="9720072" cy="1499616"/>
+          </a:xfrm>
+        </p:spPr>
+        <p:txBody>
+          <a:bodyPr/>
+          <a:lstStyle/>
+          <a:p>
+            <a:pPr lvl="0"/>
+            <a:r>
+              <a:rPr lang="en-US" dirty="0"/>
+              <a:t>The </a:t>
+            </a:r>
+            <a:r>
+              <a:rPr lang="en-US" dirty="0"/>
+              <a:t>“</a:t>
+            </a:r>
+            <a:r>
+              <a:rPr lang="el-GR" b="1" dirty="0"/>
+              <a:t>χ</a:t>
+            </a:r>
+            <a:r>
+              <a:rPr lang="el-GR" b="1" baseline="30000" dirty="0"/>
+              <a:t>2</a:t>
+            </a:r>
+            <a:r>
+              <a:rPr lang="en-US" dirty="0"/>
+              <a:t>” (</a:t>
+            </a:r>
+            <a:r>
+              <a:rPr lang="en-US" b="1" dirty="0"/>
+              <a:t>Chi-squared</a:t>
+            </a:r>
+            <a:r>
+              <a:rPr lang="en-US" dirty="0"/>
+              <a:t>) </a:t>
+            </a:r>
+            <a:r>
+              <a:rPr lang="en-US" dirty="0" smtClean="0"/>
+              <a:t>method</a:t>
+            </a:r>
+            <a:endParaRPr lang="en-US" dirty="0"/>
+          </a:p>
+        </p:txBody>
+      </p:sp>
+      <mc:AlternateContent xmlns:mc="http://schemas.openxmlformats.org/markup-compatibility/2006">
+        <mc:Choice xmlns:a14="http://schemas.microsoft.com/office/drawing/2010/main" Requires="a14">
+          <p:sp>
+            <p:nvSpPr>
+              <p:cNvPr id="3" name="Content Placeholder 2">
+                <a:extLst>
+                  <a:ext uri="{FF2B5EF4-FFF2-40B4-BE49-F238E27FC236}">
+                    <a16:creationId xmlns:a16="http://schemas.microsoft.com/office/drawing/2014/main" id="{F55BB65B-D1D8-4F57-972C-BA59303E68D5}"/>
+                  </a:ext>
+                </a:extLst>
+              </p:cNvPr>
+              <p:cNvSpPr>
+                <a:spLocks noGrp="1"/>
+              </p:cNvSpPr>
+              <p:nvPr>
+                <p:ph idx="1"/>
+              </p:nvPr>
+            </p:nvSpPr>
+            <p:spPr>
+              <a:xfrm>
+                <a:off x="1024128" y="2092007"/>
+                <a:ext cx="9720073" cy="4023360"/>
+              </a:xfrm>
+            </p:spPr>
+            <p:txBody>
+              <a:bodyPr/>
+              <a:lstStyle/>
+              <a:p>
+                <a:pPr marL="0" indent="0">
+                  <a:buNone/>
+                </a:pPr>
+                <a:r>
+                  <a:rPr lang="el-GR" sz="3200" b="1" dirty="0" smtClean="0"/>
+                  <a:t>χ</a:t>
+                </a:r>
+                <a:r>
+                  <a:rPr lang="el-GR" sz="3200" b="1" baseline="30000" dirty="0" smtClean="0"/>
+                  <a:t>2 </a:t>
+                </a:r>
+                <a14:m>
+                  <m:oMath xmlns:m="http://schemas.openxmlformats.org/officeDocument/2006/math">
+                    <m:r>
+                      <a:rPr lang="en-US" sz="3200" b="0" i="1" smtClean="0">
+                        <a:latin typeface="Cambria Math" panose="02040503050406030204" pitchFamily="18" charset="0"/>
+                      </a:rPr>
+                      <m:t>=</m:t>
+                    </m:r>
+                    <m:nary>
+                      <m:naryPr>
+                        <m:chr m:val="∑"/>
+                        <m:ctrlPr>
+                          <a:rPr lang="en-US" sz="3200" b="0" i="1" smtClean="0">
+                            <a:latin typeface="Cambria Math" panose="02040503050406030204" pitchFamily="18" charset="0"/>
+                          </a:rPr>
+                        </m:ctrlPr>
+                      </m:naryPr>
+                      <m:sub>
+                        <m:r>
+                          <m:rPr>
+                            <m:brk m:alnAt="23"/>
+                          </m:rPr>
+                          <a:rPr lang="en-US" sz="3200" b="0" i="1" smtClean="0">
+                            <a:latin typeface="Cambria Math" panose="02040503050406030204" pitchFamily="18" charset="0"/>
+                          </a:rPr>
+                          <m:t>𝑖</m:t>
+                        </m:r>
+                        <m:r>
+                          <a:rPr lang="en-US" sz="3200" b="0" i="1" smtClean="0">
+                            <a:latin typeface="Cambria Math" panose="02040503050406030204" pitchFamily="18" charset="0"/>
+                          </a:rPr>
+                          <m:t>=1</m:t>
+                        </m:r>
+                      </m:sub>
+                      <m:sup>
+                        <m:r>
+                          <a:rPr lang="en-US" sz="3200" b="0" i="1" smtClean="0">
+                            <a:latin typeface="Cambria Math" panose="02040503050406030204" pitchFamily="18" charset="0"/>
+                          </a:rPr>
+                          <m:t>𝑛</m:t>
+                        </m:r>
+                      </m:sup>
+                      <m:e>
+                        <m:f>
+                          <m:fPr>
+                            <m:ctrlPr>
+                              <a:rPr lang="en-US" sz="3200" b="0" i="1" smtClean="0">
+                                <a:latin typeface="Cambria Math" panose="02040503050406030204" pitchFamily="18" charset="0"/>
+                              </a:rPr>
+                            </m:ctrlPr>
+                          </m:fPr>
+                          <m:num>
+                            <m:sSup>
+                              <m:sSupPr>
+                                <m:ctrlPr>
+                                  <a:rPr lang="en-US" sz="3200" b="0" i="1" smtClean="0">
+                                    <a:latin typeface="Cambria Math" panose="02040503050406030204" pitchFamily="18" charset="0"/>
+                                  </a:rPr>
+                                </m:ctrlPr>
+                              </m:sSupPr>
+                              <m:e>
+                                <m:r>
+                                  <a:rPr lang="en-US" sz="3200" i="1">
+                                    <a:latin typeface="Cambria Math" panose="02040503050406030204" pitchFamily="18" charset="0"/>
+                                  </a:rPr>
+                                  <m:t>(</m:t>
+                                </m:r>
+                                <m:sSub>
+                                  <m:sSubPr>
+                                    <m:ctrlPr>
+                                      <a:rPr lang="en-US" sz="3200" i="1">
+                                        <a:latin typeface="Cambria Math" panose="02040503050406030204" pitchFamily="18" charset="0"/>
+                                      </a:rPr>
+                                    </m:ctrlPr>
+                                  </m:sSubPr>
+                                  <m:e>
+                                    <m:r>
+                                      <a:rPr lang="en-US" sz="3200" i="1">
+                                        <a:latin typeface="Cambria Math" panose="02040503050406030204" pitchFamily="18" charset="0"/>
+                                      </a:rPr>
+                                      <m:t>𝑓</m:t>
+                                    </m:r>
+                                  </m:e>
+                                  <m:sub>
+                                    <m:r>
+                                      <a:rPr lang="en-US" sz="3200" i="1">
+                                        <a:latin typeface="Cambria Math" panose="02040503050406030204" pitchFamily="18" charset="0"/>
+                                      </a:rPr>
+                                      <m:t>𝑖</m:t>
+                                    </m:r>
+                                  </m:sub>
+                                </m:sSub>
+                                <m:r>
+                                  <a:rPr lang="en-US" sz="3200" i="1">
+                                    <a:latin typeface="Cambria Math" panose="02040503050406030204" pitchFamily="18" charset="0"/>
+                                  </a:rPr>
+                                  <m:t>−</m:t>
+                                </m:r>
+                                <m:sSub>
+                                  <m:sSubPr>
+                                    <m:ctrlPr>
+                                      <a:rPr lang="en-US" sz="3200" i="1">
+                                        <a:latin typeface="Cambria Math" panose="02040503050406030204" pitchFamily="18" charset="0"/>
+                                      </a:rPr>
+                                    </m:ctrlPr>
+                                  </m:sSubPr>
+                                  <m:e>
+                                    <m:r>
+                                      <a:rPr lang="en-US" sz="3200" i="1">
+                                        <a:latin typeface="Cambria Math" panose="02040503050406030204" pitchFamily="18" charset="0"/>
+                                      </a:rPr>
+                                      <m:t>𝐹</m:t>
+                                    </m:r>
+                                  </m:e>
+                                  <m:sub>
+                                    <m:r>
+                                      <a:rPr lang="en-US" sz="3200" i="1">
+                                        <a:latin typeface="Cambria Math" panose="02040503050406030204" pitchFamily="18" charset="0"/>
+                                      </a:rPr>
+                                      <m:t>𝑖</m:t>
+                                    </m:r>
+                                  </m:sub>
+                                </m:sSub>
+                                <m:r>
+                                  <a:rPr lang="en-US" sz="3200" i="1">
+                                    <a:latin typeface="Cambria Math" panose="02040503050406030204" pitchFamily="18" charset="0"/>
+                                  </a:rPr>
+                                  <m:t>)</m:t>
+                                </m:r>
+                              </m:e>
+                              <m:sup>
+                                <m:r>
+                                  <a:rPr lang="en-US" sz="3200" b="0" i="1" smtClean="0">
+                                    <a:latin typeface="Cambria Math" panose="02040503050406030204" pitchFamily="18" charset="0"/>
+                                  </a:rPr>
+                                  <m:t>2</m:t>
+                                </m:r>
+                              </m:sup>
+                            </m:sSup>
+                          </m:num>
+                          <m:den>
+                            <m:sSub>
+                              <m:sSubPr>
+                                <m:ctrlPr>
+                                  <a:rPr lang="en-US" sz="3200" i="1">
+                                    <a:latin typeface="Cambria Math" panose="02040503050406030204" pitchFamily="18" charset="0"/>
+                                  </a:rPr>
+                                </m:ctrlPr>
+                              </m:sSubPr>
+                              <m:e>
+                                <m:r>
+                                  <a:rPr lang="en-US" sz="3200" i="1">
+                                    <a:latin typeface="Cambria Math" panose="02040503050406030204" pitchFamily="18" charset="0"/>
+                                  </a:rPr>
+                                  <m:t>𝐹</m:t>
+                                </m:r>
+                              </m:e>
+                              <m:sub>
+                                <m:r>
+                                  <a:rPr lang="en-US" sz="3200" i="1">
+                                    <a:latin typeface="Cambria Math" panose="02040503050406030204" pitchFamily="18" charset="0"/>
+                                  </a:rPr>
+                                  <m:t>𝑖</m:t>
+                                </m:r>
+                              </m:sub>
+                            </m:sSub>
+                          </m:den>
+                        </m:f>
+                      </m:e>
+                    </m:nary>
+                  </m:oMath>
+                </a14:m>
+                <a:r>
+                  <a:rPr lang="en-US" sz="3200" dirty="0" smtClean="0"/>
+                  <a:t>    </a:t>
+                </a:r>
+              </a:p>
+              <a:p>
+                <a:pPr marL="0" indent="0">
+                  <a:buNone/>
+                </a:pPr>
+                <a:endParaRPr lang="en-US" sz="2000" dirty="0" smtClean="0"/>
+              </a:p>
+              <a:p>
+                <a:pPr marL="0" indent="0">
+                  <a:buNone/>
+                </a:pPr>
+                <a:r>
+                  <a:rPr lang="en-US" sz="2000" dirty="0" smtClean="0"/>
+                  <a:t>E.g: </a:t>
+                </a:r>
+                <a:r>
+                  <a:rPr lang="en-US" b="1" dirty="0" smtClean="0"/>
+                  <a:t>WWBQCUOBSW </a:t>
+                </a:r>
+                <a:r>
+                  <a:rPr lang="en-US" dirty="0" smtClean="0"/>
+                  <a:t>(Caesar </a:t>
+                </a:r>
+                <a:r>
+                  <a:rPr lang="en-US" dirty="0" err="1" smtClean="0"/>
+                  <a:t>ciphertext</a:t>
+                </a:r>
+                <a:r>
+                  <a:rPr lang="en-US" dirty="0" smtClean="0"/>
+                  <a:t>) -&gt; Key </a:t>
+                </a:r>
+                <a:r>
+                  <a:rPr lang="en-US" dirty="0" smtClean="0">
+                    <a:latin typeface=".VnArial" panose="020B7200000000000000" pitchFamily="34" charset="0"/>
+                  </a:rPr>
+                  <a:t>?</a:t>
+                </a:r>
+                <a:endParaRPr lang="en-US" dirty="0" smtClean="0"/>
+              </a:p>
+              <a:p>
+                <a:pPr marL="0" indent="0">
+                  <a:buNone/>
+                </a:pPr>
+                <a:endParaRPr lang="en-US" sz="2000" dirty="0"/>
+              </a:p>
+            </p:txBody>
+          </p:sp>
+        </mc:Choice>
+        <mc:Fallback>
+          <p:sp>
+            <p:nvSpPr>
+              <p:cNvPr id="3" name="Content Placeholder 2">
+                <a:extLst>
+                  <a:ext uri="{FF2B5EF4-FFF2-40B4-BE49-F238E27FC236}">
+                    <a16:creationId xmlns:a16="http://schemas.microsoft.com/office/drawing/2014/main" id="{F55BB65B-D1D8-4F57-972C-BA59303E68D5}"/>
+                  </a:ext>
+                </a:extLst>
+              </p:cNvPr>
+              <p:cNvSpPr>
+                <a:spLocks noGrp="1" noRot="1" noChangeAspect="1" noMove="1" noResize="1" noEditPoints="1" noAdjustHandles="1" noChangeArrowheads="1" noChangeShapeType="1" noTextEdit="1"/>
+              </p:cNvSpPr>
+              <p:nvPr>
+                <p:ph idx="1"/>
+              </p:nvPr>
+            </p:nvSpPr>
+            <p:spPr>
+              <a:xfrm>
+                <a:off x="1024128" y="2092007"/>
+                <a:ext cx="9720073" cy="4023360"/>
+              </a:xfrm>
+              <a:blipFill>
+                <a:blip r:embed="rId2"/>
+                <a:stretch>
+                  <a:fillRect l="-2069"/>
+                </a:stretch>
+              </a:blipFill>
+            </p:spPr>
+            <p:txBody>
+              <a:bodyPr/>
+              <a:lstStyle/>
+              <a:p>
+                <a:r>
+                  <a:rPr lang="en-US">
+                    <a:noFill/>
+                  </a:rPr>
+                  <a:t> </a:t>
+                </a:r>
+              </a:p>
+            </p:txBody>
+          </p:sp>
+        </mc:Fallback>
+      </mc:AlternateContent>
+      <p:pic>
+        <p:nvPicPr>
+          <p:cNvPr id="5" name="Picture 4"/>
+          <p:cNvPicPr>
+            <a:picLocks noChangeAspect="1"/>
+          </p:cNvPicPr>
+          <p:nvPr/>
+        </p:nvPicPr>
+        <p:blipFill>
+          <a:blip r:embed="rId3"/>
+          <a:stretch>
+            <a:fillRect/>
+          </a:stretch>
+        </p:blipFill>
+        <p:spPr>
+          <a:xfrm>
+            <a:off x="4446587" y="2219039"/>
+            <a:ext cx="5573316" cy="787400"/>
+          </a:xfrm>
+          <a:prstGeom prst="rect">
+            <a:avLst/>
+          </a:prstGeom>
+        </p:spPr>
+      </p:pic>
+      <p:pic>
+        <p:nvPicPr>
+          <p:cNvPr id="6" name="Picture 5"/>
+          <p:cNvPicPr>
+            <a:picLocks noChangeAspect="1"/>
+          </p:cNvPicPr>
+          <p:nvPr/>
+        </p:nvPicPr>
+        <p:blipFill>
+          <a:blip r:embed="rId4"/>
+          <a:stretch>
+            <a:fillRect/>
+          </a:stretch>
+        </p:blipFill>
+        <p:spPr>
+          <a:xfrm>
+            <a:off x="573087" y="3900487"/>
+            <a:ext cx="6219825" cy="2638425"/>
+          </a:xfrm>
+          <a:prstGeom prst="rect">
+            <a:avLst/>
+          </a:prstGeom>
+        </p:spPr>
+      </p:pic>
+      <p:pic>
+        <p:nvPicPr>
+          <p:cNvPr id="8" name="Picture 7"/>
+          <p:cNvPicPr>
+            <a:picLocks noChangeAspect="1"/>
+          </p:cNvPicPr>
+          <p:nvPr/>
+        </p:nvPicPr>
+        <p:blipFill>
+          <a:blip r:embed="rId5"/>
+          <a:stretch>
+            <a:fillRect/>
+          </a:stretch>
+        </p:blipFill>
+        <p:spPr>
+          <a:xfrm>
+            <a:off x="7696994" y="509587"/>
+            <a:ext cx="2143125" cy="6029325"/>
+          </a:xfrm>
+          <a:prstGeom prst="rect">
+            <a:avLst/>
+          </a:prstGeom>
+        </p:spPr>
+      </p:pic>
+    </p:spTree>
+    <p:extLst>
+      <p:ext uri="{BB962C8B-B14F-4D97-AF65-F5344CB8AC3E}">
+        <p14:creationId xmlns:p14="http://schemas.microsoft.com/office/powerpoint/2010/main" val="2808748757"/>
+      </p:ext>
+    </p:extLst>
+  </p:cSld>
+  <p:clrMapOvr>
+    <a:masterClrMapping/>
+  </p:clrMapOvr>
+  <p:timing>
+    <p:tnLst>
+      <p:par>
+        <p:cTn id="1" dur="indefinite" restart="never" nodeType="tmRoot">
+          <p:childTnLst>
+            <p:seq concurrent="1" nextAc="seek">
+              <p:cTn id="2" dur="indefinite" nodeType="mainSeq">
+                <p:childTnLst>
+                  <p:par>
+                    <p:cTn id="3" fill="hold">
+                      <p:stCondLst>
+                        <p:cond delay="indefinite"/>
+                      </p:stCondLst>
+                      <p:childTnLst>
+                        <p:par>
+                          <p:cTn id="4" fill="hold">
+                            <p:stCondLst>
+                              <p:cond delay="0"/>
+                            </p:stCondLst>
+                            <p:childTnLst>
+                              <p:par>
+                                <p:cTn id="5" presetID="2" presetClass="entr" presetSubtype="8" fill="hold" nodeType="clickEffect">
+                                  <p:stCondLst>
+                                    <p:cond delay="0"/>
+                                  </p:stCondLst>
+                                  <p:childTnLst>
+                                    <p:set>
+                                      <p:cBhvr>
+                                        <p:cTn id="6" dur="1" fill="hold">
+                                          <p:stCondLst>
+                                            <p:cond delay="0"/>
+                                          </p:stCondLst>
+                                        </p:cTn>
+                                        <p:tgtEl>
+                                          <p:spTgt spid="6"/>
+                                        </p:tgtEl>
+                                        <p:attrNameLst>
+                                          <p:attrName>style.visibility</p:attrName>
+                                        </p:attrNameLst>
+                                      </p:cBhvr>
+                                      <p:to>
+                                        <p:strVal val="visible"/>
+                                      </p:to>
+                                    </p:set>
+                                    <p:anim calcmode="lin" valueType="num">
+                                      <p:cBhvr additive="base">
+                                        <p:cTn id="7" dur="500" fill="hold"/>
+                                        <p:tgtEl>
+                                          <p:spTgt spid="6"/>
+                                        </p:tgtEl>
+                                        <p:attrNameLst>
+                                          <p:attrName>ppt_x</p:attrName>
+                                        </p:attrNameLst>
+                                      </p:cBhvr>
+                                      <p:tavLst>
+                                        <p:tav tm="0">
+                                          <p:val>
+                                            <p:strVal val="0-#ppt_w/2"/>
+                                          </p:val>
+                                        </p:tav>
+                                        <p:tav tm="100000">
+                                          <p:val>
+                                            <p:strVal val="#ppt_x"/>
+                                          </p:val>
+                                        </p:tav>
+                                      </p:tavLst>
+                                    </p:anim>
+                                    <p:anim calcmode="lin" valueType="num">
+                                      <p:cBhvr additive="base">
+                                        <p:cTn id="8" dur="500" fill="hold"/>
+                                        <p:tgtEl>
+                                          <p:spTgt spid="6"/>
+                                        </p:tgtEl>
+                                        <p:attrNameLst>
+                                          <p:attrName>ppt_y</p:attrName>
+                                        </p:attrNameLst>
+                                      </p:cBhvr>
+                                      <p:tavLst>
+                                        <p:tav tm="0">
+                                          <p:val>
+                                            <p:strVal val="#ppt_y"/>
+                                          </p:val>
+                                        </p:tav>
+                                        <p:tav tm="100000">
+                                          <p:val>
+                                            <p:strVal val="#ppt_y"/>
+                                          </p:val>
+                                        </p:tav>
+                                      </p:tavLst>
+                                    </p:anim>
+                                  </p:childTnLst>
+                                </p:cTn>
+                              </p:par>
+                            </p:childTnLst>
+                          </p:cTn>
+                        </p:par>
+                      </p:childTnLst>
+                    </p:cTn>
+                  </p:par>
+                  <p:par>
+                    <p:cTn id="9" fill="hold">
+                      <p:stCondLst>
+                        <p:cond delay="indefinite"/>
+                      </p:stCondLst>
+                      <p:childTnLst>
+                        <p:par>
+                          <p:cTn id="10" fill="hold">
+                            <p:stCondLst>
+                              <p:cond delay="0"/>
+                            </p:stCondLst>
+                            <p:childTnLst>
+                              <p:par>
+                                <p:cTn id="11" presetID="2" presetClass="entr" presetSubtype="2" fill="hold" nodeType="clickEffect">
+                                  <p:stCondLst>
+                                    <p:cond delay="0"/>
+                                  </p:stCondLst>
+                                  <p:childTnLst>
+                                    <p:set>
+                                      <p:cBhvr>
+                                        <p:cTn id="12" dur="1" fill="hold">
+                                          <p:stCondLst>
+                                            <p:cond delay="0"/>
+                                          </p:stCondLst>
+                                        </p:cTn>
+                                        <p:tgtEl>
+                                          <p:spTgt spid="8"/>
+                                        </p:tgtEl>
+                                        <p:attrNameLst>
+                                          <p:attrName>style.visibility</p:attrName>
+                                        </p:attrNameLst>
+                                      </p:cBhvr>
+                                      <p:to>
+                                        <p:strVal val="visible"/>
+                                      </p:to>
+                                    </p:set>
+                                    <p:anim calcmode="lin" valueType="num">
+                                      <p:cBhvr additive="base">
+                                        <p:cTn id="13" dur="500" fill="hold"/>
+                                        <p:tgtEl>
+                                          <p:spTgt spid="8"/>
+                                        </p:tgtEl>
+                                        <p:attrNameLst>
+                                          <p:attrName>ppt_x</p:attrName>
+                                        </p:attrNameLst>
+                                      </p:cBhvr>
+                                      <p:tavLst>
+                                        <p:tav tm="0">
+                                          <p:val>
+                                            <p:strVal val="1+#ppt_w/2"/>
+                                          </p:val>
+                                        </p:tav>
+                                        <p:tav tm="100000">
+                                          <p:val>
+                                            <p:strVal val="#ppt_x"/>
+                                          </p:val>
+                                        </p:tav>
+                                      </p:tavLst>
+                                    </p:anim>
+                                    <p:anim calcmode="lin" valueType="num">
+                                      <p:cBhvr additive="base">
+                                        <p:cTn id="14" dur="500" fill="hold"/>
+                                        <p:tgtEl>
+                                          <p:spTgt spid="8"/>
+                                        </p:tgtEl>
+                                        <p:attrNameLst>
+                                          <p:attrName>ppt_y</p:attrName>
+                                        </p:attrNameLst>
+                                      </p:cBhvr>
+                                      <p:tavLst>
+                                        <p:tav tm="0">
+                                          <p:val>
+                                            <p:strVal val="#ppt_y"/>
+                                          </p:val>
+                                        </p:tav>
+                                        <p:tav tm="100000">
+                                          <p:val>
+                                            <p:strVal val="#ppt_y"/>
+                                          </p:val>
+                                        </p:tav>
+                                      </p:tavLst>
+                                    </p:anim>
+                                  </p:childTnLst>
+                                </p:cTn>
+                              </p:par>
+                            </p:childTnLst>
+                          </p:cTn>
+                        </p:par>
+                      </p:childTnLst>
+                    </p:cTn>
+                  </p:par>
+                </p:childTnLst>
+              </p:cTn>
+              <p:prevCondLst>
+                <p:cond evt="onPrev" delay="0">
+                  <p:tgtEl>
+                    <p:sldTgt/>
+                  </p:tgtEl>
+                </p:cond>
+              </p:prevCondLst>
+              <p:nextCondLst>
+                <p:cond evt="onNext" delay="0">
+                  <p:tgtEl>
+                    <p:sldTgt/>
+                  </p:tgtEl>
+                </p:cond>
+              </p:nextCondLst>
+            </p:seq>
+          </p:childTnLst>
+        </p:cTn>
+      </p:par>
+    </p:tnLst>
+  </p:timing>
+</p:sld>
+</file>
+
+<file path=ppt/slides/slide8.xml><?xml version="1.0" encoding="utf-8"?>
 <p:sld xmlns:a="http://schemas.openxmlformats.org/drawingml/2006/main" xmlns:r="http://schemas.openxmlformats.org/officeDocument/2006/relationships" xmlns:p="http://schemas.openxmlformats.org/presentationml/2006/main">
   <p:cSld>
     <p:spTree>
@@ -33490,10 +37673,40 @@
           <a:bodyPr/>
           <a:lstStyle/>
           <a:p>
+            <a:pPr lvl="0"/>
             <a:r>
               <a:rPr lang="en-US" dirty="0"/>
-              <a:t>The X power 2 method</a:t>
+              <a:t>The </a:t>
             </a:r>
+            <a:r>
+              <a:rPr lang="en-US" dirty="0"/>
+              <a:t>“</a:t>
+            </a:r>
+            <a:r>
+              <a:rPr lang="el-GR" b="1" dirty="0"/>
+              <a:t>χ</a:t>
+            </a:r>
+            <a:r>
+              <a:rPr lang="el-GR" b="1" baseline="30000" dirty="0"/>
+              <a:t>2</a:t>
+            </a:r>
+            <a:r>
+              <a:rPr lang="en-US" dirty="0"/>
+              <a:t>” (</a:t>
+            </a:r>
+            <a:r>
+              <a:rPr lang="en-US" b="1" dirty="0"/>
+              <a:t>Chi-squared</a:t>
+            </a:r>
+            <a:r>
+              <a:rPr lang="en-US" dirty="0"/>
+              <a:t>) </a:t>
+            </a:r>
+            <a:r>
+              <a:rPr lang="en-US" dirty="0" smtClean="0"/>
+              <a:t>method</a:t>
+            </a:r>
+            <a:endParaRPr lang="en-US" dirty="0"/>
           </a:p>
         </p:txBody>
       </p:sp>
@@ -33518,10 +37731,38 @@
           <a:bodyPr/>
           <a:lstStyle/>
           <a:p>
-            <a:endParaRPr lang="en-US"/>
+            <a:endParaRPr lang="en-US" dirty="0"/>
           </a:p>
         </p:txBody>
       </p:sp>
+      <p:graphicFrame>
+        <p:nvGraphicFramePr>
+          <p:cNvPr id="4" name="Content Placeholder 2">
+            <a:extLst>
+              <a:ext uri="{FF2B5EF4-FFF2-40B4-BE49-F238E27FC236}">
+                <a16:creationId xmlns:a16="http://schemas.microsoft.com/office/drawing/2014/main" id="{F5702E4C-A4BE-49EE-9281-CDC7D335DD4F}"/>
+              </a:ext>
+            </a:extLst>
+          </p:cNvPr>
+          <p:cNvGraphicFramePr/>
+          <p:nvPr>
+            <p:extLst>
+              <p:ext uri="{D42A27DB-BD31-4B8C-83A1-F6EECF244321}">
+                <p14:modId xmlns:p14="http://schemas.microsoft.com/office/powerpoint/2010/main" val="2617887937"/>
+              </p:ext>
+            </p:extLst>
+          </p:nvPr>
+        </p:nvGraphicFramePr>
+        <p:xfrm>
+          <a:off x="1023938" y="2286000"/>
+          <a:ext cx="9720262" cy="4022725"/>
+        </p:xfrm>
+        <a:graphic>
+          <a:graphicData uri="http://schemas.openxmlformats.org/drawingml/2006/diagram">
+            <dgm:relIds xmlns:dgm="http://schemas.openxmlformats.org/drawingml/2006/diagram" xmlns:r="http://schemas.openxmlformats.org/officeDocument/2006/relationships" r:dm="rId2" r:lo="rId3" r:qs="rId4" r:cs="rId5"/>
+          </a:graphicData>
+        </a:graphic>
+      </p:graphicFrame>
     </p:spTree>
     <p:extLst>
       <p:ext uri="{BB962C8B-B14F-4D97-AF65-F5344CB8AC3E}">
@@ -33532,10 +37773,17 @@
   <p:clrMapOvr>
     <a:masterClrMapping/>
   </p:clrMapOvr>
+  <p:timing>
+    <p:tnLst>
+      <p:par>
+        <p:cTn id="1" dur="indefinite" restart="never" nodeType="tmRoot"/>
+      </p:par>
+    </p:tnLst>
+  </p:timing>
 </p:sld>
 </file>
 
-<file path=ppt/slides/slide8.xml><?xml version="1.0" encoding="utf-8"?>
+<file path=ppt/slides/slide9.xml><?xml version="1.0" encoding="utf-8"?>
 <p:sld xmlns:a="http://schemas.openxmlformats.org/drawingml/2006/main" xmlns:r="http://schemas.openxmlformats.org/officeDocument/2006/relationships" xmlns:p="http://schemas.openxmlformats.org/presentationml/2006/main">
   <p:cSld>
     <p:bg>
@@ -33568,7 +37816,7 @@
                 <a16:creationId xmlns:a16="http://schemas.microsoft.com/office/drawing/2014/main" id="{A10C41F2-1746-4431-9B52-B9F147A896B8}"/>
               </a:ext>
               <a:ext uri="{C183D7F6-B498-43B3-948B-1728B52AA6E4}">
-                <adec:decorative xmlns:adec="http://schemas.microsoft.com/office/drawing/2017/decorative" val="1"/>
+                <adec:decorative xmlns:adec="http://schemas.microsoft.com/office/drawing/2017/decorative" xmlns="" val="1"/>
               </a:ext>
             </a:extLst>
           </p:cNvPr>
@@ -33680,7 +37928,7 @@
                 <a16:creationId xmlns:a16="http://schemas.microsoft.com/office/drawing/2014/main" id="{7984928E-D694-4849-BBAD-D7C7DC405478}"/>
               </a:ext>
               <a:ext uri="{C183D7F6-B498-43B3-948B-1728B52AA6E4}">
-                <adec:decorative xmlns:adec="http://schemas.microsoft.com/office/drawing/2017/decorative" val="1"/>
+                <adec:decorative xmlns:adec="http://schemas.microsoft.com/office/drawing/2017/decorative" xmlns="" val="1"/>
               </a:ext>
             </a:extLst>
           </p:cNvPr>
@@ -33743,7 +37991,7 @@
                 <a16:creationId xmlns:a16="http://schemas.microsoft.com/office/drawing/2014/main" id="{A24A153C-9BEC-46E7-9AA4-DFC65A2B1A87}"/>
               </a:ext>
               <a:ext uri="{C183D7F6-B498-43B3-948B-1728B52AA6E4}">
-                <adec:decorative xmlns:adec="http://schemas.microsoft.com/office/drawing/2017/decorative" val="1"/>
+                <adec:decorative xmlns:adec="http://schemas.microsoft.com/office/drawing/2017/decorative" xmlns="" val="1"/>
               </a:ext>
             </a:extLst>
           </p:cNvPr>
@@ -39742,7 +43990,7 @@
                 <a16:creationId xmlns:a16="http://schemas.microsoft.com/office/drawing/2014/main" id="{99237721-19CF-41B1-AA0A-E1E1A8282D52}"/>
               </a:ext>
               <a:ext uri="{C183D7F6-B498-43B3-948B-1728B52AA6E4}">
-                <adec:decorative xmlns:adec="http://schemas.microsoft.com/office/drawing/2017/decorative" val="1"/>
+                <adec:decorative xmlns:adec="http://schemas.microsoft.com/office/drawing/2017/decorative" xmlns="" val="1"/>
               </a:ext>
             </a:extLst>
           </p:cNvPr>
@@ -39796,6 +44044,13 @@
   <p:clrMapOvr>
     <a:overrideClrMapping bg1="dk1" tx1="lt1" bg2="dk2" tx2="lt2" accent1="accent1" accent2="accent2" accent3="accent3" accent4="accent4" accent5="accent5" accent6="accent6" hlink="hlink" folHlink="folHlink"/>
   </p:clrMapOvr>
+  <p:timing>
+    <p:tnLst>
+      <p:par>
+        <p:cTn id="1" dur="indefinite" restart="never" nodeType="tmRoot"/>
+      </p:par>
+    </p:tnLst>
+  </p:timing>
 </p:sld>
 </file>
 
